--- a/Deck.pptx
+++ b/Deck.pptx
@@ -52,10 +52,39 @@
     <p:sldId id="284" r:id="rId45"/>
     <p:sldId id="282" r:id="rId46"/>
     <p:sldId id="291" r:id="rId47"/>
-    <p:sldId id="285" r:id="rId48"/>
-    <p:sldId id="286" r:id="rId49"/>
-    <p:sldId id="287" r:id="rId50"/>
-    <p:sldId id="288" r:id="rId51"/>
+    <p:sldId id="356" r:id="rId48"/>
+    <p:sldId id="285" r:id="rId49"/>
+    <p:sldId id="286" r:id="rId50"/>
+    <p:sldId id="287" r:id="rId51"/>
+    <p:sldId id="288" r:id="rId52"/>
+    <p:sldId id="341" r:id="rId53"/>
+    <p:sldId id="342" r:id="rId54"/>
+    <p:sldId id="344" r:id="rId55"/>
+    <p:sldId id="345" r:id="rId56"/>
+    <p:sldId id="346" r:id="rId57"/>
+    <p:sldId id="343" r:id="rId58"/>
+    <p:sldId id="348" r:id="rId59"/>
+    <p:sldId id="349" r:id="rId60"/>
+    <p:sldId id="347" r:id="rId61"/>
+    <p:sldId id="350" r:id="rId62"/>
+    <p:sldId id="352" r:id="rId63"/>
+    <p:sldId id="353" r:id="rId64"/>
+    <p:sldId id="355" r:id="rId65"/>
+    <p:sldId id="357" r:id="rId66"/>
+    <p:sldId id="360" r:id="rId67"/>
+    <p:sldId id="359" r:id="rId68"/>
+    <p:sldId id="361" r:id="rId69"/>
+    <p:sldId id="358" r:id="rId70"/>
+    <p:sldId id="362" r:id="rId71"/>
+    <p:sldId id="365" r:id="rId72"/>
+    <p:sldId id="366" r:id="rId73"/>
+    <p:sldId id="367" r:id="rId74"/>
+    <p:sldId id="371" r:id="rId75"/>
+    <p:sldId id="370" r:id="rId76"/>
+    <p:sldId id="372" r:id="rId77"/>
+    <p:sldId id="373" r:id="rId78"/>
+    <p:sldId id="376" r:id="rId79"/>
+    <p:sldId id="377" r:id="rId80"/>
   </p:sldIdLst>
   <p:sldSz cx="12192000" cy="6858000"/>
   <p:notesSz cx="6858000" cy="9144000"/>
@@ -12226,26 +12255,26 @@
           </a:bodyPr>
           <a:p>
             <a:r>
-              <a:rPr lang="" altLang="en-US" sz="2800" b="1">
+              <a:rPr lang="en-US" altLang="en-US" sz="2800" b="1">
                 <a:latin typeface="Laksaman" panose="020B0500040200020003" charset="0"/>
                 <a:cs typeface="Laksaman" panose="020B0500040200020003" charset="0"/>
               </a:rPr>
               <a:t>SCOLA WANGUI KAMANDE</a:t>
             </a:r>
-            <a:endParaRPr lang="" altLang="en-US" sz="2800" b="1">
+            <a:endParaRPr lang="en-US" altLang="en-US" sz="2800" b="1">
               <a:latin typeface="Laksaman" panose="020B0500040200020003" charset="0"/>
               <a:cs typeface="Laksaman" panose="020B0500040200020003" charset="0"/>
             </a:endParaRPr>
           </a:p>
           <a:p>
             <a:r>
-              <a:rPr lang="" altLang="en-US" sz="2800" b="1">
+              <a:rPr lang="en-US" altLang="en-US" sz="2800" b="1">
                 <a:latin typeface="Laksaman" panose="020B0500040200020003" charset="0"/>
                 <a:cs typeface="Laksaman" panose="020B0500040200020003" charset="0"/>
               </a:rPr>
               <a:t>SCT222-2018/2015</a:t>
             </a:r>
-            <a:endParaRPr lang="" altLang="en-US" sz="2800" b="1">
+            <a:endParaRPr lang="en-US" altLang="en-US" sz="2800" b="1">
               <a:latin typeface="Laksaman" panose="020B0500040200020003" charset="0"/>
               <a:cs typeface="Laksaman" panose="020B0500040200020003" charset="0"/>
             </a:endParaRPr>
@@ -12293,13 +12322,13 @@
           <a:p>
             <a:pPr algn="ctr"/>
             <a:r>
-              <a:rPr lang="" altLang="en-US">
+              <a:rPr lang="en-US" altLang="en-US">
                 <a:latin typeface="Cantarell" panose="02000603000000000000" charset="0"/>
                 <a:cs typeface="Cantarell" panose="02000603000000000000" charset="0"/>
               </a:rPr>
               <a:t>JUSTIFICATION</a:t>
             </a:r>
-            <a:endParaRPr lang="" altLang="en-US">
+            <a:endParaRPr lang="en-US" altLang="en-US">
               <a:latin typeface="Cantarell" panose="02000603000000000000" charset="0"/>
               <a:cs typeface="Cantarell" panose="02000603000000000000" charset="0"/>
             </a:endParaRPr>
@@ -12679,16 +12708,9 @@
                 <a:latin typeface="Cantarell" panose="02000603000000000000" charset="0"/>
                 <a:cs typeface="Cantarell" panose="02000603000000000000" charset="0"/>
               </a:rPr>
-              <a:t>RESEARCH METHODOLOGY: </a:t>
-            </a:r>
-            <a:r>
-              <a:rPr lang="" altLang="en-US">
-                <a:latin typeface="Cantarell" panose="02000603000000000000" charset="0"/>
-                <a:cs typeface="Cantarell" panose="02000603000000000000" charset="0"/>
-              </a:rPr>
-              <a:t>ANALYSIS &amp; DESIGN</a:t>
-            </a:r>
-            <a:endParaRPr lang="" altLang="en-US">
+              <a:t>RESEARCH METHODOLOGY: ANALYSIS &amp; DESIGN</a:t>
+            </a:r>
+            <a:endParaRPr lang="en-US" altLang="en-US">
               <a:latin typeface="Cantarell" panose="02000603000000000000" charset="0"/>
               <a:cs typeface="Cantarell" panose="02000603000000000000" charset="0"/>
             </a:endParaRPr>
@@ -12934,16 +12956,9 @@
                 <a:latin typeface="Cantarell" panose="02000603000000000000" charset="0"/>
                 <a:cs typeface="Cantarell" panose="02000603000000000000" charset="0"/>
               </a:rPr>
-              <a:t>RESEARCH METHODOLOGY: </a:t>
-            </a:r>
-            <a:r>
-              <a:rPr lang="" altLang="en-US">
-                <a:latin typeface="Cantarell" panose="02000603000000000000" charset="0"/>
-                <a:cs typeface="Cantarell" panose="02000603000000000000" charset="0"/>
-              </a:rPr>
-              <a:t>IMPLEMENTATION</a:t>
-            </a:r>
-            <a:endParaRPr lang="" altLang="en-US">
+              <a:t>RESEARCH METHODOLOGY: IMPLEMENTATION</a:t>
+            </a:r>
+            <a:endParaRPr lang="en-US" altLang="en-US">
               <a:latin typeface="Cantarell" panose="02000603000000000000" charset="0"/>
               <a:cs typeface="Cantarell" panose="02000603000000000000" charset="0"/>
             </a:endParaRPr>
@@ -13111,13 +13126,13 @@
           <a:p>
             <a:pPr algn="ctr"/>
             <a:r>
-              <a:rPr lang="" altLang="en-US">
+              <a:rPr lang="en-US" altLang="en-US">
                 <a:latin typeface="Cantarell" panose="02000603000000000000" charset="0"/>
                 <a:cs typeface="Cantarell" panose="02000603000000000000" charset="0"/>
               </a:rPr>
               <a:t>RESOURCES: HARDWARE</a:t>
             </a:r>
-            <a:endParaRPr lang="" altLang="en-US">
+            <a:endParaRPr lang="en-US" altLang="en-US">
               <a:latin typeface="Cantarell" panose="02000603000000000000" charset="0"/>
               <a:cs typeface="Cantarell" panose="02000603000000000000" charset="0"/>
             </a:endParaRPr>
@@ -13249,16 +13264,9 @@
                 <a:latin typeface="Cantarell" panose="02000603000000000000" charset="0"/>
                 <a:cs typeface="Cantarell" panose="02000603000000000000" charset="0"/>
               </a:rPr>
-              <a:t>RESOURCES: </a:t>
-            </a:r>
-            <a:r>
-              <a:rPr lang="" altLang="en-US">
-                <a:latin typeface="Cantarell" panose="02000603000000000000" charset="0"/>
-                <a:cs typeface="Cantarell" panose="02000603000000000000" charset="0"/>
-              </a:rPr>
-              <a:t>SOFTWARE</a:t>
-            </a:r>
-            <a:endParaRPr lang="" altLang="en-US">
+              <a:t>RESOURCES: SOFTWARE</a:t>
+            </a:r>
+            <a:endParaRPr lang="en-US" altLang="en-US">
               <a:latin typeface="Cantarell" panose="02000603000000000000" charset="0"/>
               <a:cs typeface="Cantarell" panose="02000603000000000000" charset="0"/>
             </a:endParaRPr>
@@ -13636,13 +13644,13 @@
           <a:p>
             <a:pPr algn="ctr"/>
             <a:r>
-              <a:rPr lang="" altLang="en-US">
+              <a:rPr lang="en-US" altLang="en-US">
                 <a:latin typeface="Cantarell" panose="02000603000000000000" charset="0"/>
                 <a:cs typeface="Cantarell" panose="02000603000000000000" charset="0"/>
               </a:rPr>
               <a:t>ABSTRACT</a:t>
             </a:r>
-            <a:endParaRPr lang="" altLang="en-US">
+            <a:endParaRPr lang="en-US" altLang="en-US">
               <a:latin typeface="Cantarell" panose="02000603000000000000" charset="0"/>
               <a:cs typeface="Cantarell" panose="02000603000000000000" charset="0"/>
             </a:endParaRPr>
@@ -13835,21 +13843,7 @@
                 <a:latin typeface="Laksaman" panose="020B0500040200020003" charset="0"/>
                 <a:cs typeface="Laksaman" panose="020B0500040200020003" charset="0"/>
               </a:rPr>
-              <a:t>Acco</a:t>
-            </a:r>
-            <a:r>
-              <a:rPr lang="" altLang="en-US" sz="2800" b="1">
-                <a:latin typeface="Laksaman" panose="020B0500040200020003" charset="0"/>
-                <a:cs typeface="Laksaman" panose="020B0500040200020003" charset="0"/>
-              </a:rPr>
-              <a:t>r</a:t>
-            </a:r>
-            <a:r>
-              <a:rPr lang="en-US" altLang="en-US" sz="2800" b="1">
-                <a:latin typeface="Laksaman" panose="020B0500040200020003" charset="0"/>
-                <a:cs typeface="Laksaman" panose="020B0500040200020003" charset="0"/>
-              </a:rPr>
-              <a:t>ding to Brownlee (2019):</a:t>
+              <a:t>According to Brownlee (2019):</a:t>
             </a:r>
             <a:endParaRPr lang="en-US" altLang="en-US" sz="2800" b="1">
               <a:latin typeface="Laksaman" panose="020B0500040200020003" charset="0"/>
@@ -15012,13 +15006,13 @@
           <a:p>
             <a:pPr algn="ctr"/>
             <a:r>
-              <a:rPr lang="" altLang="en-US">
+              <a:rPr lang="en-US" altLang="en-US">
                 <a:latin typeface="Cantarell" panose="02000603000000000000" charset="0"/>
                 <a:cs typeface="Cantarell" panose="02000603000000000000" charset="0"/>
               </a:rPr>
               <a:t>BACKGROUND INFORMATION</a:t>
             </a:r>
-            <a:endParaRPr lang="" altLang="en-US">
+            <a:endParaRPr lang="en-US" altLang="en-US">
               <a:latin typeface="Cantarell" panose="02000603000000000000" charset="0"/>
               <a:cs typeface="Cantarell" panose="02000603000000000000" charset="0"/>
             </a:endParaRPr>
@@ -15058,7 +15052,7 @@
               <a:t>Data science is the use of statistics, statistical methods and models</a:t>
             </a:r>
             <a:r>
-              <a:rPr lang="" altLang="en-US" sz="2800" b="1">
+              <a:rPr lang="en-US" altLang="en-US" sz="2800" b="1">
                 <a:latin typeface="Laksaman" panose="020B0500040200020003" charset="0"/>
                 <a:cs typeface="Laksaman" panose="020B0500040200020003" charset="0"/>
                 <a:sym typeface="+mn-ea"/>
@@ -17285,18 +17279,11 @@
           <a:p>
             <a:pPr algn="ctr"/>
             <a:r>
-              <a:rPr lang="" altLang="en-US" sz="3300" b="1">
-                <a:latin typeface="Cantarell" panose="02000603000000000000" charset="0"/>
-                <a:cs typeface="Cantarell" panose="02000603000000000000" charset="0"/>
-              </a:rPr>
-              <a:t>LOGICAL</a:t>
-            </a:r>
-            <a:r>
               <a:rPr lang="en-US" altLang="en-US" sz="3300" b="1">
                 <a:latin typeface="Cantarell" panose="02000603000000000000" charset="0"/>
                 <a:cs typeface="Cantarell" panose="02000603000000000000" charset="0"/>
               </a:rPr>
-              <a:t> DESIGN</a:t>
+              <a:t>LOGICAL DESIGN</a:t>
             </a:r>
             <a:endParaRPr lang="en-US" altLang="en-US" sz="3300" b="1">
               <a:latin typeface="Cantarell" panose="02000603000000000000" charset="0"/>
@@ -17314,6 +17301,237 @@
 </file>
 
 <file path=ppt/slides/slide45.xml><?xml version="1.0" encoding="utf-8"?>
+<p:sld xmlns:a="http://schemas.openxmlformats.org/drawingml/2006/main" xmlns:r="http://schemas.openxmlformats.org/officeDocument/2006/relationships" xmlns:p="http://schemas.openxmlformats.org/presentationml/2006/main">
+  <p:cSld>
+    <p:spTree>
+      <p:nvGrpSpPr>
+        <p:cNvPr id="1" name=""/>
+        <p:cNvGrpSpPr/>
+        <p:nvPr/>
+      </p:nvGrpSpPr>
+      <p:grpSpPr/>
+      <p:sp>
+        <p:nvSpPr>
+          <p:cNvPr id="2" name="Title 1"/>
+          <p:cNvSpPr>
+            <a:spLocks noGrp="1"/>
+          </p:cNvSpPr>
+          <p:nvPr>
+            <p:ph type="title"/>
+          </p:nvPr>
+        </p:nvSpPr>
+        <p:spPr>
+          <a:xfrm>
+            <a:off x="608965" y="1816100"/>
+            <a:ext cx="10972165" cy="1148080"/>
+          </a:xfrm>
+        </p:spPr>
+        <p:txBody>
+          <a:bodyPr>
+            <a:normAutofit/>
+          </a:bodyPr>
+          <a:p>
+            <a:pPr algn="ctr"/>
+            <a:r>
+              <a:rPr lang="en-US" altLang="en-US" sz="4000">
+                <a:latin typeface="Cantarell" panose="02000603000000000000" charset="0"/>
+                <a:cs typeface="Cantarell" panose="02000603000000000000" charset="0"/>
+              </a:rPr>
+              <a:t>SYSTEMS DESIGN</a:t>
+            </a:r>
+            <a:endParaRPr lang="en-US" altLang="en-US" sz="4000">
+              <a:latin typeface="Cantarell" panose="02000603000000000000" charset="0"/>
+              <a:cs typeface="Cantarell" panose="02000603000000000000" charset="0"/>
+            </a:endParaRPr>
+          </a:p>
+        </p:txBody>
+      </p:sp>
+      <p:sp>
+        <p:nvSpPr>
+          <p:cNvPr id="5" name="Title 1"/>
+          <p:cNvSpPr>
+            <a:spLocks noGrp="1"/>
+          </p:cNvSpPr>
+          <p:nvPr/>
+        </p:nvSpPr>
+        <p:spPr>
+          <a:xfrm>
+            <a:off x="608965" y="3416935"/>
+            <a:ext cx="10972800" cy="582613"/>
+          </a:xfrm>
+          <a:prstGeom prst="rect">
+            <a:avLst/>
+          </a:prstGeom>
+          <a:noFill/>
+          <a:ln w="9525">
+            <a:noFill/>
+          </a:ln>
+        </p:spPr>
+        <p:txBody>
+          <a:bodyPr anchor="ctr" anchorCtr="0"/>
+          <a:lstStyle>
+            <a:lvl1pPr algn="l" rtl="0" fontAlgn="base">
+              <a:spcBef>
+                <a:spcPct val="0"/>
+              </a:spcBef>
+              <a:spcAft>
+                <a:spcPct val="0"/>
+              </a:spcAft>
+              <a:defRPr sz="3600" kern="1200">
+                <a:solidFill>
+                  <a:schemeClr val="tx1"/>
+                </a:solidFill>
+                <a:latin typeface="+mj-lt"/>
+                <a:ea typeface="+mj-ea"/>
+                <a:cs typeface="+mj-cs"/>
+              </a:defRPr>
+            </a:lvl1pPr>
+            <a:lvl2pPr algn="l" rtl="0" fontAlgn="base">
+              <a:spcBef>
+                <a:spcPct val="0"/>
+              </a:spcBef>
+              <a:spcAft>
+                <a:spcPct val="0"/>
+              </a:spcAft>
+              <a:defRPr sz="3600">
+                <a:solidFill>
+                  <a:schemeClr val="tx1"/>
+                </a:solidFill>
+                <a:latin typeface="Arial" panose="02080604020202020204" pitchFamily="34" charset="0"/>
+                <a:ea typeface="SimSun" pitchFamily="2" charset="-122"/>
+              </a:defRPr>
+            </a:lvl2pPr>
+            <a:lvl3pPr algn="l" rtl="0" fontAlgn="base">
+              <a:spcBef>
+                <a:spcPct val="0"/>
+              </a:spcBef>
+              <a:spcAft>
+                <a:spcPct val="0"/>
+              </a:spcAft>
+              <a:defRPr sz="3600">
+                <a:solidFill>
+                  <a:schemeClr val="tx1"/>
+                </a:solidFill>
+                <a:latin typeface="Arial" panose="02080604020202020204" pitchFamily="34" charset="0"/>
+                <a:ea typeface="SimSun" pitchFamily="2" charset="-122"/>
+              </a:defRPr>
+            </a:lvl3pPr>
+            <a:lvl4pPr algn="l" rtl="0" fontAlgn="base">
+              <a:spcBef>
+                <a:spcPct val="0"/>
+              </a:spcBef>
+              <a:spcAft>
+                <a:spcPct val="0"/>
+              </a:spcAft>
+              <a:defRPr sz="3600">
+                <a:solidFill>
+                  <a:schemeClr val="tx1"/>
+                </a:solidFill>
+                <a:latin typeface="Arial" panose="02080604020202020204" pitchFamily="34" charset="0"/>
+                <a:ea typeface="SimSun" pitchFamily="2" charset="-122"/>
+              </a:defRPr>
+            </a:lvl4pPr>
+            <a:lvl5pPr algn="l" rtl="0" fontAlgn="base">
+              <a:spcBef>
+                <a:spcPct val="0"/>
+              </a:spcBef>
+              <a:spcAft>
+                <a:spcPct val="0"/>
+              </a:spcAft>
+              <a:defRPr sz="3600">
+                <a:solidFill>
+                  <a:schemeClr val="tx1"/>
+                </a:solidFill>
+                <a:latin typeface="Arial" panose="02080604020202020204" pitchFamily="34" charset="0"/>
+                <a:ea typeface="SimSun" pitchFamily="2" charset="-122"/>
+              </a:defRPr>
+            </a:lvl5pPr>
+            <a:lvl6pPr marL="457200" algn="l" rtl="0" fontAlgn="base">
+              <a:spcBef>
+                <a:spcPct val="0"/>
+              </a:spcBef>
+              <a:spcAft>
+                <a:spcPct val="0"/>
+              </a:spcAft>
+              <a:defRPr sz="3600">
+                <a:solidFill>
+                  <a:schemeClr val="tx1"/>
+                </a:solidFill>
+                <a:latin typeface="Arial" panose="02080604020202020204" pitchFamily="34" charset="0"/>
+                <a:ea typeface="SimSun" pitchFamily="2" charset="-122"/>
+              </a:defRPr>
+            </a:lvl6pPr>
+            <a:lvl7pPr marL="914400" algn="l" rtl="0" fontAlgn="base">
+              <a:spcBef>
+                <a:spcPct val="0"/>
+              </a:spcBef>
+              <a:spcAft>
+                <a:spcPct val="0"/>
+              </a:spcAft>
+              <a:defRPr sz="3600">
+                <a:solidFill>
+                  <a:schemeClr val="tx1"/>
+                </a:solidFill>
+                <a:latin typeface="Arial" panose="02080604020202020204" pitchFamily="34" charset="0"/>
+                <a:ea typeface="SimSun" pitchFamily="2" charset="-122"/>
+              </a:defRPr>
+            </a:lvl7pPr>
+            <a:lvl8pPr marL="1371600" algn="l" rtl="0" fontAlgn="base">
+              <a:spcBef>
+                <a:spcPct val="0"/>
+              </a:spcBef>
+              <a:spcAft>
+                <a:spcPct val="0"/>
+              </a:spcAft>
+              <a:defRPr sz="3600">
+                <a:solidFill>
+                  <a:schemeClr val="tx1"/>
+                </a:solidFill>
+                <a:latin typeface="Arial" panose="02080604020202020204" pitchFamily="34" charset="0"/>
+                <a:ea typeface="SimSun" pitchFamily="2" charset="-122"/>
+              </a:defRPr>
+            </a:lvl8pPr>
+            <a:lvl9pPr marL="1828800" algn="l" rtl="0" fontAlgn="base">
+              <a:spcBef>
+                <a:spcPct val="0"/>
+              </a:spcBef>
+              <a:spcAft>
+                <a:spcPct val="0"/>
+              </a:spcAft>
+              <a:defRPr sz="3600">
+                <a:solidFill>
+                  <a:schemeClr val="tx1"/>
+                </a:solidFill>
+                <a:latin typeface="Arial" panose="02080604020202020204" pitchFamily="34" charset="0"/>
+                <a:ea typeface="SimSun" pitchFamily="2" charset="-122"/>
+              </a:defRPr>
+            </a:lvl9pPr>
+          </a:lstStyle>
+          <a:p>
+            <a:pPr algn="ctr"/>
+            <a:r>
+              <a:rPr lang="en-US" altLang="en-US" sz="3300" b="1">
+                <a:latin typeface="Cantarell" panose="02000603000000000000" charset="0"/>
+                <a:cs typeface="Cantarell" panose="02000603000000000000" charset="0"/>
+              </a:rPr>
+              <a:t>LOGICAL DESIGN</a:t>
+            </a:r>
+            <a:endParaRPr lang="en-US" altLang="en-US" sz="3300" b="1">
+              <a:latin typeface="Cantarell" panose="02000603000000000000" charset="0"/>
+              <a:cs typeface="Cantarell" panose="02000603000000000000" charset="0"/>
+            </a:endParaRPr>
+          </a:p>
+        </p:txBody>
+      </p:sp>
+    </p:spTree>
+  </p:cSld>
+  <p:clrMapOvr>
+    <a:masterClrMapping/>
+  </p:clrMapOvr>
+</p:sld>
+</file>
+
+<file path=ppt/slides/slide46.xml><?xml version="1.0" encoding="utf-8"?>
 <p:sld xmlns:a="http://schemas.openxmlformats.org/drawingml/2006/main" xmlns:r="http://schemas.openxmlformats.org/officeDocument/2006/relationships" xmlns:p="http://schemas.openxmlformats.org/presentationml/2006/main">
   <p:cSld>
     <p:spTree>
@@ -17358,7 +17576,7 @@
 </p:sld>
 </file>
 
-<file path=ppt/slides/slide46.xml><?xml version="1.0" encoding="utf-8"?>
+<file path=ppt/slides/slide47.xml><?xml version="1.0" encoding="utf-8"?>
 <p:sld xmlns:a="http://schemas.openxmlformats.org/drawingml/2006/main" xmlns:r="http://schemas.openxmlformats.org/officeDocument/2006/relationships" xmlns:p="http://schemas.openxmlformats.org/presentationml/2006/main">
   <p:cSld>
     <p:spTree>
@@ -17402,7 +17620,7 @@
 </p:sld>
 </file>
 
-<file path=ppt/slides/slide47.xml><?xml version="1.0" encoding="utf-8"?>
+<file path=ppt/slides/slide48.xml><?xml version="1.0" encoding="utf-8"?>
 <p:sld xmlns:a="http://schemas.openxmlformats.org/drawingml/2006/main" xmlns:r="http://schemas.openxmlformats.org/officeDocument/2006/relationships" xmlns:p="http://schemas.openxmlformats.org/presentationml/2006/main">
   <p:cSld>
     <p:spTree>
@@ -17447,7 +17665,7 @@
 </p:sld>
 </file>
 
-<file path=ppt/slides/slide48.xml><?xml version="1.0" encoding="utf-8"?>
+<file path=ppt/slides/slide49.xml><?xml version="1.0" encoding="utf-8"?>
 <p:sld xmlns:a="http://schemas.openxmlformats.org/drawingml/2006/main" xmlns:r="http://schemas.openxmlformats.org/officeDocument/2006/relationships" xmlns:p="http://schemas.openxmlformats.org/presentationml/2006/main">
   <p:cSld>
     <p:spTree>
@@ -17524,13 +17742,13 @@
           <a:p>
             <a:pPr algn="ctr"/>
             <a:r>
-              <a:rPr lang="" altLang="en-US">
+              <a:rPr lang="en-US" altLang="en-US">
                 <a:latin typeface="Cantarell" panose="02000603000000000000" charset="0"/>
                 <a:cs typeface="Cantarell" panose="02000603000000000000" charset="0"/>
               </a:rPr>
               <a:t>RESEARCH AREA</a:t>
             </a:r>
-            <a:endParaRPr lang="" altLang="en-US">
+            <a:endParaRPr lang="en-US" altLang="en-US">
               <a:latin typeface="Cantarell" panose="02000603000000000000" charset="0"/>
               <a:cs typeface="Cantarell" panose="02000603000000000000" charset="0"/>
             </a:endParaRPr>
@@ -17593,6 +17811,1072 @@
               <a:latin typeface="Laksaman" panose="020B0500040200020003" charset="0"/>
               <a:cs typeface="Laksaman" panose="020B0500040200020003" charset="0"/>
               <a:sym typeface="+mn-ea"/>
+            </a:endParaRPr>
+          </a:p>
+        </p:txBody>
+      </p:sp>
+    </p:spTree>
+  </p:cSld>
+  <p:clrMapOvr>
+    <a:masterClrMapping/>
+  </p:clrMapOvr>
+</p:sld>
+</file>
+
+<file path=ppt/slides/slide50.xml><?xml version="1.0" encoding="utf-8"?>
+<p:sld xmlns:a="http://schemas.openxmlformats.org/drawingml/2006/main" xmlns:r="http://schemas.openxmlformats.org/officeDocument/2006/relationships" xmlns:p="http://schemas.openxmlformats.org/presentationml/2006/main">
+  <p:cSld>
+    <p:spTree>
+      <p:nvGrpSpPr>
+        <p:cNvPr id="1" name=""/>
+        <p:cNvGrpSpPr/>
+        <p:nvPr/>
+      </p:nvGrpSpPr>
+      <p:grpSpPr/>
+      <p:pic>
+        <p:nvPicPr>
+          <p:cNvPr id="5" name="Picture Placeholder 4" descr="ERDDiagram1"/>
+          <p:cNvPicPr>
+            <a:picLocks noChangeAspect="1"/>
+          </p:cNvPicPr>
+          <p:nvPr>
+            <p:ph type="pic" sz="quarter" idx="13"/>
+          </p:nvPr>
+        </p:nvPicPr>
+        <p:blipFill>
+          <a:blip r:embed="rId1"/>
+          <a:stretch>
+            <a:fillRect/>
+          </a:stretch>
+        </p:blipFill>
+        <p:spPr>
+          <a:xfrm>
+            <a:off x="835660" y="1369695"/>
+            <a:ext cx="10520680" cy="4118610"/>
+          </a:xfrm>
+          <a:prstGeom prst="rect">
+            <a:avLst/>
+          </a:prstGeom>
+        </p:spPr>
+      </p:pic>
+    </p:spTree>
+  </p:cSld>
+  <p:clrMapOvr>
+    <a:masterClrMapping/>
+  </p:clrMapOvr>
+</p:sld>
+</file>
+
+<file path=ppt/slides/slide51.xml><?xml version="1.0" encoding="utf-8"?>
+<p:sld xmlns:a="http://schemas.openxmlformats.org/drawingml/2006/main" xmlns:r="http://schemas.openxmlformats.org/officeDocument/2006/relationships" xmlns:p="http://schemas.openxmlformats.org/presentationml/2006/main">
+  <p:cSld>
+    <p:spTree>
+      <p:nvGrpSpPr>
+        <p:cNvPr id="1" name=""/>
+        <p:cNvGrpSpPr/>
+        <p:nvPr/>
+      </p:nvGrpSpPr>
+      <p:grpSpPr/>
+      <p:sp>
+        <p:nvSpPr>
+          <p:cNvPr id="2" name="Title 1"/>
+          <p:cNvSpPr>
+            <a:spLocks noGrp="1"/>
+          </p:cNvSpPr>
+          <p:nvPr>
+            <p:ph type="title"/>
+          </p:nvPr>
+        </p:nvSpPr>
+        <p:spPr>
+          <a:xfrm>
+            <a:off x="831850" y="611505"/>
+            <a:ext cx="10521950" cy="1148080"/>
+          </a:xfrm>
+        </p:spPr>
+        <p:txBody>
+          <a:bodyPr>
+            <a:normAutofit/>
+          </a:bodyPr>
+          <a:p>
+            <a:pPr algn="ctr"/>
+            <a:r>
+              <a:rPr lang="" altLang="en-US">
+                <a:latin typeface="Cantarell" panose="02000603000000000000" charset="0"/>
+                <a:cs typeface="Cantarell" panose="02000603000000000000" charset="0"/>
+              </a:rPr>
+              <a:t>SYSTEM CODE GENERATION &amp; TESTING</a:t>
+            </a:r>
+            <a:endParaRPr lang="" altLang="en-US">
+              <a:latin typeface="Cantarell" panose="02000603000000000000" charset="0"/>
+              <a:cs typeface="Cantarell" panose="02000603000000000000" charset="0"/>
+            </a:endParaRPr>
+          </a:p>
+        </p:txBody>
+      </p:sp>
+      <p:sp>
+        <p:nvSpPr>
+          <p:cNvPr id="3" name="Content Placeholder 2"/>
+          <p:cNvSpPr>
+            <a:spLocks noGrp="1"/>
+          </p:cNvSpPr>
+          <p:nvPr>
+            <p:ph idx="1"/>
+          </p:nvPr>
+        </p:nvSpPr>
+        <p:spPr>
+          <a:xfrm>
+            <a:off x="833120" y="2021840"/>
+            <a:ext cx="10520680" cy="4155440"/>
+          </a:xfrm>
+        </p:spPr>
+        <p:txBody>
+          <a:bodyPr/>
+          <a:p>
+            <a:pPr>
+              <a:lnSpc>
+                <a:spcPct val="150000"/>
+              </a:lnSpc>
+            </a:pPr>
+            <a:r>
+              <a:rPr lang="" altLang="en-US" sz="2800" b="1">
+                <a:latin typeface="Laksaman" panose="020B0500040200020003" charset="0"/>
+                <a:cs typeface="Laksaman" panose="020B0500040200020003" charset="0"/>
+              </a:rPr>
+              <a:t>Python/Django for backend</a:t>
+            </a:r>
+            <a:endParaRPr lang="" altLang="en-US" sz="2800" b="1">
+              <a:latin typeface="Laksaman" panose="020B0500040200020003" charset="0"/>
+              <a:cs typeface="Laksaman" panose="020B0500040200020003" charset="0"/>
+            </a:endParaRPr>
+          </a:p>
+          <a:p>
+            <a:pPr>
+              <a:lnSpc>
+                <a:spcPct val="150000"/>
+              </a:lnSpc>
+            </a:pPr>
+            <a:r>
+              <a:rPr lang="" altLang="en-US" sz="2800" b="1">
+                <a:latin typeface="Laksaman" panose="020B0500040200020003" charset="0"/>
+                <a:cs typeface="Laksaman" panose="020B0500040200020003" charset="0"/>
+              </a:rPr>
+              <a:t>HTML, CSS and JQuery for frontend (templates)</a:t>
+            </a:r>
+            <a:endParaRPr lang="" altLang="en-US" sz="2800" b="1">
+              <a:latin typeface="Laksaman" panose="020B0500040200020003" charset="0"/>
+              <a:cs typeface="Laksaman" panose="020B0500040200020003" charset="0"/>
+            </a:endParaRPr>
+          </a:p>
+          <a:p>
+            <a:pPr>
+              <a:lnSpc>
+                <a:spcPct val="150000"/>
+              </a:lnSpc>
+            </a:pPr>
+            <a:r>
+              <a:rPr lang="" altLang="en-US" sz="2800" b="1">
+                <a:latin typeface="Laksaman" panose="020B0500040200020003" charset="0"/>
+                <a:cs typeface="Laksaman" panose="020B0500040200020003" charset="0"/>
+              </a:rPr>
+              <a:t>SQLite database</a:t>
+            </a:r>
+            <a:endParaRPr lang="" altLang="en-US" sz="2800" b="1">
+              <a:latin typeface="Laksaman" panose="020B0500040200020003" charset="0"/>
+              <a:cs typeface="Laksaman" panose="020B0500040200020003" charset="0"/>
+            </a:endParaRPr>
+          </a:p>
+          <a:p>
+            <a:pPr>
+              <a:lnSpc>
+                <a:spcPct val="150000"/>
+              </a:lnSpc>
+            </a:pPr>
+            <a:r>
+              <a:rPr lang="" altLang="en-US" sz="2800" b="1">
+                <a:latin typeface="Laksaman" panose="020B0500040200020003" charset="0"/>
+                <a:cs typeface="Laksaman" panose="020B0500040200020003" charset="0"/>
+              </a:rPr>
+              <a:t>Hosted at Heroku</a:t>
+            </a:r>
+            <a:endParaRPr lang="" altLang="en-US" sz="2800" b="1">
+              <a:latin typeface="Laksaman" panose="020B0500040200020003" charset="0"/>
+              <a:cs typeface="Laksaman" panose="020B0500040200020003" charset="0"/>
+            </a:endParaRPr>
+          </a:p>
+          <a:p>
+            <a:pPr>
+              <a:lnSpc>
+                <a:spcPct val="150000"/>
+              </a:lnSpc>
+            </a:pPr>
+            <a:r>
+              <a:rPr lang="" altLang="en-US" sz="2800" b="1">
+                <a:latin typeface="Laksaman" panose="020B0500040200020003" charset="0"/>
+                <a:cs typeface="Laksaman" panose="020B0500040200020003" charset="0"/>
+              </a:rPr>
+              <a:t>Editor: Visual Studio Code</a:t>
+            </a:r>
+            <a:endParaRPr lang="" altLang="en-US" sz="2800" b="1">
+              <a:latin typeface="Laksaman" panose="020B0500040200020003" charset="0"/>
+              <a:cs typeface="Laksaman" panose="020B0500040200020003" charset="0"/>
+            </a:endParaRPr>
+          </a:p>
+        </p:txBody>
+      </p:sp>
+    </p:spTree>
+  </p:cSld>
+  <p:clrMapOvr>
+    <a:masterClrMapping/>
+  </p:clrMapOvr>
+</p:sld>
+</file>
+
+<file path=ppt/slides/slide52.xml><?xml version="1.0" encoding="utf-8"?>
+<p:sld xmlns:a="http://schemas.openxmlformats.org/drawingml/2006/main" xmlns:r="http://schemas.openxmlformats.org/officeDocument/2006/relationships" xmlns:p="http://schemas.openxmlformats.org/presentationml/2006/main">
+  <p:cSld>
+    <p:spTree>
+      <p:nvGrpSpPr>
+        <p:cNvPr id="1" name=""/>
+        <p:cNvGrpSpPr/>
+        <p:nvPr/>
+      </p:nvGrpSpPr>
+      <p:grpSpPr/>
+      <p:pic>
+        <p:nvPicPr>
+          <p:cNvPr id="24" name="Picture 24" descr="Screenshot from 2019-08-01 01-49-34"/>
+          <p:cNvPicPr>
+            <a:picLocks noChangeAspect="1"/>
+          </p:cNvPicPr>
+          <p:nvPr/>
+        </p:nvPicPr>
+        <p:blipFill>
+          <a:blip r:embed="rId1"/>
+          <a:stretch>
+            <a:fillRect/>
+          </a:stretch>
+        </p:blipFill>
+        <p:spPr>
+          <a:xfrm>
+            <a:off x="-11747" y="-11747"/>
+            <a:ext cx="12192722" cy="6858000"/>
+          </a:xfrm>
+          <a:prstGeom prst="rect">
+            <a:avLst/>
+          </a:prstGeom>
+        </p:spPr>
+      </p:pic>
+    </p:spTree>
+  </p:cSld>
+  <p:clrMapOvr>
+    <a:masterClrMapping/>
+  </p:clrMapOvr>
+</p:sld>
+</file>
+
+<file path=ppt/slides/slide53.xml><?xml version="1.0" encoding="utf-8"?>
+<p:sld xmlns:a="http://schemas.openxmlformats.org/drawingml/2006/main" xmlns:r="http://schemas.openxmlformats.org/officeDocument/2006/relationships" xmlns:p="http://schemas.openxmlformats.org/presentationml/2006/main">
+  <p:cSld>
+    <p:spTree>
+      <p:nvGrpSpPr>
+        <p:cNvPr id="1" name=""/>
+        <p:cNvGrpSpPr/>
+        <p:nvPr/>
+      </p:nvGrpSpPr>
+      <p:grpSpPr/>
+      <p:pic>
+        <p:nvPicPr>
+          <p:cNvPr id="23" name="Picture 23" descr="Screenshot from 2019-08-01 01-49-53"/>
+          <p:cNvPicPr>
+            <a:picLocks noChangeAspect="1"/>
+          </p:cNvPicPr>
+          <p:nvPr/>
+        </p:nvPicPr>
+        <p:blipFill>
+          <a:blip r:embed="rId1"/>
+          <a:stretch>
+            <a:fillRect/>
+          </a:stretch>
+        </p:blipFill>
+        <p:spPr>
+          <a:xfrm>
+            <a:off x="-11747" y="-12382"/>
+            <a:ext cx="12192722" cy="6858000"/>
+          </a:xfrm>
+          <a:prstGeom prst="rect">
+            <a:avLst/>
+          </a:prstGeom>
+        </p:spPr>
+      </p:pic>
+    </p:spTree>
+  </p:cSld>
+  <p:clrMapOvr>
+    <a:masterClrMapping/>
+  </p:clrMapOvr>
+</p:sld>
+</file>
+
+<file path=ppt/slides/slide54.xml><?xml version="1.0" encoding="utf-8"?>
+<p:sld xmlns:a="http://schemas.openxmlformats.org/drawingml/2006/main" xmlns:r="http://schemas.openxmlformats.org/officeDocument/2006/relationships" xmlns:p="http://schemas.openxmlformats.org/presentationml/2006/main">
+  <p:cSld>
+    <p:spTree>
+      <p:nvGrpSpPr>
+        <p:cNvPr id="1" name=""/>
+        <p:cNvGrpSpPr/>
+        <p:nvPr/>
+      </p:nvGrpSpPr>
+      <p:grpSpPr/>
+      <p:pic>
+        <p:nvPicPr>
+          <p:cNvPr id="25" name="Picture 25" descr="Screenshot from 2019-08-01 01-50-36"/>
+          <p:cNvPicPr>
+            <a:picLocks noChangeAspect="1"/>
+          </p:cNvPicPr>
+          <p:nvPr/>
+        </p:nvPicPr>
+        <p:blipFill>
+          <a:blip r:embed="rId1"/>
+          <a:stretch>
+            <a:fillRect/>
+          </a:stretch>
+        </p:blipFill>
+        <p:spPr>
+          <a:xfrm>
+            <a:off x="-11747" y="-29527"/>
+            <a:ext cx="12355292" cy="6949440"/>
+          </a:xfrm>
+          <a:prstGeom prst="rect">
+            <a:avLst/>
+          </a:prstGeom>
+        </p:spPr>
+      </p:pic>
+    </p:spTree>
+  </p:cSld>
+  <p:clrMapOvr>
+    <a:masterClrMapping/>
+  </p:clrMapOvr>
+</p:sld>
+</file>
+
+<file path=ppt/slides/slide55.xml><?xml version="1.0" encoding="utf-8"?>
+<p:sld xmlns:a="http://schemas.openxmlformats.org/drawingml/2006/main" xmlns:r="http://schemas.openxmlformats.org/officeDocument/2006/relationships" xmlns:p="http://schemas.openxmlformats.org/presentationml/2006/main">
+  <p:cSld>
+    <p:spTree>
+      <p:nvGrpSpPr>
+        <p:cNvPr id="1" name=""/>
+        <p:cNvGrpSpPr/>
+        <p:nvPr/>
+      </p:nvGrpSpPr>
+      <p:grpSpPr/>
+      <p:sp>
+        <p:nvSpPr>
+          <p:cNvPr id="2" name="Title 1"/>
+          <p:cNvSpPr>
+            <a:spLocks noGrp="1"/>
+          </p:cNvSpPr>
+          <p:nvPr>
+            <p:ph type="title"/>
+          </p:nvPr>
+        </p:nvSpPr>
+        <p:spPr>
+          <a:xfrm>
+            <a:off x="831850" y="558800"/>
+            <a:ext cx="10521950" cy="1148080"/>
+          </a:xfrm>
+        </p:spPr>
+        <p:txBody>
+          <a:bodyPr>
+            <a:normAutofit/>
+          </a:bodyPr>
+          <a:p>
+            <a:pPr algn="ctr"/>
+            <a:r>
+              <a:rPr lang="" altLang="en-US">
+                <a:latin typeface="Cantarell" panose="02000603000000000000" charset="0"/>
+                <a:cs typeface="Cantarell" panose="02000603000000000000" charset="0"/>
+              </a:rPr>
+              <a:t>TESTING: INTEGRATION TESTING</a:t>
+            </a:r>
+            <a:endParaRPr lang="" altLang="en-US">
+              <a:latin typeface="Cantarell" panose="02000603000000000000" charset="0"/>
+              <a:cs typeface="Cantarell" panose="02000603000000000000" charset="0"/>
+            </a:endParaRPr>
+          </a:p>
+        </p:txBody>
+      </p:sp>
+      <p:sp>
+        <p:nvSpPr>
+          <p:cNvPr id="3" name="Content Placeholder 2"/>
+          <p:cNvSpPr>
+            <a:spLocks noGrp="1"/>
+          </p:cNvSpPr>
+          <p:nvPr>
+            <p:ph idx="1"/>
+          </p:nvPr>
+        </p:nvSpPr>
+        <p:spPr>
+          <a:xfrm>
+            <a:off x="833120" y="1950720"/>
+            <a:ext cx="10520680" cy="4226560"/>
+          </a:xfrm>
+        </p:spPr>
+        <p:txBody>
+          <a:bodyPr/>
+          <a:p>
+            <a:pPr>
+              <a:lnSpc>
+                <a:spcPct val="150000"/>
+              </a:lnSpc>
+            </a:pPr>
+            <a:r>
+              <a:rPr lang="" altLang="en-US" sz="2800" b="1">
+                <a:latin typeface="Laksaman" panose="020B0500040200020003" charset="0"/>
+                <a:cs typeface="Laksaman" panose="020B0500040200020003" charset="0"/>
+              </a:rPr>
+              <a:t>Task: </a:t>
+            </a:r>
+            <a:r>
+              <a:rPr lang="en-US" sz="2800" b="1">
+                <a:latin typeface="Laksaman" panose="020B0500040200020003" charset="0"/>
+                <a:cs typeface="Laksaman" panose="020B0500040200020003" charset="0"/>
+              </a:rPr>
+              <a:t>Data flow between SQLite database and web app</a:t>
+            </a:r>
+            <a:endParaRPr lang="en-US" sz="2800" b="1">
+              <a:latin typeface="Laksaman" panose="020B0500040200020003" charset="0"/>
+              <a:cs typeface="Laksaman" panose="020B0500040200020003" charset="0"/>
+            </a:endParaRPr>
+          </a:p>
+          <a:p>
+            <a:pPr>
+              <a:lnSpc>
+                <a:spcPct val="150000"/>
+              </a:lnSpc>
+            </a:pPr>
+            <a:r>
+              <a:rPr lang="" altLang="en-US" sz="2800" b="1">
+                <a:latin typeface="Laksaman" panose="020B0500040200020003" charset="0"/>
+                <a:cs typeface="Laksaman" panose="020B0500040200020003" charset="0"/>
+              </a:rPr>
+              <a:t>Test case:</a:t>
+            </a:r>
+            <a:endParaRPr lang="" altLang="en-US" sz="2800" b="1">
+              <a:latin typeface="Laksaman" panose="020B0500040200020003" charset="0"/>
+              <a:cs typeface="Laksaman" panose="020B0500040200020003" charset="0"/>
+            </a:endParaRPr>
+          </a:p>
+          <a:p>
+            <a:pPr lvl="1">
+              <a:lnSpc>
+                <a:spcPct val="150000"/>
+              </a:lnSpc>
+            </a:pPr>
+            <a:r>
+              <a:rPr lang="" altLang="en-US" sz="2800" b="1">
+                <a:latin typeface="Laksaman" panose="020B0500040200020003" charset="0"/>
+                <a:cs typeface="Laksaman" panose="020B0500040200020003" charset="0"/>
+              </a:rPr>
+              <a:t>Ability save metadata</a:t>
+            </a:r>
+            <a:endParaRPr lang="" altLang="en-US" sz="2800" b="1">
+              <a:latin typeface="Laksaman" panose="020B0500040200020003" charset="0"/>
+              <a:cs typeface="Laksaman" panose="020B0500040200020003" charset="0"/>
+            </a:endParaRPr>
+          </a:p>
+          <a:p>
+            <a:pPr lvl="1">
+              <a:lnSpc>
+                <a:spcPct val="150000"/>
+              </a:lnSpc>
+            </a:pPr>
+            <a:r>
+              <a:rPr lang="" altLang="en-US" sz="2800" b="1">
+                <a:latin typeface="Laksaman" panose="020B0500040200020003" charset="0"/>
+                <a:cs typeface="Laksaman" panose="020B0500040200020003" charset="0"/>
+              </a:rPr>
+              <a:t>Ability to access past created projects</a:t>
+            </a:r>
+            <a:endParaRPr lang="" altLang="en-US" sz="2800" b="1">
+              <a:latin typeface="Laksaman" panose="020B0500040200020003" charset="0"/>
+              <a:cs typeface="Laksaman" panose="020B0500040200020003" charset="0"/>
+            </a:endParaRPr>
+          </a:p>
+        </p:txBody>
+      </p:sp>
+    </p:spTree>
+  </p:cSld>
+  <p:clrMapOvr>
+    <a:masterClrMapping/>
+  </p:clrMapOvr>
+</p:sld>
+</file>
+
+<file path=ppt/slides/slide56.xml><?xml version="1.0" encoding="utf-8"?>
+<p:sld xmlns:a="http://schemas.openxmlformats.org/drawingml/2006/main" xmlns:r="http://schemas.openxmlformats.org/officeDocument/2006/relationships" xmlns:p="http://schemas.openxmlformats.org/presentationml/2006/main">
+  <p:cSld>
+    <p:spTree>
+      <p:nvGrpSpPr>
+        <p:cNvPr id="1" name=""/>
+        <p:cNvGrpSpPr/>
+        <p:nvPr/>
+      </p:nvGrpSpPr>
+      <p:grpSpPr/>
+      <p:sp>
+        <p:nvSpPr>
+          <p:cNvPr id="2" name="Title 1"/>
+          <p:cNvSpPr>
+            <a:spLocks noGrp="1"/>
+          </p:cNvSpPr>
+          <p:nvPr>
+            <p:ph type="title"/>
+          </p:nvPr>
+        </p:nvSpPr>
+        <p:spPr>
+          <a:xfrm>
+            <a:off x="831850" y="558800"/>
+            <a:ext cx="10521950" cy="1148080"/>
+          </a:xfrm>
+        </p:spPr>
+        <p:txBody>
+          <a:bodyPr>
+            <a:normAutofit/>
+          </a:bodyPr>
+          <a:p>
+            <a:pPr algn="ctr"/>
+            <a:r>
+              <a:rPr lang="en-US" altLang="en-US">
+                <a:latin typeface="Cantarell" panose="02000603000000000000" charset="0"/>
+                <a:cs typeface="Cantarell" panose="02000603000000000000" charset="0"/>
+              </a:rPr>
+              <a:t>TESTING: </a:t>
+            </a:r>
+            <a:r>
+              <a:rPr lang="" altLang="en-US">
+                <a:latin typeface="Cantarell" panose="02000603000000000000" charset="0"/>
+                <a:cs typeface="Cantarell" panose="02000603000000000000" charset="0"/>
+              </a:rPr>
+              <a:t>GUI</a:t>
+            </a:r>
+            <a:r>
+              <a:rPr lang="en-US" altLang="en-US">
+                <a:latin typeface="Cantarell" panose="02000603000000000000" charset="0"/>
+                <a:cs typeface="Cantarell" panose="02000603000000000000" charset="0"/>
+              </a:rPr>
+              <a:t> TESTING</a:t>
+            </a:r>
+            <a:endParaRPr lang="en-US" altLang="en-US">
+              <a:latin typeface="Cantarell" panose="02000603000000000000" charset="0"/>
+              <a:cs typeface="Cantarell" panose="02000603000000000000" charset="0"/>
+            </a:endParaRPr>
+          </a:p>
+        </p:txBody>
+      </p:sp>
+      <p:sp>
+        <p:nvSpPr>
+          <p:cNvPr id="3" name="Content Placeholder 2"/>
+          <p:cNvSpPr>
+            <a:spLocks noGrp="1"/>
+          </p:cNvSpPr>
+          <p:nvPr>
+            <p:ph idx="1"/>
+          </p:nvPr>
+        </p:nvSpPr>
+        <p:spPr>
+          <a:xfrm>
+            <a:off x="833120" y="1950720"/>
+            <a:ext cx="10520680" cy="4226560"/>
+          </a:xfrm>
+        </p:spPr>
+        <p:txBody>
+          <a:bodyPr/>
+          <a:p>
+            <a:pPr>
+              <a:lnSpc>
+                <a:spcPct val="150000"/>
+              </a:lnSpc>
+            </a:pPr>
+            <a:r>
+              <a:rPr lang="en-US" altLang="en-US" sz="2800" b="1">
+                <a:latin typeface="Laksaman" panose="020B0500040200020003" charset="0"/>
+                <a:cs typeface="Laksaman" panose="020B0500040200020003" charset="0"/>
+              </a:rPr>
+              <a:t>Task: </a:t>
+            </a:r>
+            <a:r>
+              <a:rPr lang="en-US" sz="2800" b="1">
+                <a:latin typeface="Laksaman" panose="020B0500040200020003" charset="0"/>
+                <a:cs typeface="Laksaman" panose="020B0500040200020003" charset="0"/>
+              </a:rPr>
+              <a:t>Saving project metadata</a:t>
+            </a:r>
+            <a:endParaRPr lang="en-US" sz="2800" b="1">
+              <a:latin typeface="Laksaman" panose="020B0500040200020003" charset="0"/>
+              <a:cs typeface="Laksaman" panose="020B0500040200020003" charset="0"/>
+            </a:endParaRPr>
+          </a:p>
+          <a:p>
+            <a:pPr>
+              <a:lnSpc>
+                <a:spcPct val="150000"/>
+              </a:lnSpc>
+            </a:pPr>
+            <a:r>
+              <a:rPr lang="" altLang="en-US" sz="2800" b="1">
+                <a:latin typeface="Laksaman" panose="020B0500040200020003" charset="0"/>
+                <a:cs typeface="Laksaman" panose="020B0500040200020003" charset="0"/>
+              </a:rPr>
+              <a:t>Test case:</a:t>
+            </a:r>
+            <a:endParaRPr lang="" altLang="en-US" sz="2800" b="1">
+              <a:latin typeface="Laksaman" panose="020B0500040200020003" charset="0"/>
+              <a:cs typeface="Laksaman" panose="020B0500040200020003" charset="0"/>
+            </a:endParaRPr>
+          </a:p>
+          <a:p>
+            <a:pPr lvl="1">
+              <a:lnSpc>
+                <a:spcPct val="150000"/>
+              </a:lnSpc>
+            </a:pPr>
+            <a:r>
+              <a:rPr lang="" altLang="en-US" sz="2800" b="1">
+                <a:latin typeface="Laksaman" panose="020B0500040200020003" charset="0"/>
+                <a:cs typeface="Laksaman" panose="020B0500040200020003" charset="0"/>
+              </a:rPr>
+              <a:t>Ability to load the workspace page</a:t>
+            </a:r>
+            <a:endParaRPr lang="" altLang="en-US" sz="2800" b="1">
+              <a:latin typeface="Laksaman" panose="020B0500040200020003" charset="0"/>
+              <a:cs typeface="Laksaman" panose="020B0500040200020003" charset="0"/>
+            </a:endParaRPr>
+          </a:p>
+          <a:p>
+            <a:pPr lvl="1">
+              <a:lnSpc>
+                <a:spcPct val="150000"/>
+              </a:lnSpc>
+            </a:pPr>
+            <a:r>
+              <a:rPr lang="" altLang="en-US" sz="2800" b="1">
+                <a:latin typeface="Laksaman" panose="020B0500040200020003" charset="0"/>
+                <a:cs typeface="Laksaman" panose="020B0500040200020003" charset="0"/>
+              </a:rPr>
+              <a:t>Create project</a:t>
+            </a:r>
+            <a:endParaRPr lang="" altLang="en-US" sz="2800" b="1">
+              <a:latin typeface="Laksaman" panose="020B0500040200020003" charset="0"/>
+              <a:cs typeface="Laksaman" panose="020B0500040200020003" charset="0"/>
+            </a:endParaRPr>
+          </a:p>
+          <a:p>
+            <a:pPr lvl="1">
+              <a:lnSpc>
+                <a:spcPct val="150000"/>
+              </a:lnSpc>
+            </a:pPr>
+            <a:r>
+              <a:rPr lang="" altLang="en-US" sz="2800" b="1">
+                <a:latin typeface="Laksaman" panose="020B0500040200020003" charset="0"/>
+                <a:cs typeface="Laksaman" panose="020B0500040200020003" charset="0"/>
+              </a:rPr>
+              <a:t>Create fields and fields metadata</a:t>
+            </a:r>
+            <a:endParaRPr lang="" altLang="en-US" sz="2800" b="1">
+              <a:latin typeface="Laksaman" panose="020B0500040200020003" charset="0"/>
+              <a:cs typeface="Laksaman" panose="020B0500040200020003" charset="0"/>
+            </a:endParaRPr>
+          </a:p>
+        </p:txBody>
+      </p:sp>
+    </p:spTree>
+  </p:cSld>
+  <p:clrMapOvr>
+    <a:masterClrMapping/>
+  </p:clrMapOvr>
+</p:sld>
+</file>
+
+<file path=ppt/slides/slide57.xml><?xml version="1.0" encoding="utf-8"?>
+<p:sld xmlns:a="http://schemas.openxmlformats.org/drawingml/2006/main" xmlns:r="http://schemas.openxmlformats.org/officeDocument/2006/relationships" xmlns:p="http://schemas.openxmlformats.org/presentationml/2006/main">
+  <p:cSld>
+    <p:spTree>
+      <p:nvGrpSpPr>
+        <p:cNvPr id="1" name=""/>
+        <p:cNvGrpSpPr/>
+        <p:nvPr/>
+      </p:nvGrpSpPr>
+      <p:grpSpPr/>
+      <p:sp>
+        <p:nvSpPr>
+          <p:cNvPr id="2" name="Title 1"/>
+          <p:cNvSpPr>
+            <a:spLocks noGrp="1"/>
+          </p:cNvSpPr>
+          <p:nvPr>
+            <p:ph type="title"/>
+          </p:nvPr>
+        </p:nvSpPr>
+        <p:spPr>
+          <a:xfrm>
+            <a:off x="831850" y="995680"/>
+            <a:ext cx="10521950" cy="1148080"/>
+          </a:xfrm>
+        </p:spPr>
+        <p:txBody>
+          <a:bodyPr>
+            <a:normAutofit/>
+          </a:bodyPr>
+          <a:p>
+            <a:pPr algn="ctr"/>
+            <a:r>
+              <a:rPr lang="en-US" altLang="en-US">
+                <a:latin typeface="Cantarell" panose="02000603000000000000" charset="0"/>
+                <a:cs typeface="Cantarell" panose="02000603000000000000" charset="0"/>
+              </a:rPr>
+              <a:t>TESTING: </a:t>
+            </a:r>
+            <a:r>
+              <a:rPr lang="" altLang="en-US">
+                <a:latin typeface="Cantarell" panose="02000603000000000000" charset="0"/>
+                <a:cs typeface="Cantarell" panose="02000603000000000000" charset="0"/>
+              </a:rPr>
+              <a:t>ACCEPTANCE</a:t>
+            </a:r>
+            <a:r>
+              <a:rPr lang="en-US" altLang="en-US">
+                <a:latin typeface="Cantarell" panose="02000603000000000000" charset="0"/>
+                <a:cs typeface="Cantarell" panose="02000603000000000000" charset="0"/>
+              </a:rPr>
+              <a:t> TESTING</a:t>
+            </a:r>
+            <a:endParaRPr lang="en-US" altLang="en-US">
+              <a:latin typeface="Cantarell" panose="02000603000000000000" charset="0"/>
+              <a:cs typeface="Cantarell" panose="02000603000000000000" charset="0"/>
+            </a:endParaRPr>
+          </a:p>
+        </p:txBody>
+      </p:sp>
+      <p:sp>
+        <p:nvSpPr>
+          <p:cNvPr id="3" name="Content Placeholder 2"/>
+          <p:cNvSpPr>
+            <a:spLocks noGrp="1"/>
+          </p:cNvSpPr>
+          <p:nvPr>
+            <p:ph idx="1"/>
+          </p:nvPr>
+        </p:nvSpPr>
+        <p:spPr>
+          <a:xfrm>
+            <a:off x="833120" y="2457450"/>
+            <a:ext cx="10520680" cy="3719830"/>
+          </a:xfrm>
+        </p:spPr>
+        <p:txBody>
+          <a:bodyPr/>
+          <a:p>
+            <a:pPr>
+              <a:lnSpc>
+                <a:spcPct val="150000"/>
+              </a:lnSpc>
+            </a:pPr>
+            <a:r>
+              <a:rPr lang="en-US" altLang="en-US" sz="2800" b="1">
+                <a:latin typeface="Laksaman" panose="020B0500040200020003" charset="0"/>
+                <a:cs typeface="Laksaman" panose="020B0500040200020003" charset="0"/>
+              </a:rPr>
+              <a:t>Task: </a:t>
+            </a:r>
+            <a:r>
+              <a:rPr lang="en-US" sz="2800" b="1">
+                <a:latin typeface="Laksaman" panose="020B0500040200020003" charset="0"/>
+                <a:cs typeface="Laksaman" panose="020B0500040200020003" charset="0"/>
+              </a:rPr>
+              <a:t>Acquiring dataset and applying onto predicting tool</a:t>
+            </a:r>
+            <a:endParaRPr lang="en-US" sz="2800" b="1">
+              <a:latin typeface="Laksaman" panose="020B0500040200020003" charset="0"/>
+              <a:cs typeface="Laksaman" panose="020B0500040200020003" charset="0"/>
+            </a:endParaRPr>
+          </a:p>
+          <a:p>
+            <a:pPr>
+              <a:lnSpc>
+                <a:spcPct val="150000"/>
+              </a:lnSpc>
+            </a:pPr>
+            <a:r>
+              <a:rPr lang="en-US" altLang="en-US" sz="2800" b="1">
+                <a:latin typeface="Laksaman" panose="020B0500040200020003" charset="0"/>
+                <a:cs typeface="Laksaman" panose="020B0500040200020003" charset="0"/>
+              </a:rPr>
+              <a:t>Test case: </a:t>
+            </a:r>
+            <a:r>
+              <a:rPr lang="" altLang="en-US" sz="2800" b="1">
+                <a:latin typeface="Laksaman" panose="020B0500040200020003" charset="0"/>
+                <a:cs typeface="Laksaman" panose="020B0500040200020003" charset="0"/>
+              </a:rPr>
+              <a:t>User requirements</a:t>
+            </a:r>
+            <a:endParaRPr lang="" altLang="en-US" sz="2800" b="1">
+              <a:latin typeface="Laksaman" panose="020B0500040200020003" charset="0"/>
+              <a:cs typeface="Laksaman" panose="020B0500040200020003" charset="0"/>
+            </a:endParaRPr>
+          </a:p>
+        </p:txBody>
+      </p:sp>
+    </p:spTree>
+  </p:cSld>
+  <p:clrMapOvr>
+    <a:masterClrMapping/>
+  </p:clrMapOvr>
+</p:sld>
+</file>
+
+<file path=ppt/slides/slide58.xml><?xml version="1.0" encoding="utf-8"?>
+<p:sld xmlns:a="http://schemas.openxmlformats.org/drawingml/2006/main" xmlns:r="http://schemas.openxmlformats.org/officeDocument/2006/relationships" xmlns:p="http://schemas.openxmlformats.org/presentationml/2006/main">
+  <p:cSld>
+    <p:spTree>
+      <p:nvGrpSpPr>
+        <p:cNvPr id="1" name=""/>
+        <p:cNvGrpSpPr/>
+        <p:nvPr/>
+      </p:nvGrpSpPr>
+      <p:grpSpPr/>
+      <p:sp>
+        <p:nvSpPr>
+          <p:cNvPr id="2" name="Title 1"/>
+          <p:cNvSpPr>
+            <a:spLocks noGrp="1"/>
+          </p:cNvSpPr>
+          <p:nvPr>
+            <p:ph type="title"/>
+          </p:nvPr>
+        </p:nvSpPr>
+        <p:spPr>
+          <a:xfrm>
+            <a:off x="832485" y="1117600"/>
+            <a:ext cx="10521950" cy="1148080"/>
+          </a:xfrm>
+        </p:spPr>
+        <p:txBody>
+          <a:bodyPr>
+            <a:normAutofit/>
+          </a:bodyPr>
+          <a:p>
+            <a:pPr algn="ctr"/>
+            <a:r>
+              <a:rPr lang="" altLang="en-US">
+                <a:latin typeface="Cantarell" panose="02000603000000000000" charset="0"/>
+                <a:cs typeface="Cantarell" panose="02000603000000000000" charset="0"/>
+              </a:rPr>
+              <a:t>ANALYSIS OF PREDICITVE MODELS</a:t>
+            </a:r>
+            <a:endParaRPr lang="" altLang="en-US">
+              <a:latin typeface="Cantarell" panose="02000603000000000000" charset="0"/>
+              <a:cs typeface="Cantarell" panose="02000603000000000000" charset="0"/>
+            </a:endParaRPr>
+          </a:p>
+        </p:txBody>
+      </p:sp>
+      <p:sp>
+        <p:nvSpPr>
+          <p:cNvPr id="3" name="Content Placeholder 2"/>
+          <p:cNvSpPr>
+            <a:spLocks noGrp="1"/>
+          </p:cNvSpPr>
+          <p:nvPr>
+            <p:ph idx="1"/>
+          </p:nvPr>
+        </p:nvSpPr>
+        <p:spPr>
+          <a:xfrm>
+            <a:off x="833120" y="2387600"/>
+            <a:ext cx="10520680" cy="3789680"/>
+          </a:xfrm>
+        </p:spPr>
+        <p:txBody>
+          <a:bodyPr/>
+          <a:p>
+            <a:pPr>
+              <a:lnSpc>
+                <a:spcPct val="150000"/>
+              </a:lnSpc>
+            </a:pPr>
+            <a:r>
+              <a:rPr lang="" altLang="en-US" sz="2800" b="1">
+                <a:latin typeface="Laksaman" panose="020B0500040200020003" charset="0"/>
+                <a:cs typeface="Laksaman" panose="020B0500040200020003" charset="0"/>
+              </a:rPr>
+              <a:t>A comparison of the artificial dataset model vs. the real dataset model</a:t>
+            </a:r>
+            <a:endParaRPr lang="" altLang="en-US" sz="2800" b="1">
+              <a:latin typeface="Laksaman" panose="020B0500040200020003" charset="0"/>
+              <a:cs typeface="Laksaman" panose="020B0500040200020003" charset="0"/>
+            </a:endParaRPr>
+          </a:p>
+          <a:p>
+            <a:pPr>
+              <a:lnSpc>
+                <a:spcPct val="150000"/>
+              </a:lnSpc>
+            </a:pPr>
+            <a:r>
+              <a:rPr lang="" altLang="en-US" sz="2800" b="1">
+                <a:latin typeface="Laksaman" panose="020B0500040200020003" charset="0"/>
+                <a:cs typeface="Laksaman" panose="020B0500040200020003" charset="0"/>
+              </a:rPr>
+              <a:t>Real data: 395 records</a:t>
+            </a:r>
+            <a:endParaRPr lang="" altLang="en-US" sz="2800" b="1">
+              <a:latin typeface="Laksaman" panose="020B0500040200020003" charset="0"/>
+              <a:cs typeface="Laksaman" panose="020B0500040200020003" charset="0"/>
+            </a:endParaRPr>
+          </a:p>
+          <a:p>
+            <a:pPr>
+              <a:lnSpc>
+                <a:spcPct val="150000"/>
+              </a:lnSpc>
+            </a:pPr>
+            <a:r>
+              <a:rPr lang="" altLang="en-US" sz="2800" b="1">
+                <a:latin typeface="Laksaman" panose="020B0500040200020003" charset="0"/>
+                <a:cs typeface="Laksaman" panose="020B0500040200020003" charset="0"/>
+              </a:rPr>
+              <a:t>Artificial data: 2000 records</a:t>
+            </a:r>
+            <a:endParaRPr lang="" altLang="en-US" sz="2800" b="1">
+              <a:latin typeface="Laksaman" panose="020B0500040200020003" charset="0"/>
+              <a:cs typeface="Laksaman" panose="020B0500040200020003" charset="0"/>
+            </a:endParaRPr>
+          </a:p>
+          <a:p>
+            <a:pPr>
+              <a:lnSpc>
+                <a:spcPct val="150000"/>
+              </a:lnSpc>
+            </a:pPr>
+            <a:r>
+              <a:rPr lang="" altLang="en-US" sz="2800" b="1">
+                <a:latin typeface="Laksaman" panose="020B0500040200020003" charset="0"/>
+                <a:cs typeface="Laksaman" panose="020B0500040200020003" charset="0"/>
+              </a:rPr>
+              <a:t>Tool: RapidMiner Studio (Education License)</a:t>
+            </a:r>
+            <a:endParaRPr lang="" altLang="en-US" sz="2800" b="1">
+              <a:latin typeface="Laksaman" panose="020B0500040200020003" charset="0"/>
+              <a:cs typeface="Laksaman" panose="020B0500040200020003" charset="0"/>
+            </a:endParaRPr>
+          </a:p>
+        </p:txBody>
+      </p:sp>
+    </p:spTree>
+  </p:cSld>
+  <p:clrMapOvr>
+    <a:masterClrMapping/>
+  </p:clrMapOvr>
+</p:sld>
+</file>
+
+<file path=ppt/slides/slide59.xml><?xml version="1.0" encoding="utf-8"?>
+<p:sld xmlns:a="http://schemas.openxmlformats.org/drawingml/2006/main" xmlns:r="http://schemas.openxmlformats.org/officeDocument/2006/relationships" xmlns:p="http://schemas.openxmlformats.org/presentationml/2006/main">
+  <p:cSld>
+    <p:spTree>
+      <p:nvGrpSpPr>
+        <p:cNvPr id="1" name=""/>
+        <p:cNvGrpSpPr/>
+        <p:nvPr/>
+      </p:nvGrpSpPr>
+      <p:grpSpPr/>
+      <p:sp>
+        <p:nvSpPr>
+          <p:cNvPr id="2" name="Title 1"/>
+          <p:cNvSpPr>
+            <a:spLocks noGrp="1"/>
+          </p:cNvSpPr>
+          <p:nvPr>
+            <p:ph type="title"/>
+          </p:nvPr>
+        </p:nvSpPr>
+        <p:spPr>
+          <a:xfrm>
+            <a:off x="483235" y="1309370"/>
+            <a:ext cx="11220450" cy="1148080"/>
+          </a:xfrm>
+        </p:spPr>
+        <p:txBody>
+          <a:bodyPr>
+            <a:normAutofit/>
+          </a:bodyPr>
+          <a:p>
+            <a:pPr algn="ctr"/>
+            <a:r>
+              <a:rPr lang="" altLang="en-US">
+                <a:latin typeface="Cantarell" panose="02000603000000000000" charset="0"/>
+                <a:cs typeface="Cantarell" panose="02000603000000000000" charset="0"/>
+              </a:rPr>
+              <a:t>PREDICTIVE MODEL PERFORMANCE EVALUATION</a:t>
+            </a:r>
+            <a:endParaRPr lang="" altLang="en-US">
+              <a:latin typeface="Cantarell" panose="02000603000000000000" charset="0"/>
+              <a:cs typeface="Cantarell" panose="02000603000000000000" charset="0"/>
+            </a:endParaRPr>
+          </a:p>
+        </p:txBody>
+      </p:sp>
+      <p:sp>
+        <p:nvSpPr>
+          <p:cNvPr id="3" name="Content Placeholder 2"/>
+          <p:cNvSpPr>
+            <a:spLocks noGrp="1"/>
+          </p:cNvSpPr>
+          <p:nvPr>
+            <p:ph idx="1"/>
+          </p:nvPr>
+        </p:nvSpPr>
+        <p:spPr>
+          <a:xfrm>
+            <a:off x="482600" y="2457450"/>
+            <a:ext cx="11221720" cy="3719830"/>
+          </a:xfrm>
+        </p:spPr>
+        <p:txBody>
+          <a:bodyPr/>
+          <a:p>
+            <a:pPr>
+              <a:lnSpc>
+                <a:spcPct val="150000"/>
+              </a:lnSpc>
+            </a:pPr>
+            <a:r>
+              <a:rPr lang="" altLang="en-US" sz="2800" b="1">
+                <a:latin typeface="Laksaman" panose="020B0500040200020003" charset="0"/>
+                <a:cs typeface="Laksaman" panose="020B0500040200020003" charset="0"/>
+              </a:rPr>
+              <a:t>Classification vs regression problem. What is evaluated depends on the business goal</a:t>
+            </a:r>
+            <a:endParaRPr lang="" altLang="en-US" sz="2800" b="1">
+              <a:latin typeface="Laksaman" panose="020B0500040200020003" charset="0"/>
+              <a:cs typeface="Laksaman" panose="020B0500040200020003" charset="0"/>
+            </a:endParaRPr>
+          </a:p>
+          <a:p>
+            <a:pPr>
+              <a:lnSpc>
+                <a:spcPct val="150000"/>
+              </a:lnSpc>
+            </a:pPr>
+            <a:r>
+              <a:rPr lang="" altLang="en-US" sz="2800" b="1">
+                <a:latin typeface="Laksaman" panose="020B0500040200020003" charset="0"/>
+                <a:cs typeface="Laksaman" panose="020B0500040200020003" charset="0"/>
+              </a:rPr>
+              <a:t>School performance - regression problem</a:t>
+            </a:r>
+            <a:endParaRPr lang="" altLang="en-US" sz="2800" b="1">
+              <a:latin typeface="Laksaman" panose="020B0500040200020003" charset="0"/>
+              <a:cs typeface="Laksaman" panose="020B0500040200020003" charset="0"/>
             </a:endParaRPr>
           </a:p>
         </p:txBody>
@@ -17638,13 +18922,13 @@
           <a:p>
             <a:pPr algn="ctr"/>
             <a:r>
-              <a:rPr lang="" altLang="en-US">
+              <a:rPr lang="en-US" altLang="en-US">
                 <a:latin typeface="Cantarell" panose="02000603000000000000" charset="0"/>
                 <a:cs typeface="Cantarell" panose="02000603000000000000" charset="0"/>
               </a:rPr>
               <a:t>PROBLEM STATEMENT</a:t>
             </a:r>
-            <a:endParaRPr lang="" altLang="en-US">
+            <a:endParaRPr lang="en-US" altLang="en-US">
               <a:latin typeface="Cantarell" panose="02000603000000000000" charset="0"/>
               <a:cs typeface="Cantarell" panose="02000603000000000000" charset="0"/>
             </a:endParaRPr>
@@ -17724,6 +19008,4805 @@
               <a:t>They can only depend on reactive forms of analytics</a:t>
             </a:r>
             <a:endParaRPr sz="2800" b="1">
+              <a:latin typeface="Laksaman" panose="020B0500040200020003" charset="0"/>
+              <a:cs typeface="Laksaman" panose="020B0500040200020003" charset="0"/>
+              <a:sym typeface="+mn-ea"/>
+            </a:endParaRPr>
+          </a:p>
+        </p:txBody>
+      </p:sp>
+    </p:spTree>
+  </p:cSld>
+  <p:clrMapOvr>
+    <a:masterClrMapping/>
+  </p:clrMapOvr>
+</p:sld>
+</file>
+
+<file path=ppt/slides/slide60.xml><?xml version="1.0" encoding="utf-8"?>
+<p:sld xmlns:a="http://schemas.openxmlformats.org/drawingml/2006/main" xmlns:r="http://schemas.openxmlformats.org/officeDocument/2006/relationships" xmlns:p="http://schemas.openxmlformats.org/presentationml/2006/main">
+  <p:cSld>
+    <p:spTree>
+      <p:nvGrpSpPr>
+        <p:cNvPr id="1" name=""/>
+        <p:cNvGrpSpPr/>
+        <p:nvPr/>
+      </p:nvGrpSpPr>
+      <p:grpSpPr/>
+      <p:sp>
+        <p:nvSpPr>
+          <p:cNvPr id="2" name="Title 1"/>
+          <p:cNvSpPr>
+            <a:spLocks noGrp="1"/>
+          </p:cNvSpPr>
+          <p:nvPr>
+            <p:ph type="title"/>
+          </p:nvPr>
+        </p:nvSpPr>
+        <p:spPr>
+          <a:xfrm>
+            <a:off x="482600" y="838200"/>
+            <a:ext cx="11220450" cy="1148080"/>
+          </a:xfrm>
+        </p:spPr>
+        <p:txBody>
+          <a:bodyPr>
+            <a:normAutofit/>
+          </a:bodyPr>
+          <a:p>
+            <a:pPr algn="ctr"/>
+            <a:r>
+              <a:rPr lang="en-US" altLang="en-US">
+                <a:latin typeface="Cantarell" panose="02000603000000000000" charset="0"/>
+                <a:cs typeface="Cantarell" panose="02000603000000000000" charset="0"/>
+              </a:rPr>
+              <a:t>PREDICTIVE MODEL PERFORMANCE EVALUATION</a:t>
+            </a:r>
+            <a:r>
+              <a:rPr lang="" altLang="en-US">
+                <a:latin typeface="Cantarell" panose="02000603000000000000" charset="0"/>
+                <a:cs typeface="Cantarell" panose="02000603000000000000" charset="0"/>
+              </a:rPr>
+              <a:t>: METRICS</a:t>
+            </a:r>
+            <a:endParaRPr lang="" altLang="en-US">
+              <a:latin typeface="Cantarell" panose="02000603000000000000" charset="0"/>
+              <a:cs typeface="Cantarell" panose="02000603000000000000" charset="0"/>
+            </a:endParaRPr>
+          </a:p>
+        </p:txBody>
+      </p:sp>
+      <p:sp>
+        <p:nvSpPr>
+          <p:cNvPr id="3" name="Content Placeholder 2"/>
+          <p:cNvSpPr>
+            <a:spLocks noGrp="1"/>
+          </p:cNvSpPr>
+          <p:nvPr>
+            <p:ph idx="1"/>
+          </p:nvPr>
+        </p:nvSpPr>
+        <p:spPr>
+          <a:xfrm>
+            <a:off x="482600" y="1986915"/>
+            <a:ext cx="11221720" cy="4190365"/>
+          </a:xfrm>
+        </p:spPr>
+        <p:txBody>
+          <a:bodyPr/>
+          <a:p>
+            <a:pPr lvl="0">
+              <a:lnSpc>
+                <a:spcPct val="150000"/>
+              </a:lnSpc>
+            </a:pPr>
+            <a:r>
+              <a:rPr altLang="en-US" sz="2800" b="1">
+                <a:latin typeface="Laksaman" panose="020B0500040200020003" charset="0"/>
+                <a:cs typeface="Laksaman" panose="020B0500040200020003" charset="0"/>
+                <a:sym typeface="+mn-ea"/>
+              </a:rPr>
+              <a:t>R-Squared </a:t>
+            </a:r>
+            <a:r>
+              <a:rPr lang="" altLang="en-US" sz="2800" b="1">
+                <a:latin typeface="Laksaman" panose="020B0500040200020003" charset="0"/>
+                <a:cs typeface="Laksaman" panose="020B0500040200020003" charset="0"/>
+                <a:sym typeface="+mn-ea"/>
+              </a:rPr>
+              <a:t>- </a:t>
+            </a:r>
+            <a:r>
+              <a:rPr altLang="en-US" sz="2800" b="1">
+                <a:latin typeface="Laksaman" panose="020B0500040200020003" charset="0"/>
+                <a:cs typeface="Laksaman" panose="020B0500040200020003" charset="0"/>
+                <a:sym typeface="+mn-ea"/>
+              </a:rPr>
+              <a:t>his indicates how many variables compared to the total variables the model predicted</a:t>
+            </a:r>
+            <a:endParaRPr lang="en-US" altLang="en-US" sz="2800" b="1">
+              <a:latin typeface="Laksaman" panose="020B0500040200020003" charset="0"/>
+              <a:cs typeface="Laksaman" panose="020B0500040200020003" charset="0"/>
+            </a:endParaRPr>
+          </a:p>
+          <a:p>
+            <a:pPr lvl="0">
+              <a:lnSpc>
+                <a:spcPct val="150000"/>
+              </a:lnSpc>
+            </a:pPr>
+            <a:r>
+              <a:rPr altLang="en-US" sz="2800" b="1">
+                <a:latin typeface="Laksaman" panose="020B0500040200020003" charset="0"/>
+                <a:cs typeface="Laksaman" panose="020B0500040200020003" charset="0"/>
+                <a:sym typeface="+mn-ea"/>
+              </a:rPr>
+              <a:t>Average error </a:t>
+            </a:r>
+            <a:r>
+              <a:rPr lang="" altLang="en-US" sz="2800" b="1">
+                <a:latin typeface="Laksaman" panose="020B0500040200020003" charset="0"/>
+                <a:cs typeface="Laksaman" panose="020B0500040200020003" charset="0"/>
+                <a:sym typeface="+mn-ea"/>
+              </a:rPr>
+              <a:t>- numerical difference between the predicted and the actual values</a:t>
+            </a:r>
+            <a:endParaRPr lang="" altLang="en-US" sz="2800" b="1">
+              <a:latin typeface="Laksaman" panose="020B0500040200020003" charset="0"/>
+              <a:cs typeface="Laksaman" panose="020B0500040200020003" charset="0"/>
+              <a:sym typeface="+mn-ea"/>
+            </a:endParaRPr>
+          </a:p>
+          <a:p>
+            <a:pPr lvl="0">
+              <a:lnSpc>
+                <a:spcPct val="150000"/>
+              </a:lnSpc>
+            </a:pPr>
+            <a:r>
+              <a:rPr altLang="en-US" sz="2800" b="1">
+                <a:latin typeface="Laksaman" panose="020B0500040200020003" charset="0"/>
+                <a:cs typeface="Laksaman" panose="020B0500040200020003" charset="0"/>
+                <a:sym typeface="+mn-ea"/>
+              </a:rPr>
+              <a:t>Mean squared error </a:t>
+            </a:r>
+            <a:r>
+              <a:rPr lang="" altLang="en-US" sz="2800" b="1">
+                <a:latin typeface="Laksaman" panose="020B0500040200020003" charset="0"/>
+                <a:cs typeface="Laksaman" panose="020B0500040200020003" charset="0"/>
+                <a:sym typeface="+mn-ea"/>
+              </a:rPr>
+              <a:t>- average of all difference between the predicted and actual values</a:t>
+            </a:r>
+            <a:endParaRPr lang="" altLang="en-US" sz="2800" b="1">
+              <a:latin typeface="Laksaman" panose="020B0500040200020003" charset="0"/>
+              <a:cs typeface="Laksaman" panose="020B0500040200020003" charset="0"/>
+              <a:sym typeface="+mn-ea"/>
+            </a:endParaRPr>
+          </a:p>
+          <a:p>
+            <a:pPr lvl="0">
+              <a:lnSpc>
+                <a:spcPct val="150000"/>
+              </a:lnSpc>
+            </a:pPr>
+            <a:endParaRPr lang="en-US" altLang="en-US" sz="2800" b="1">
+              <a:latin typeface="Laksaman" panose="020B0500040200020003" charset="0"/>
+              <a:cs typeface="Laksaman" panose="020B0500040200020003" charset="0"/>
+            </a:endParaRPr>
+          </a:p>
+        </p:txBody>
+      </p:sp>
+    </p:spTree>
+  </p:cSld>
+  <p:clrMapOvr>
+    <a:masterClrMapping/>
+  </p:clrMapOvr>
+</p:sld>
+</file>
+
+<file path=ppt/slides/slide61.xml><?xml version="1.0" encoding="utf-8"?>
+<p:sld xmlns:a="http://schemas.openxmlformats.org/drawingml/2006/main" xmlns:r="http://schemas.openxmlformats.org/officeDocument/2006/relationships" xmlns:p="http://schemas.openxmlformats.org/presentationml/2006/main">
+  <p:cSld>
+    <p:spTree>
+      <p:nvGrpSpPr>
+        <p:cNvPr id="1" name=""/>
+        <p:cNvGrpSpPr/>
+        <p:nvPr/>
+      </p:nvGrpSpPr>
+      <p:grpSpPr/>
+      <p:sp>
+        <p:nvSpPr>
+          <p:cNvPr id="2" name="Title 1"/>
+          <p:cNvSpPr>
+            <a:spLocks noGrp="1"/>
+          </p:cNvSpPr>
+          <p:nvPr>
+            <p:ph type="title"/>
+          </p:nvPr>
+        </p:nvSpPr>
+        <p:spPr>
+          <a:xfrm>
+            <a:off x="482600" y="995045"/>
+            <a:ext cx="11220450" cy="1148080"/>
+          </a:xfrm>
+        </p:spPr>
+        <p:txBody>
+          <a:bodyPr>
+            <a:normAutofit/>
+          </a:bodyPr>
+          <a:p>
+            <a:pPr algn="ctr"/>
+            <a:r>
+              <a:rPr lang="en-US" altLang="en-US">
+                <a:latin typeface="Cantarell" panose="02000603000000000000" charset="0"/>
+                <a:cs typeface="Cantarell" panose="02000603000000000000" charset="0"/>
+              </a:rPr>
+              <a:t>PREDICTIVE MODEL PERFORMANCE EVALUATION: METRICS</a:t>
+            </a:r>
+            <a:endParaRPr lang="en-US" altLang="en-US">
+              <a:latin typeface="Cantarell" panose="02000603000000000000" charset="0"/>
+              <a:cs typeface="Cantarell" panose="02000603000000000000" charset="0"/>
+            </a:endParaRPr>
+          </a:p>
+        </p:txBody>
+      </p:sp>
+      <p:sp>
+        <p:nvSpPr>
+          <p:cNvPr id="3" name="Content Placeholder 2"/>
+          <p:cNvSpPr>
+            <a:spLocks noGrp="1"/>
+          </p:cNvSpPr>
+          <p:nvPr>
+            <p:ph idx="1"/>
+          </p:nvPr>
+        </p:nvSpPr>
+        <p:spPr>
+          <a:xfrm>
+            <a:off x="482600" y="2247900"/>
+            <a:ext cx="11221720" cy="3929380"/>
+          </a:xfrm>
+        </p:spPr>
+        <p:txBody>
+          <a:bodyPr/>
+          <a:p>
+            <a:pPr lvl="0">
+              <a:lnSpc>
+                <a:spcPct val="150000"/>
+              </a:lnSpc>
+            </a:pPr>
+            <a:r>
+              <a:rPr altLang="en-US" sz="2800" b="1">
+                <a:latin typeface="Laksaman" panose="020B0500040200020003" charset="0"/>
+                <a:cs typeface="Laksaman" panose="020B0500040200020003" charset="0"/>
+                <a:sym typeface="+mn-ea"/>
+              </a:rPr>
+              <a:t>Average absolute error </a:t>
+            </a:r>
+            <a:r>
+              <a:rPr lang="" altLang="en-US" sz="2800" b="1">
+                <a:latin typeface="Laksaman" panose="020B0500040200020003" charset="0"/>
+                <a:cs typeface="Laksaman" panose="020B0500040200020003" charset="0"/>
+                <a:sym typeface="+mn-ea"/>
+              </a:rPr>
+              <a:t>- similar to average error. It is only used to balance out the differences in the outliers of the data</a:t>
+            </a:r>
+            <a:endParaRPr lang="" altLang="en-US" sz="2800" b="1">
+              <a:latin typeface="Laksaman" panose="020B0500040200020003" charset="0"/>
+              <a:cs typeface="Laksaman" panose="020B0500040200020003" charset="0"/>
+              <a:sym typeface="+mn-ea"/>
+            </a:endParaRPr>
+          </a:p>
+          <a:p>
+            <a:pPr lvl="0">
+              <a:lnSpc>
+                <a:spcPct val="150000"/>
+              </a:lnSpc>
+            </a:pPr>
+            <a:r>
+              <a:rPr altLang="en-US" sz="2800" b="1">
+                <a:latin typeface="Laksaman" panose="020B0500040200020003" charset="0"/>
+                <a:cs typeface="Laksaman" panose="020B0500040200020003" charset="0"/>
+                <a:sym typeface="+mn-ea"/>
+              </a:rPr>
+              <a:t>Median absolute error </a:t>
+            </a:r>
+            <a:r>
+              <a:rPr lang="" altLang="en-US" sz="2800" b="1">
+                <a:latin typeface="Laksaman" panose="020B0500040200020003" charset="0"/>
+                <a:cs typeface="Laksaman" panose="020B0500040200020003" charset="0"/>
+                <a:sym typeface="+mn-ea"/>
+              </a:rPr>
+              <a:t>- it represents the average of the absolute differences between prediction and actual observation</a:t>
+            </a:r>
+            <a:endParaRPr lang="" altLang="en-US" sz="2800" b="1">
+              <a:latin typeface="Laksaman" panose="020B0500040200020003" charset="0"/>
+              <a:cs typeface="Laksaman" panose="020B0500040200020003" charset="0"/>
+              <a:sym typeface="+mn-ea"/>
+            </a:endParaRPr>
+          </a:p>
+          <a:p>
+            <a:pPr lvl="0">
+              <a:lnSpc>
+                <a:spcPct val="150000"/>
+              </a:lnSpc>
+            </a:pPr>
+            <a:endParaRPr lang="en-US" altLang="en-US" sz="2800" b="1">
+              <a:latin typeface="Laksaman" panose="020B0500040200020003" charset="0"/>
+              <a:cs typeface="Laksaman" panose="020B0500040200020003" charset="0"/>
+            </a:endParaRPr>
+          </a:p>
+        </p:txBody>
+      </p:sp>
+    </p:spTree>
+  </p:cSld>
+  <p:clrMapOvr>
+    <a:masterClrMapping/>
+  </p:clrMapOvr>
+</p:sld>
+</file>
+
+<file path=ppt/slides/slide62.xml><?xml version="1.0" encoding="utf-8"?>
+<p:sld xmlns:a="http://schemas.openxmlformats.org/drawingml/2006/main" xmlns:r="http://schemas.openxmlformats.org/officeDocument/2006/relationships" xmlns:p="http://schemas.openxmlformats.org/presentationml/2006/main">
+  <p:cSld>
+    <p:spTree>
+      <p:nvGrpSpPr>
+        <p:cNvPr id="1" name=""/>
+        <p:cNvGrpSpPr/>
+        <p:nvPr/>
+      </p:nvGrpSpPr>
+      <p:grpSpPr/>
+      <p:sp>
+        <p:nvSpPr>
+          <p:cNvPr id="2" name="Title 1"/>
+          <p:cNvSpPr>
+            <a:spLocks noGrp="1"/>
+          </p:cNvSpPr>
+          <p:nvPr>
+            <p:ph type="title"/>
+          </p:nvPr>
+        </p:nvSpPr>
+        <p:spPr>
+          <a:xfrm>
+            <a:off x="482600" y="523240"/>
+            <a:ext cx="11220450" cy="624205"/>
+          </a:xfrm>
+        </p:spPr>
+        <p:txBody>
+          <a:bodyPr>
+            <a:normAutofit/>
+          </a:bodyPr>
+          <a:p>
+            <a:pPr algn="ctr"/>
+            <a:r>
+              <a:rPr lang="" altLang="en-US">
+                <a:latin typeface="Cantarell" panose="02000603000000000000" charset="0"/>
+                <a:cs typeface="Cantarell" panose="02000603000000000000" charset="0"/>
+              </a:rPr>
+              <a:t>MODELLING TECHNIQUES</a:t>
+            </a:r>
+            <a:endParaRPr lang="" altLang="en-US">
+              <a:latin typeface="Cantarell" panose="02000603000000000000" charset="0"/>
+              <a:cs typeface="Cantarell" panose="02000603000000000000" charset="0"/>
+            </a:endParaRPr>
+          </a:p>
+        </p:txBody>
+      </p:sp>
+      <p:sp>
+        <p:nvSpPr>
+          <p:cNvPr id="3" name="Content Placeholder 2"/>
+          <p:cNvSpPr>
+            <a:spLocks noGrp="1"/>
+          </p:cNvSpPr>
+          <p:nvPr>
+            <p:ph idx="1"/>
+          </p:nvPr>
+        </p:nvSpPr>
+        <p:spPr>
+          <a:xfrm>
+            <a:off x="482600" y="1148080"/>
+            <a:ext cx="11221720" cy="5448300"/>
+          </a:xfrm>
+        </p:spPr>
+        <p:txBody>
+          <a:bodyPr/>
+          <a:p>
+            <a:pPr lvl="0">
+              <a:lnSpc>
+                <a:spcPct val="150000"/>
+              </a:lnSpc>
+            </a:pPr>
+            <a:r>
+              <a:rPr altLang="en-US" sz="2800" b="1">
+                <a:latin typeface="Laksaman" panose="020B0500040200020003" charset="0"/>
+                <a:cs typeface="Laksaman" panose="020B0500040200020003" charset="0"/>
+                <a:sym typeface="+mn-ea"/>
+              </a:rPr>
+              <a:t>General linear model - predicts the expected value of a given unknown quantity as a linear combination of a set of observed values (predictors). </a:t>
+            </a:r>
+            <a:endParaRPr altLang="en-US" sz="2800" b="1">
+              <a:latin typeface="Laksaman" panose="020B0500040200020003" charset="0"/>
+              <a:cs typeface="Laksaman" panose="020B0500040200020003" charset="0"/>
+              <a:sym typeface="+mn-ea"/>
+            </a:endParaRPr>
+          </a:p>
+          <a:p>
+            <a:pPr lvl="0">
+              <a:lnSpc>
+                <a:spcPct val="150000"/>
+              </a:lnSpc>
+            </a:pPr>
+            <a:r>
+              <a:rPr altLang="en-US" sz="2800" b="1">
+                <a:latin typeface="Laksaman" panose="020B0500040200020003" charset="0"/>
+                <a:cs typeface="Laksaman" panose="020B0500040200020003" charset="0"/>
+                <a:sym typeface="+mn-ea"/>
+              </a:rPr>
+              <a:t>Random forests - construct</a:t>
+            </a:r>
+            <a:r>
+              <a:rPr lang="" altLang="en-US" sz="2800" b="1">
+                <a:latin typeface="Laksaman" panose="020B0500040200020003" charset="0"/>
+                <a:cs typeface="Laksaman" panose="020B0500040200020003" charset="0"/>
+                <a:sym typeface="+mn-ea"/>
+              </a:rPr>
+              <a:t>s</a:t>
+            </a:r>
+            <a:r>
+              <a:rPr altLang="en-US" sz="2800" b="1">
+                <a:latin typeface="Laksaman" panose="020B0500040200020003" charset="0"/>
+                <a:cs typeface="Laksaman" panose="020B0500040200020003" charset="0"/>
+                <a:sym typeface="+mn-ea"/>
+              </a:rPr>
+              <a:t> a multitude of decision trees at training time and outputting the mean prediction of the individual trees</a:t>
+            </a:r>
+            <a:endParaRPr altLang="en-US" sz="2800" b="1">
+              <a:latin typeface="Laksaman" panose="020B0500040200020003" charset="0"/>
+              <a:cs typeface="Laksaman" panose="020B0500040200020003" charset="0"/>
+              <a:sym typeface="+mn-ea"/>
+            </a:endParaRPr>
+          </a:p>
+          <a:p>
+            <a:pPr lvl="0">
+              <a:lnSpc>
+                <a:spcPct val="150000"/>
+              </a:lnSpc>
+            </a:pPr>
+            <a:r>
+              <a:rPr altLang="en-US" sz="2800" b="1">
+                <a:latin typeface="Laksaman" panose="020B0500040200020003" charset="0"/>
+                <a:cs typeface="Laksaman" panose="020B0500040200020003" charset="0"/>
+                <a:sym typeface="+mn-ea"/>
+              </a:rPr>
+              <a:t>Decision trees - partitions data into subsets </a:t>
+            </a:r>
+            <a:r>
+              <a:rPr lang="" altLang="en-US" sz="2800" b="1">
+                <a:latin typeface="Laksaman" panose="020B0500040200020003" charset="0"/>
+                <a:cs typeface="Laksaman" panose="020B0500040200020003" charset="0"/>
+                <a:sym typeface="+mn-ea"/>
+              </a:rPr>
+              <a:t>in order</a:t>
+            </a:r>
+            <a:r>
+              <a:rPr altLang="en-US" sz="2800" b="1">
+                <a:latin typeface="Laksaman" panose="020B0500040200020003" charset="0"/>
+                <a:cs typeface="Laksaman" panose="020B0500040200020003" charset="0"/>
+                <a:sym typeface="+mn-ea"/>
+              </a:rPr>
+              <a:t> to encapsulate the data into the smallest tree.</a:t>
+            </a:r>
+            <a:endParaRPr altLang="en-US" sz="2800" b="1">
+              <a:latin typeface="Laksaman" panose="020B0500040200020003" charset="0"/>
+              <a:cs typeface="Laksaman" panose="020B0500040200020003" charset="0"/>
+              <a:sym typeface="+mn-ea"/>
+            </a:endParaRPr>
+          </a:p>
+          <a:p>
+            <a:pPr lvl="0">
+              <a:lnSpc>
+                <a:spcPct val="150000"/>
+              </a:lnSpc>
+            </a:pPr>
+            <a:endParaRPr lang="en-US" altLang="en-US" sz="2800" b="1">
+              <a:latin typeface="Laksaman" panose="020B0500040200020003" charset="0"/>
+              <a:cs typeface="Laksaman" panose="020B0500040200020003" charset="0"/>
+            </a:endParaRPr>
+          </a:p>
+        </p:txBody>
+      </p:sp>
+    </p:spTree>
+  </p:cSld>
+  <p:clrMapOvr>
+    <a:masterClrMapping/>
+  </p:clrMapOvr>
+</p:sld>
+</file>
+
+<file path=ppt/slides/slide63.xml><?xml version="1.0" encoding="utf-8"?>
+<p:sld xmlns:a="http://schemas.openxmlformats.org/drawingml/2006/main" xmlns:r="http://schemas.openxmlformats.org/officeDocument/2006/relationships" xmlns:p="http://schemas.openxmlformats.org/presentationml/2006/main">
+  <p:cSld>
+    <p:spTree>
+      <p:nvGrpSpPr>
+        <p:cNvPr id="1" name=""/>
+        <p:cNvGrpSpPr/>
+        <p:nvPr/>
+      </p:nvGrpSpPr>
+      <p:grpSpPr/>
+      <p:sp>
+        <p:nvSpPr>
+          <p:cNvPr id="2" name="Title 1"/>
+          <p:cNvSpPr>
+            <a:spLocks noGrp="1"/>
+          </p:cNvSpPr>
+          <p:nvPr>
+            <p:ph type="title"/>
+          </p:nvPr>
+        </p:nvSpPr>
+        <p:spPr>
+          <a:xfrm>
+            <a:off x="610235" y="2854960"/>
+            <a:ext cx="10972165" cy="1148080"/>
+          </a:xfrm>
+        </p:spPr>
+        <p:txBody>
+          <a:bodyPr>
+            <a:normAutofit/>
+          </a:bodyPr>
+          <a:p>
+            <a:pPr algn="ctr"/>
+            <a:r>
+              <a:rPr lang="" altLang="en-US" sz="4000">
+                <a:latin typeface="Cantarell" panose="02000603000000000000" charset="0"/>
+                <a:cs typeface="Cantarell" panose="02000603000000000000" charset="0"/>
+              </a:rPr>
+              <a:t>GENERAL LINEAR MODEL</a:t>
+            </a:r>
+            <a:endParaRPr lang="" altLang="en-US" sz="4000">
+              <a:latin typeface="Cantarell" panose="02000603000000000000" charset="0"/>
+              <a:cs typeface="Cantarell" panose="02000603000000000000" charset="0"/>
+            </a:endParaRPr>
+          </a:p>
+        </p:txBody>
+      </p:sp>
+    </p:spTree>
+  </p:cSld>
+  <p:clrMapOvr>
+    <a:masterClrMapping/>
+  </p:clrMapOvr>
+</p:sld>
+</file>
+
+<file path=ppt/slides/slide64.xml><?xml version="1.0" encoding="utf-8"?>
+<p:sld xmlns:a="http://schemas.openxmlformats.org/drawingml/2006/main" xmlns:r="http://schemas.openxmlformats.org/officeDocument/2006/relationships" xmlns:p="http://schemas.openxmlformats.org/presentationml/2006/main">
+  <p:cSld>
+    <p:spTree>
+      <p:nvGrpSpPr>
+        <p:cNvPr id="1" name=""/>
+        <p:cNvGrpSpPr/>
+        <p:nvPr/>
+      </p:nvGrpSpPr>
+      <p:grpSpPr/>
+      <p:graphicFrame>
+        <p:nvGraphicFramePr>
+          <p:cNvPr id="6" name="Table 5"/>
+          <p:cNvGraphicFramePr/>
+          <p:nvPr/>
+        </p:nvGraphicFramePr>
+        <p:xfrm>
+          <a:off x="491490" y="1287145"/>
+          <a:ext cx="11209020" cy="4283075"/>
+        </p:xfrm>
+        <a:graphic>
+          <a:graphicData uri="http://schemas.openxmlformats.org/drawingml/2006/table">
+            <a:tbl>
+              <a:tblPr firstRow="1" bandRow="1">
+                <a:tableStyleId>{5940675A-B579-460E-94D1-54222C63F5DA}</a:tableStyleId>
+              </a:tblPr>
+              <a:tblGrid>
+                <a:gridCol w="5320665"/>
+                <a:gridCol w="1472565"/>
+                <a:gridCol w="1473835"/>
+                <a:gridCol w="1472565"/>
+                <a:gridCol w="1469390"/>
+              </a:tblGrid>
+              <a:tr h="967105">
+                <a:tc>
+                  <a:txBody>
+                    <a:bodyPr/>
+                    <a:p>
+                      <a:pPr indent="0">
+                        <a:buNone/>
+                      </a:pPr>
+                      <a:r>
+                        <a:rPr lang="en-US" sz="2800" b="0">
+                          <a:latin typeface="Cantarell" panose="02000603000000000000" charset="0"/>
+                          <a:cs typeface="Cantarell" panose="02000603000000000000" charset="0"/>
+                        </a:rPr>
+                        <a:t>Student</a:t>
+                      </a:r>
+                      <a:endParaRPr lang="en-US" sz="2800" b="0">
+                        <a:latin typeface="Cantarell" panose="02000603000000000000" charset="0"/>
+                        <a:ea typeface="Latin Modern Roman" panose="00000500000000000000" charset="0"/>
+                        <a:cs typeface="Cantarell" panose="02000603000000000000" charset="0"/>
+                      </a:endParaRPr>
+                    </a:p>
+                  </a:txBody>
+                  <a:tcPr marL="68580" marR="68580" marT="0" marB="0" vert="horz" anchor="t" anchorCtr="0">
+                    <a:lnL w="12700" cap="flat" cmpd="sng">
+                      <a:solidFill>
+                        <a:srgbClr val="080000"/>
+                      </a:solidFill>
+                      <a:prstDash val="solid"/>
+                      <a:headEnd type="none" w="med" len="med"/>
+                      <a:tailEnd type="none" w="med" len="med"/>
+                    </a:lnL>
+                    <a:lnR w="12700" cap="flat" cmpd="sng">
+                      <a:solidFill>
+                        <a:srgbClr val="080000"/>
+                      </a:solidFill>
+                      <a:prstDash val="solid"/>
+                      <a:headEnd type="none" w="med" len="med"/>
+                      <a:tailEnd type="none" w="med" len="med"/>
+                    </a:lnR>
+                    <a:lnT w="12700" cap="flat" cmpd="sng">
+                      <a:solidFill>
+                        <a:srgbClr val="080000"/>
+                      </a:solidFill>
+                      <a:prstDash val="solid"/>
+                      <a:headEnd type="none" w="med" len="med"/>
+                      <a:tailEnd type="none" w="med" len="med"/>
+                    </a:lnT>
+                    <a:lnB w="12700" cap="flat" cmpd="sng">
+                      <a:solidFill>
+                        <a:srgbClr val="080000"/>
+                      </a:solidFill>
+                      <a:prstDash val="solid"/>
+                      <a:headEnd type="none" w="med" len="med"/>
+                      <a:tailEnd type="none" w="med" len="med"/>
+                    </a:lnB>
+                    <a:lnTlToBr>
+                      <a:noFill/>
+                    </a:lnTlToBr>
+                    <a:lnBlToTr>
+                      <a:noFill/>
+                    </a:lnBlToTr>
+                    <a:noFill/>
+                  </a:tcPr>
+                </a:tc>
+                <a:tc>
+                  <a:txBody>
+                    <a:bodyPr/>
+                    <a:p>
+                      <a:pPr indent="0">
+                        <a:buNone/>
+                      </a:pPr>
+                      <a:r>
+                        <a:rPr lang="en-US" sz="2800" b="0">
+                          <a:latin typeface="Cantarell" panose="02000603000000000000" charset="0"/>
+                          <a:cs typeface="Cantarell" panose="02000603000000000000" charset="0"/>
+                        </a:rPr>
+                        <a:t>1</a:t>
+                      </a:r>
+                      <a:endParaRPr lang="en-US" sz="2800" b="0">
+                        <a:latin typeface="Cantarell" panose="02000603000000000000" charset="0"/>
+                        <a:ea typeface="Latin Modern Roman" panose="00000500000000000000" charset="0"/>
+                        <a:cs typeface="Cantarell" panose="02000603000000000000" charset="0"/>
+                      </a:endParaRPr>
+                    </a:p>
+                  </a:txBody>
+                  <a:tcPr marL="68580" marR="68580" marT="0" marB="0" vert="horz" anchor="t" anchorCtr="0">
+                    <a:lnL w="12700" cap="flat" cmpd="sng">
+                      <a:solidFill>
+                        <a:srgbClr val="080000"/>
+                      </a:solidFill>
+                      <a:prstDash val="solid"/>
+                      <a:headEnd type="none" w="med" len="med"/>
+                      <a:tailEnd type="none" w="med" len="med"/>
+                    </a:lnL>
+                    <a:lnR w="12700" cap="flat" cmpd="sng">
+                      <a:solidFill>
+                        <a:srgbClr val="080000"/>
+                      </a:solidFill>
+                      <a:prstDash val="solid"/>
+                      <a:headEnd type="none" w="med" len="med"/>
+                      <a:tailEnd type="none" w="med" len="med"/>
+                    </a:lnR>
+                    <a:lnT w="12700" cap="flat" cmpd="sng">
+                      <a:solidFill>
+                        <a:srgbClr val="080000"/>
+                      </a:solidFill>
+                      <a:prstDash val="solid"/>
+                      <a:headEnd type="none" w="med" len="med"/>
+                      <a:tailEnd type="none" w="med" len="med"/>
+                    </a:lnT>
+                    <a:lnB w="12700" cap="flat" cmpd="sng">
+                      <a:solidFill>
+                        <a:srgbClr val="080000"/>
+                      </a:solidFill>
+                      <a:prstDash val="solid"/>
+                      <a:headEnd type="none" w="med" len="med"/>
+                      <a:tailEnd type="none" w="med" len="med"/>
+                    </a:lnB>
+                    <a:lnTlToBr>
+                      <a:noFill/>
+                    </a:lnTlToBr>
+                    <a:lnBlToTr>
+                      <a:noFill/>
+                    </a:lnBlToTr>
+                    <a:noFill/>
+                  </a:tcPr>
+                </a:tc>
+                <a:tc>
+                  <a:txBody>
+                    <a:bodyPr/>
+                    <a:p>
+                      <a:pPr indent="0">
+                        <a:buNone/>
+                      </a:pPr>
+                      <a:r>
+                        <a:rPr lang="en-US" sz="2800" b="0">
+                          <a:latin typeface="Cantarell" panose="02000603000000000000" charset="0"/>
+                          <a:cs typeface="Cantarell" panose="02000603000000000000" charset="0"/>
+                        </a:rPr>
+                        <a:t>10</a:t>
+                      </a:r>
+                      <a:endParaRPr lang="en-US" sz="2800" b="0">
+                        <a:latin typeface="Cantarell" panose="02000603000000000000" charset="0"/>
+                        <a:ea typeface="Latin Modern Roman" panose="00000500000000000000" charset="0"/>
+                        <a:cs typeface="Cantarell" panose="02000603000000000000" charset="0"/>
+                      </a:endParaRPr>
+                    </a:p>
+                  </a:txBody>
+                  <a:tcPr marL="68580" marR="68580" marT="0" marB="0" vert="horz" anchor="t" anchorCtr="0">
+                    <a:lnL w="12700" cap="flat" cmpd="sng">
+                      <a:solidFill>
+                        <a:srgbClr val="080000"/>
+                      </a:solidFill>
+                      <a:prstDash val="solid"/>
+                      <a:headEnd type="none" w="med" len="med"/>
+                      <a:tailEnd type="none" w="med" len="med"/>
+                    </a:lnL>
+                    <a:lnR w="12700" cap="flat" cmpd="sng">
+                      <a:solidFill>
+                        <a:srgbClr val="080000"/>
+                      </a:solidFill>
+                      <a:prstDash val="solid"/>
+                      <a:headEnd type="none" w="med" len="med"/>
+                      <a:tailEnd type="none" w="med" len="med"/>
+                    </a:lnR>
+                    <a:lnT w="12700" cap="flat" cmpd="sng">
+                      <a:solidFill>
+                        <a:srgbClr val="080000"/>
+                      </a:solidFill>
+                      <a:prstDash val="solid"/>
+                      <a:headEnd type="none" w="med" len="med"/>
+                      <a:tailEnd type="none" w="med" len="med"/>
+                    </a:lnT>
+                    <a:lnB w="12700" cap="flat" cmpd="sng">
+                      <a:solidFill>
+                        <a:srgbClr val="080000"/>
+                      </a:solidFill>
+                      <a:prstDash val="solid"/>
+                      <a:headEnd type="none" w="med" len="med"/>
+                      <a:tailEnd type="none" w="med" len="med"/>
+                    </a:lnB>
+                    <a:lnTlToBr>
+                      <a:noFill/>
+                    </a:lnTlToBr>
+                    <a:lnBlToTr>
+                      <a:noFill/>
+                    </a:lnBlToTr>
+                    <a:noFill/>
+                  </a:tcPr>
+                </a:tc>
+                <a:tc>
+                  <a:txBody>
+                    <a:bodyPr/>
+                    <a:p>
+                      <a:pPr indent="0">
+                        <a:buNone/>
+                      </a:pPr>
+                      <a:r>
+                        <a:rPr lang="en-US" sz="2800" b="0">
+                          <a:latin typeface="Cantarell" panose="02000603000000000000" charset="0"/>
+                          <a:cs typeface="Cantarell" panose="02000603000000000000" charset="0"/>
+                        </a:rPr>
+                        <a:t>67</a:t>
+                      </a:r>
+                      <a:endParaRPr lang="en-US" sz="2800" b="0">
+                        <a:latin typeface="Cantarell" panose="02000603000000000000" charset="0"/>
+                        <a:ea typeface="Latin Modern Roman" panose="00000500000000000000" charset="0"/>
+                        <a:cs typeface="Cantarell" panose="02000603000000000000" charset="0"/>
+                      </a:endParaRPr>
+                    </a:p>
+                  </a:txBody>
+                  <a:tcPr marL="68580" marR="68580" marT="0" marB="0" vert="horz" anchor="t" anchorCtr="0">
+                    <a:lnL w="12700" cap="flat" cmpd="sng">
+                      <a:solidFill>
+                        <a:srgbClr val="080000"/>
+                      </a:solidFill>
+                      <a:prstDash val="solid"/>
+                      <a:headEnd type="none" w="med" len="med"/>
+                      <a:tailEnd type="none" w="med" len="med"/>
+                    </a:lnL>
+                    <a:lnR w="12700" cap="flat" cmpd="sng">
+                      <a:solidFill>
+                        <a:srgbClr val="080000"/>
+                      </a:solidFill>
+                      <a:prstDash val="solid"/>
+                      <a:headEnd type="none" w="med" len="med"/>
+                      <a:tailEnd type="none" w="med" len="med"/>
+                    </a:lnR>
+                    <a:lnT w="12700" cap="flat" cmpd="sng">
+                      <a:solidFill>
+                        <a:srgbClr val="080000"/>
+                      </a:solidFill>
+                      <a:prstDash val="solid"/>
+                      <a:headEnd type="none" w="med" len="med"/>
+                      <a:tailEnd type="none" w="med" len="med"/>
+                    </a:lnT>
+                    <a:lnB w="12700" cap="flat" cmpd="sng">
+                      <a:solidFill>
+                        <a:srgbClr val="080000"/>
+                      </a:solidFill>
+                      <a:prstDash val="solid"/>
+                      <a:headEnd type="none" w="med" len="med"/>
+                      <a:tailEnd type="none" w="med" len="med"/>
+                    </a:lnB>
+                    <a:lnTlToBr>
+                      <a:noFill/>
+                    </a:lnTlToBr>
+                    <a:lnBlToTr>
+                      <a:noFill/>
+                    </a:lnBlToTr>
+                    <a:noFill/>
+                  </a:tcPr>
+                </a:tc>
+                <a:tc>
+                  <a:txBody>
+                    <a:bodyPr/>
+                    <a:p>
+                      <a:pPr indent="0">
+                        <a:buNone/>
+                      </a:pPr>
+                      <a:r>
+                        <a:rPr lang="en-US" sz="2800" b="0">
+                          <a:latin typeface="Cantarell" panose="02000603000000000000" charset="0"/>
+                          <a:cs typeface="Cantarell" panose="02000603000000000000" charset="0"/>
+                        </a:rPr>
+                        <a:t>150</a:t>
+                      </a:r>
+                      <a:endParaRPr lang="en-US" sz="2800" b="0">
+                        <a:latin typeface="Cantarell" panose="02000603000000000000" charset="0"/>
+                        <a:ea typeface="Latin Modern Roman" panose="00000500000000000000" charset="0"/>
+                        <a:cs typeface="Cantarell" panose="02000603000000000000" charset="0"/>
+                      </a:endParaRPr>
+                    </a:p>
+                  </a:txBody>
+                  <a:tcPr marL="68580" marR="68580" marT="0" marB="0" vert="horz" anchor="t" anchorCtr="0">
+                    <a:lnL w="12700" cap="flat" cmpd="sng">
+                      <a:solidFill>
+                        <a:srgbClr val="080000"/>
+                      </a:solidFill>
+                      <a:prstDash val="solid"/>
+                      <a:headEnd type="none" w="med" len="med"/>
+                      <a:tailEnd type="none" w="med" len="med"/>
+                    </a:lnL>
+                    <a:lnR w="12700" cap="flat" cmpd="sng">
+                      <a:solidFill>
+                        <a:srgbClr val="080000"/>
+                      </a:solidFill>
+                      <a:prstDash val="solid"/>
+                      <a:headEnd type="none" w="med" len="med"/>
+                      <a:tailEnd type="none" w="med" len="med"/>
+                    </a:lnR>
+                    <a:lnT w="12700" cap="flat" cmpd="sng">
+                      <a:solidFill>
+                        <a:srgbClr val="080000"/>
+                      </a:solidFill>
+                      <a:prstDash val="solid"/>
+                      <a:headEnd type="none" w="med" len="med"/>
+                      <a:tailEnd type="none" w="med" len="med"/>
+                    </a:lnT>
+                    <a:lnB w="12700" cap="flat" cmpd="sng">
+                      <a:solidFill>
+                        <a:srgbClr val="080000"/>
+                      </a:solidFill>
+                      <a:prstDash val="solid"/>
+                      <a:headEnd type="none" w="med" len="med"/>
+                      <a:tailEnd type="none" w="med" len="med"/>
+                    </a:lnB>
+                    <a:lnTlToBr>
+                      <a:noFill/>
+                    </a:lnTlToBr>
+                    <a:lnBlToTr>
+                      <a:noFill/>
+                    </a:lnBlToTr>
+                    <a:noFill/>
+                  </a:tcPr>
+                </a:tc>
+              </a:tr>
+              <a:tr h="967105">
+                <a:tc>
+                  <a:txBody>
+                    <a:bodyPr/>
+                    <a:p>
+                      <a:pPr indent="0">
+                        <a:buNone/>
+                      </a:pPr>
+                      <a:r>
+                        <a:rPr lang="en-US" sz="2800" b="0">
+                          <a:latin typeface="Cantarell" panose="02000603000000000000" charset="0"/>
+                          <a:cs typeface="Cantarell" panose="02000603000000000000" charset="0"/>
+                        </a:rPr>
+                        <a:t>Actual Mean</a:t>
+                      </a:r>
+                      <a:endParaRPr lang="en-US" sz="2800" b="0">
+                        <a:latin typeface="Cantarell" panose="02000603000000000000" charset="0"/>
+                        <a:ea typeface="Latin Modern Roman" panose="00000500000000000000" charset="0"/>
+                        <a:cs typeface="Cantarell" panose="02000603000000000000" charset="0"/>
+                      </a:endParaRPr>
+                    </a:p>
+                  </a:txBody>
+                  <a:tcPr marL="68580" marR="68580" marT="0" marB="0" vert="horz" anchor="t" anchorCtr="0">
+                    <a:lnL w="12700" cap="flat" cmpd="sng">
+                      <a:solidFill>
+                        <a:srgbClr val="080000"/>
+                      </a:solidFill>
+                      <a:prstDash val="solid"/>
+                      <a:headEnd type="none" w="med" len="med"/>
+                      <a:tailEnd type="none" w="med" len="med"/>
+                    </a:lnL>
+                    <a:lnR w="12700" cap="flat" cmpd="sng">
+                      <a:solidFill>
+                        <a:srgbClr val="080000"/>
+                      </a:solidFill>
+                      <a:prstDash val="solid"/>
+                      <a:headEnd type="none" w="med" len="med"/>
+                      <a:tailEnd type="none" w="med" len="med"/>
+                    </a:lnR>
+                    <a:lnT w="12700" cap="flat" cmpd="sng">
+                      <a:solidFill>
+                        <a:srgbClr val="080000"/>
+                      </a:solidFill>
+                      <a:prstDash val="solid"/>
+                      <a:headEnd type="none" w="med" len="med"/>
+                      <a:tailEnd type="none" w="med" len="med"/>
+                    </a:lnT>
+                    <a:lnB w="12700" cap="flat" cmpd="sng">
+                      <a:solidFill>
+                        <a:srgbClr val="080000"/>
+                      </a:solidFill>
+                      <a:prstDash val="solid"/>
+                      <a:headEnd type="none" w="med" len="med"/>
+                      <a:tailEnd type="none" w="med" len="med"/>
+                    </a:lnB>
+                    <a:lnTlToBr>
+                      <a:noFill/>
+                    </a:lnTlToBr>
+                    <a:lnBlToTr>
+                      <a:noFill/>
+                    </a:lnBlToTr>
+                    <a:noFill/>
+                  </a:tcPr>
+                </a:tc>
+                <a:tc>
+                  <a:txBody>
+                    <a:bodyPr/>
+                    <a:p>
+                      <a:pPr indent="0">
+                        <a:buNone/>
+                      </a:pPr>
+                      <a:r>
+                        <a:rPr lang="en-US" sz="2800" b="0">
+                          <a:latin typeface="Cantarell" panose="02000603000000000000" charset="0"/>
+                          <a:cs typeface="Cantarell" panose="02000603000000000000" charset="0"/>
+                        </a:rPr>
+                        <a:t>27</a:t>
+                      </a:r>
+                      <a:endParaRPr lang="en-US" sz="2800" b="0">
+                        <a:latin typeface="Cantarell" panose="02000603000000000000" charset="0"/>
+                        <a:ea typeface="Latin Modern Roman" panose="00000500000000000000" charset="0"/>
+                        <a:cs typeface="Cantarell" panose="02000603000000000000" charset="0"/>
+                      </a:endParaRPr>
+                    </a:p>
+                  </a:txBody>
+                  <a:tcPr marL="68580" marR="68580" marT="0" marB="0" vert="horz" anchor="t" anchorCtr="0">
+                    <a:lnL w="12700" cap="flat" cmpd="sng">
+                      <a:solidFill>
+                        <a:srgbClr val="080000"/>
+                      </a:solidFill>
+                      <a:prstDash val="solid"/>
+                      <a:headEnd type="none" w="med" len="med"/>
+                      <a:tailEnd type="none" w="med" len="med"/>
+                    </a:lnL>
+                    <a:lnR w="12700" cap="flat" cmpd="sng">
+                      <a:solidFill>
+                        <a:srgbClr val="080000"/>
+                      </a:solidFill>
+                      <a:prstDash val="solid"/>
+                      <a:headEnd type="none" w="med" len="med"/>
+                      <a:tailEnd type="none" w="med" len="med"/>
+                    </a:lnR>
+                    <a:lnT w="12700" cap="flat" cmpd="sng">
+                      <a:solidFill>
+                        <a:srgbClr val="080000"/>
+                      </a:solidFill>
+                      <a:prstDash val="solid"/>
+                      <a:headEnd type="none" w="med" len="med"/>
+                      <a:tailEnd type="none" w="med" len="med"/>
+                    </a:lnT>
+                    <a:lnB w="12700" cap="flat" cmpd="sng">
+                      <a:solidFill>
+                        <a:srgbClr val="080000"/>
+                      </a:solidFill>
+                      <a:prstDash val="solid"/>
+                      <a:headEnd type="none" w="med" len="med"/>
+                      <a:tailEnd type="none" w="med" len="med"/>
+                    </a:lnB>
+                    <a:lnTlToBr>
+                      <a:noFill/>
+                    </a:lnTlToBr>
+                    <a:lnBlToTr>
+                      <a:noFill/>
+                    </a:lnBlToTr>
+                    <a:noFill/>
+                  </a:tcPr>
+                </a:tc>
+                <a:tc>
+                  <a:txBody>
+                    <a:bodyPr/>
+                    <a:p>
+                      <a:pPr indent="0">
+                        <a:buNone/>
+                      </a:pPr>
+                      <a:r>
+                        <a:rPr lang="en-US" sz="2800" b="0">
+                          <a:latin typeface="Cantarell" panose="02000603000000000000" charset="0"/>
+                          <a:cs typeface="Cantarell" panose="02000603000000000000" charset="0"/>
+                        </a:rPr>
+                        <a:t>58</a:t>
+                      </a:r>
+                      <a:endParaRPr lang="en-US" sz="2800" b="0">
+                        <a:latin typeface="Cantarell" panose="02000603000000000000" charset="0"/>
+                        <a:ea typeface="Latin Modern Roman" panose="00000500000000000000" charset="0"/>
+                        <a:cs typeface="Cantarell" panose="02000603000000000000" charset="0"/>
+                      </a:endParaRPr>
+                    </a:p>
+                  </a:txBody>
+                  <a:tcPr marL="68580" marR="68580" marT="0" marB="0" vert="horz" anchor="t" anchorCtr="0">
+                    <a:lnL w="12700" cap="flat" cmpd="sng">
+                      <a:solidFill>
+                        <a:srgbClr val="080000"/>
+                      </a:solidFill>
+                      <a:prstDash val="solid"/>
+                      <a:headEnd type="none" w="med" len="med"/>
+                      <a:tailEnd type="none" w="med" len="med"/>
+                    </a:lnL>
+                    <a:lnR w="12700" cap="flat" cmpd="sng">
+                      <a:solidFill>
+                        <a:srgbClr val="080000"/>
+                      </a:solidFill>
+                      <a:prstDash val="solid"/>
+                      <a:headEnd type="none" w="med" len="med"/>
+                      <a:tailEnd type="none" w="med" len="med"/>
+                    </a:lnR>
+                    <a:lnT w="12700" cap="flat" cmpd="sng">
+                      <a:solidFill>
+                        <a:srgbClr val="080000"/>
+                      </a:solidFill>
+                      <a:prstDash val="solid"/>
+                      <a:headEnd type="none" w="med" len="med"/>
+                      <a:tailEnd type="none" w="med" len="med"/>
+                    </a:lnT>
+                    <a:lnB w="12700" cap="flat" cmpd="sng">
+                      <a:solidFill>
+                        <a:srgbClr val="080000"/>
+                      </a:solidFill>
+                      <a:prstDash val="solid"/>
+                      <a:headEnd type="none" w="med" len="med"/>
+                      <a:tailEnd type="none" w="med" len="med"/>
+                    </a:lnB>
+                    <a:lnTlToBr>
+                      <a:noFill/>
+                    </a:lnTlToBr>
+                    <a:lnBlToTr>
+                      <a:noFill/>
+                    </a:lnBlToTr>
+                    <a:noFill/>
+                  </a:tcPr>
+                </a:tc>
+                <a:tc>
+                  <a:txBody>
+                    <a:bodyPr/>
+                    <a:p>
+                      <a:pPr indent="0">
+                        <a:buNone/>
+                      </a:pPr>
+                      <a:r>
+                        <a:rPr lang="en-US" sz="2800" b="0">
+                          <a:latin typeface="Cantarell" panose="02000603000000000000" charset="0"/>
+                          <a:cs typeface="Cantarell" panose="02000603000000000000" charset="0"/>
+                        </a:rPr>
+                        <a:t>57</a:t>
+                      </a:r>
+                      <a:endParaRPr lang="en-US" sz="2800" b="0">
+                        <a:latin typeface="Cantarell" panose="02000603000000000000" charset="0"/>
+                        <a:ea typeface="Latin Modern Roman" panose="00000500000000000000" charset="0"/>
+                        <a:cs typeface="Cantarell" panose="02000603000000000000" charset="0"/>
+                      </a:endParaRPr>
+                    </a:p>
+                  </a:txBody>
+                  <a:tcPr marL="68580" marR="68580" marT="0" marB="0" vert="horz" anchor="t" anchorCtr="0">
+                    <a:lnL w="12700" cap="flat" cmpd="sng">
+                      <a:solidFill>
+                        <a:srgbClr val="080000"/>
+                      </a:solidFill>
+                      <a:prstDash val="solid"/>
+                      <a:headEnd type="none" w="med" len="med"/>
+                      <a:tailEnd type="none" w="med" len="med"/>
+                    </a:lnL>
+                    <a:lnR w="12700" cap="flat" cmpd="sng">
+                      <a:solidFill>
+                        <a:srgbClr val="080000"/>
+                      </a:solidFill>
+                      <a:prstDash val="solid"/>
+                      <a:headEnd type="none" w="med" len="med"/>
+                      <a:tailEnd type="none" w="med" len="med"/>
+                    </a:lnR>
+                    <a:lnT w="12700" cap="flat" cmpd="sng">
+                      <a:solidFill>
+                        <a:srgbClr val="080000"/>
+                      </a:solidFill>
+                      <a:prstDash val="solid"/>
+                      <a:headEnd type="none" w="med" len="med"/>
+                      <a:tailEnd type="none" w="med" len="med"/>
+                    </a:lnT>
+                    <a:lnB w="12700" cap="flat" cmpd="sng">
+                      <a:solidFill>
+                        <a:srgbClr val="080000"/>
+                      </a:solidFill>
+                      <a:prstDash val="solid"/>
+                      <a:headEnd type="none" w="med" len="med"/>
+                      <a:tailEnd type="none" w="med" len="med"/>
+                    </a:lnB>
+                    <a:lnTlToBr>
+                      <a:noFill/>
+                    </a:lnTlToBr>
+                    <a:lnBlToTr>
+                      <a:noFill/>
+                    </a:lnBlToTr>
+                    <a:noFill/>
+                  </a:tcPr>
+                </a:tc>
+                <a:tc>
+                  <a:txBody>
+                    <a:bodyPr/>
+                    <a:p>
+                      <a:pPr indent="0">
+                        <a:buNone/>
+                      </a:pPr>
+                      <a:r>
+                        <a:rPr lang="en-US" sz="2800" b="0">
+                          <a:latin typeface="Cantarell" panose="02000603000000000000" charset="0"/>
+                          <a:cs typeface="Cantarell" panose="02000603000000000000" charset="0"/>
+                        </a:rPr>
+                        <a:t>93</a:t>
+                      </a:r>
+                      <a:endParaRPr lang="en-US" sz="2800" b="0">
+                        <a:latin typeface="Cantarell" panose="02000603000000000000" charset="0"/>
+                        <a:ea typeface="Latin Modern Roman" panose="00000500000000000000" charset="0"/>
+                        <a:cs typeface="Cantarell" panose="02000603000000000000" charset="0"/>
+                      </a:endParaRPr>
+                    </a:p>
+                  </a:txBody>
+                  <a:tcPr marL="68580" marR="68580" marT="0" marB="0" vert="horz" anchor="t" anchorCtr="0">
+                    <a:lnL w="12700" cap="flat" cmpd="sng">
+                      <a:solidFill>
+                        <a:srgbClr val="080000"/>
+                      </a:solidFill>
+                      <a:prstDash val="solid"/>
+                      <a:headEnd type="none" w="med" len="med"/>
+                      <a:tailEnd type="none" w="med" len="med"/>
+                    </a:lnL>
+                    <a:lnR w="12700" cap="flat" cmpd="sng">
+                      <a:solidFill>
+                        <a:srgbClr val="080000"/>
+                      </a:solidFill>
+                      <a:prstDash val="solid"/>
+                      <a:headEnd type="none" w="med" len="med"/>
+                      <a:tailEnd type="none" w="med" len="med"/>
+                    </a:lnR>
+                    <a:lnT w="12700" cap="flat" cmpd="sng">
+                      <a:solidFill>
+                        <a:srgbClr val="080000"/>
+                      </a:solidFill>
+                      <a:prstDash val="solid"/>
+                      <a:headEnd type="none" w="med" len="med"/>
+                      <a:tailEnd type="none" w="med" len="med"/>
+                    </a:lnT>
+                    <a:lnB w="12700" cap="flat" cmpd="sng">
+                      <a:solidFill>
+                        <a:srgbClr val="080000"/>
+                      </a:solidFill>
+                      <a:prstDash val="solid"/>
+                      <a:headEnd type="none" w="med" len="med"/>
+                      <a:tailEnd type="none" w="med" len="med"/>
+                    </a:lnB>
+                    <a:lnTlToBr>
+                      <a:noFill/>
+                    </a:lnTlToBr>
+                    <a:lnBlToTr>
+                      <a:noFill/>
+                    </a:lnBlToTr>
+                    <a:noFill/>
+                  </a:tcPr>
+                </a:tc>
+              </a:tr>
+              <a:tr h="1174750">
+                <a:tc>
+                  <a:txBody>
+                    <a:bodyPr/>
+                    <a:p>
+                      <a:pPr indent="0">
+                        <a:buNone/>
+                      </a:pPr>
+                      <a:r>
+                        <a:rPr lang="en-US" sz="2800" b="0">
+                          <a:latin typeface="Cantarell" panose="02000603000000000000" charset="0"/>
+                          <a:cs typeface="Cantarell" panose="02000603000000000000" charset="0"/>
+                        </a:rPr>
+                        <a:t>Real data model prediction</a:t>
+                      </a:r>
+                      <a:endParaRPr lang="en-US" sz="2800" b="0">
+                        <a:latin typeface="Cantarell" panose="02000603000000000000" charset="0"/>
+                        <a:ea typeface="Latin Modern Roman" panose="00000500000000000000" charset="0"/>
+                        <a:cs typeface="Cantarell" panose="02000603000000000000" charset="0"/>
+                      </a:endParaRPr>
+                    </a:p>
+                  </a:txBody>
+                  <a:tcPr marL="68580" marR="68580" marT="0" marB="0" vert="horz" anchor="t" anchorCtr="0">
+                    <a:lnL w="12700" cap="flat" cmpd="sng">
+                      <a:solidFill>
+                        <a:srgbClr val="080000"/>
+                      </a:solidFill>
+                      <a:prstDash val="solid"/>
+                      <a:headEnd type="none" w="med" len="med"/>
+                      <a:tailEnd type="none" w="med" len="med"/>
+                    </a:lnL>
+                    <a:lnR w="12700" cap="flat" cmpd="sng">
+                      <a:solidFill>
+                        <a:srgbClr val="080000"/>
+                      </a:solidFill>
+                      <a:prstDash val="solid"/>
+                      <a:headEnd type="none" w="med" len="med"/>
+                      <a:tailEnd type="none" w="med" len="med"/>
+                    </a:lnR>
+                    <a:lnT w="12700" cap="flat" cmpd="sng">
+                      <a:solidFill>
+                        <a:srgbClr val="080000"/>
+                      </a:solidFill>
+                      <a:prstDash val="solid"/>
+                      <a:headEnd type="none" w="med" len="med"/>
+                      <a:tailEnd type="none" w="med" len="med"/>
+                    </a:lnT>
+                    <a:lnB w="12700" cap="flat" cmpd="sng">
+                      <a:solidFill>
+                        <a:srgbClr val="080000"/>
+                      </a:solidFill>
+                      <a:prstDash val="solid"/>
+                      <a:headEnd type="none" w="med" len="med"/>
+                      <a:tailEnd type="none" w="med" len="med"/>
+                    </a:lnB>
+                    <a:lnTlToBr>
+                      <a:noFill/>
+                    </a:lnTlToBr>
+                    <a:lnBlToTr>
+                      <a:noFill/>
+                    </a:lnBlToTr>
+                    <a:noFill/>
+                  </a:tcPr>
+                </a:tc>
+                <a:tc>
+                  <a:txBody>
+                    <a:bodyPr/>
+                    <a:p>
+                      <a:pPr indent="0">
+                        <a:buNone/>
+                      </a:pPr>
+                      <a:r>
+                        <a:rPr lang="" altLang="en-US" sz="2800" b="0">
+                          <a:latin typeface="Cantarell" panose="02000603000000000000" charset="0"/>
+                          <a:ea typeface="Latin Modern Roman" panose="00000500000000000000" charset="0"/>
+                          <a:cs typeface="Cantarell" panose="02000603000000000000" charset="0"/>
+                        </a:rPr>
+                        <a:t>50.042</a:t>
+                      </a:r>
+                      <a:endParaRPr lang="" altLang="en-US" sz="2800" b="0">
+                        <a:latin typeface="Cantarell" panose="02000603000000000000" charset="0"/>
+                        <a:ea typeface="Latin Modern Roman" panose="00000500000000000000" charset="0"/>
+                        <a:cs typeface="Cantarell" panose="02000603000000000000" charset="0"/>
+                      </a:endParaRPr>
+                    </a:p>
+                  </a:txBody>
+                  <a:tcPr marL="68580" marR="68580" marT="0" marB="0" vert="horz" anchor="t" anchorCtr="0">
+                    <a:lnL w="12700" cap="flat" cmpd="sng">
+                      <a:solidFill>
+                        <a:srgbClr val="080000"/>
+                      </a:solidFill>
+                      <a:prstDash val="solid"/>
+                      <a:headEnd type="none" w="med" len="med"/>
+                      <a:tailEnd type="none" w="med" len="med"/>
+                    </a:lnL>
+                    <a:lnR w="12700" cap="flat" cmpd="sng">
+                      <a:solidFill>
+                        <a:srgbClr val="080000"/>
+                      </a:solidFill>
+                      <a:prstDash val="solid"/>
+                      <a:headEnd type="none" w="med" len="med"/>
+                      <a:tailEnd type="none" w="med" len="med"/>
+                    </a:lnR>
+                    <a:lnT w="12700" cap="flat" cmpd="sng">
+                      <a:solidFill>
+                        <a:srgbClr val="080000"/>
+                      </a:solidFill>
+                      <a:prstDash val="solid"/>
+                      <a:headEnd type="none" w="med" len="med"/>
+                      <a:tailEnd type="none" w="med" len="med"/>
+                    </a:lnT>
+                    <a:lnB w="12700" cap="flat" cmpd="sng">
+                      <a:solidFill>
+                        <a:srgbClr val="080000"/>
+                      </a:solidFill>
+                      <a:prstDash val="solid"/>
+                      <a:headEnd type="none" w="med" len="med"/>
+                      <a:tailEnd type="none" w="med" len="med"/>
+                    </a:lnB>
+                    <a:lnTlToBr>
+                      <a:noFill/>
+                    </a:lnTlToBr>
+                    <a:lnBlToTr>
+                      <a:noFill/>
+                    </a:lnBlToTr>
+                    <a:noFill/>
+                  </a:tcPr>
+                </a:tc>
+                <a:tc>
+                  <a:txBody>
+                    <a:bodyPr/>
+                    <a:p>
+                      <a:pPr indent="0">
+                        <a:buNone/>
+                      </a:pPr>
+                      <a:r>
+                        <a:rPr lang="en-US" sz="2800" b="0">
+                          <a:latin typeface="Cantarell" panose="02000603000000000000" charset="0"/>
+                          <a:cs typeface="Cantarell" panose="02000603000000000000" charset="0"/>
+                        </a:rPr>
+                        <a:t>5</a:t>
+                      </a:r>
+                      <a:r>
+                        <a:rPr lang="" altLang="en-US" sz="2800" b="0">
+                          <a:latin typeface="Cantarell" panose="02000603000000000000" charset="0"/>
+                          <a:cs typeface="Cantarell" panose="02000603000000000000" charset="0"/>
+                        </a:rPr>
+                        <a:t>0.971</a:t>
+                      </a:r>
+                      <a:endParaRPr lang="" altLang="en-US" sz="2800" b="0">
+                        <a:latin typeface="Cantarell" panose="02000603000000000000" charset="0"/>
+                        <a:ea typeface="Latin Modern Roman" panose="00000500000000000000" charset="0"/>
+                        <a:cs typeface="Cantarell" panose="02000603000000000000" charset="0"/>
+                      </a:endParaRPr>
+                    </a:p>
+                  </a:txBody>
+                  <a:tcPr marL="68580" marR="68580" marT="0" marB="0" vert="horz" anchor="t" anchorCtr="0">
+                    <a:lnL w="12700" cap="flat" cmpd="sng">
+                      <a:solidFill>
+                        <a:srgbClr val="080000"/>
+                      </a:solidFill>
+                      <a:prstDash val="solid"/>
+                      <a:headEnd type="none" w="med" len="med"/>
+                      <a:tailEnd type="none" w="med" len="med"/>
+                    </a:lnL>
+                    <a:lnR w="12700" cap="flat" cmpd="sng">
+                      <a:solidFill>
+                        <a:srgbClr val="080000"/>
+                      </a:solidFill>
+                      <a:prstDash val="solid"/>
+                      <a:headEnd type="none" w="med" len="med"/>
+                      <a:tailEnd type="none" w="med" len="med"/>
+                    </a:lnR>
+                    <a:lnT w="12700" cap="flat" cmpd="sng">
+                      <a:solidFill>
+                        <a:srgbClr val="080000"/>
+                      </a:solidFill>
+                      <a:prstDash val="solid"/>
+                      <a:headEnd type="none" w="med" len="med"/>
+                      <a:tailEnd type="none" w="med" len="med"/>
+                    </a:lnT>
+                    <a:lnB w="12700" cap="flat" cmpd="sng">
+                      <a:solidFill>
+                        <a:srgbClr val="080000"/>
+                      </a:solidFill>
+                      <a:prstDash val="solid"/>
+                      <a:headEnd type="none" w="med" len="med"/>
+                      <a:tailEnd type="none" w="med" len="med"/>
+                    </a:lnB>
+                    <a:lnTlToBr>
+                      <a:noFill/>
+                    </a:lnTlToBr>
+                    <a:lnBlToTr>
+                      <a:noFill/>
+                    </a:lnBlToTr>
+                    <a:noFill/>
+                  </a:tcPr>
+                </a:tc>
+                <a:tc>
+                  <a:txBody>
+                    <a:bodyPr/>
+                    <a:p>
+                      <a:pPr indent="0">
+                        <a:buNone/>
+                      </a:pPr>
+                      <a:r>
+                        <a:rPr lang="" altLang="en-US" sz="2800" b="0">
+                          <a:latin typeface="Cantarell" panose="02000603000000000000" charset="0"/>
+                          <a:cs typeface="Cantarell" panose="02000603000000000000" charset="0"/>
+                        </a:rPr>
+                        <a:t>61.903</a:t>
+                      </a:r>
+                      <a:endParaRPr lang="" altLang="en-US" sz="2800" b="0">
+                        <a:latin typeface="Cantarell" panose="02000603000000000000" charset="0"/>
+                        <a:ea typeface="Latin Modern Roman" panose="00000500000000000000" charset="0"/>
+                        <a:cs typeface="Cantarell" panose="02000603000000000000" charset="0"/>
+                      </a:endParaRPr>
+                    </a:p>
+                  </a:txBody>
+                  <a:tcPr marL="68580" marR="68580" marT="0" marB="0" vert="horz" anchor="t" anchorCtr="0">
+                    <a:lnL w="12700" cap="flat" cmpd="sng">
+                      <a:solidFill>
+                        <a:srgbClr val="080000"/>
+                      </a:solidFill>
+                      <a:prstDash val="solid"/>
+                      <a:headEnd type="none" w="med" len="med"/>
+                      <a:tailEnd type="none" w="med" len="med"/>
+                    </a:lnL>
+                    <a:lnR w="12700" cap="flat" cmpd="sng">
+                      <a:solidFill>
+                        <a:srgbClr val="080000"/>
+                      </a:solidFill>
+                      <a:prstDash val="solid"/>
+                      <a:headEnd type="none" w="med" len="med"/>
+                      <a:tailEnd type="none" w="med" len="med"/>
+                    </a:lnR>
+                    <a:lnT w="12700" cap="flat" cmpd="sng">
+                      <a:solidFill>
+                        <a:srgbClr val="080000"/>
+                      </a:solidFill>
+                      <a:prstDash val="solid"/>
+                      <a:headEnd type="none" w="med" len="med"/>
+                      <a:tailEnd type="none" w="med" len="med"/>
+                    </a:lnT>
+                    <a:lnB w="12700" cap="flat" cmpd="sng">
+                      <a:solidFill>
+                        <a:srgbClr val="080000"/>
+                      </a:solidFill>
+                      <a:prstDash val="solid"/>
+                      <a:headEnd type="none" w="med" len="med"/>
+                      <a:tailEnd type="none" w="med" len="med"/>
+                    </a:lnB>
+                    <a:lnTlToBr>
+                      <a:noFill/>
+                    </a:lnTlToBr>
+                    <a:lnBlToTr>
+                      <a:noFill/>
+                    </a:lnBlToTr>
+                    <a:noFill/>
+                  </a:tcPr>
+                </a:tc>
+                <a:tc>
+                  <a:txBody>
+                    <a:bodyPr/>
+                    <a:p>
+                      <a:pPr indent="0">
+                        <a:buNone/>
+                      </a:pPr>
+                      <a:r>
+                        <a:rPr lang="" altLang="en-US" sz="2800" b="0">
+                          <a:latin typeface="Cantarell" panose="02000603000000000000" charset="0"/>
+                          <a:cs typeface="Cantarell" panose="02000603000000000000" charset="0"/>
+                        </a:rPr>
+                        <a:t>60.768</a:t>
+                      </a:r>
+                      <a:endParaRPr lang="" altLang="en-US" sz="2800" b="0">
+                        <a:latin typeface="Cantarell" panose="02000603000000000000" charset="0"/>
+                        <a:ea typeface="Latin Modern Roman" panose="00000500000000000000" charset="0"/>
+                        <a:cs typeface="Cantarell" panose="02000603000000000000" charset="0"/>
+                      </a:endParaRPr>
+                    </a:p>
+                  </a:txBody>
+                  <a:tcPr marL="68580" marR="68580" marT="0" marB="0" vert="horz" anchor="t" anchorCtr="0">
+                    <a:lnL w="12700" cap="flat" cmpd="sng">
+                      <a:solidFill>
+                        <a:srgbClr val="080000"/>
+                      </a:solidFill>
+                      <a:prstDash val="solid"/>
+                      <a:headEnd type="none" w="med" len="med"/>
+                      <a:tailEnd type="none" w="med" len="med"/>
+                    </a:lnL>
+                    <a:lnR w="12700" cap="flat" cmpd="sng">
+                      <a:solidFill>
+                        <a:srgbClr val="080000"/>
+                      </a:solidFill>
+                      <a:prstDash val="solid"/>
+                      <a:headEnd type="none" w="med" len="med"/>
+                      <a:tailEnd type="none" w="med" len="med"/>
+                    </a:lnR>
+                    <a:lnT w="12700" cap="flat" cmpd="sng">
+                      <a:solidFill>
+                        <a:srgbClr val="080000"/>
+                      </a:solidFill>
+                      <a:prstDash val="solid"/>
+                      <a:headEnd type="none" w="med" len="med"/>
+                      <a:tailEnd type="none" w="med" len="med"/>
+                    </a:lnT>
+                    <a:lnB w="12700" cap="flat" cmpd="sng">
+                      <a:solidFill>
+                        <a:srgbClr val="080000"/>
+                      </a:solidFill>
+                      <a:prstDash val="solid"/>
+                      <a:headEnd type="none" w="med" len="med"/>
+                      <a:tailEnd type="none" w="med" len="med"/>
+                    </a:lnB>
+                    <a:lnTlToBr>
+                      <a:noFill/>
+                    </a:lnTlToBr>
+                    <a:lnBlToTr>
+                      <a:noFill/>
+                    </a:lnBlToTr>
+                    <a:noFill/>
+                  </a:tcPr>
+                </a:tc>
+              </a:tr>
+              <a:tr h="1174115">
+                <a:tc>
+                  <a:txBody>
+                    <a:bodyPr/>
+                    <a:p>
+                      <a:pPr indent="0">
+                        <a:buNone/>
+                      </a:pPr>
+                      <a:r>
+                        <a:rPr lang="en-US" sz="2800" b="0">
+                          <a:latin typeface="Cantarell" panose="02000603000000000000" charset="0"/>
+                          <a:cs typeface="Cantarell" panose="02000603000000000000" charset="0"/>
+                        </a:rPr>
+                        <a:t>Artificial data model prediction</a:t>
+                      </a:r>
+                      <a:endParaRPr lang="en-US" sz="2800" b="0">
+                        <a:latin typeface="Cantarell" panose="02000603000000000000" charset="0"/>
+                        <a:ea typeface="Latin Modern Roman" panose="00000500000000000000" charset="0"/>
+                        <a:cs typeface="Cantarell" panose="02000603000000000000" charset="0"/>
+                      </a:endParaRPr>
+                    </a:p>
+                  </a:txBody>
+                  <a:tcPr marL="68580" marR="68580" marT="0" marB="0" vert="horz" anchor="t" anchorCtr="0">
+                    <a:lnL w="12700" cap="flat" cmpd="sng">
+                      <a:solidFill>
+                        <a:srgbClr val="080000"/>
+                      </a:solidFill>
+                      <a:prstDash val="solid"/>
+                      <a:headEnd type="none" w="med" len="med"/>
+                      <a:tailEnd type="none" w="med" len="med"/>
+                    </a:lnL>
+                    <a:lnR w="12700" cap="flat" cmpd="sng">
+                      <a:solidFill>
+                        <a:srgbClr val="080000"/>
+                      </a:solidFill>
+                      <a:prstDash val="solid"/>
+                      <a:headEnd type="none" w="med" len="med"/>
+                      <a:tailEnd type="none" w="med" len="med"/>
+                    </a:lnR>
+                    <a:lnT w="12700" cap="flat" cmpd="sng">
+                      <a:solidFill>
+                        <a:srgbClr val="080000"/>
+                      </a:solidFill>
+                      <a:prstDash val="solid"/>
+                      <a:headEnd type="none" w="med" len="med"/>
+                      <a:tailEnd type="none" w="med" len="med"/>
+                    </a:lnT>
+                    <a:lnB w="12700" cap="flat" cmpd="sng">
+                      <a:solidFill>
+                        <a:srgbClr val="080000"/>
+                      </a:solidFill>
+                      <a:prstDash val="solid"/>
+                      <a:headEnd type="none" w="med" len="med"/>
+                      <a:tailEnd type="none" w="med" len="med"/>
+                    </a:lnB>
+                    <a:lnTlToBr>
+                      <a:noFill/>
+                    </a:lnTlToBr>
+                    <a:lnBlToTr>
+                      <a:noFill/>
+                    </a:lnBlToTr>
+                    <a:noFill/>
+                  </a:tcPr>
+                </a:tc>
+                <a:tc>
+                  <a:txBody>
+                    <a:bodyPr/>
+                    <a:p>
+                      <a:pPr indent="0">
+                        <a:buNone/>
+                      </a:pPr>
+                      <a:r>
+                        <a:rPr lang="" altLang="en-US" sz="2800" b="0">
+                          <a:latin typeface="Cantarell" panose="02000603000000000000" charset="0"/>
+                          <a:cs typeface="Cantarell" panose="02000603000000000000" charset="0"/>
+                        </a:rPr>
+                        <a:t>44.998</a:t>
+                      </a:r>
+                      <a:endParaRPr lang="" altLang="en-US" sz="2800" b="0">
+                        <a:latin typeface="Cantarell" panose="02000603000000000000" charset="0"/>
+                        <a:ea typeface="Latin Modern Roman" panose="00000500000000000000" charset="0"/>
+                        <a:cs typeface="Cantarell" panose="02000603000000000000" charset="0"/>
+                      </a:endParaRPr>
+                    </a:p>
+                  </a:txBody>
+                  <a:tcPr marL="68580" marR="68580" marT="0" marB="0" vert="horz" anchor="t" anchorCtr="0">
+                    <a:lnL w="12700" cap="flat" cmpd="sng">
+                      <a:solidFill>
+                        <a:srgbClr val="080000"/>
+                      </a:solidFill>
+                      <a:prstDash val="solid"/>
+                      <a:headEnd type="none" w="med" len="med"/>
+                      <a:tailEnd type="none" w="med" len="med"/>
+                    </a:lnL>
+                    <a:lnR w="12700" cap="flat" cmpd="sng">
+                      <a:solidFill>
+                        <a:srgbClr val="080000"/>
+                      </a:solidFill>
+                      <a:prstDash val="solid"/>
+                      <a:headEnd type="none" w="med" len="med"/>
+                      <a:tailEnd type="none" w="med" len="med"/>
+                    </a:lnR>
+                    <a:lnT w="12700" cap="flat" cmpd="sng">
+                      <a:solidFill>
+                        <a:srgbClr val="080000"/>
+                      </a:solidFill>
+                      <a:prstDash val="solid"/>
+                      <a:headEnd type="none" w="med" len="med"/>
+                      <a:tailEnd type="none" w="med" len="med"/>
+                    </a:lnT>
+                    <a:lnB w="12700" cap="flat" cmpd="sng">
+                      <a:solidFill>
+                        <a:srgbClr val="080000"/>
+                      </a:solidFill>
+                      <a:prstDash val="solid"/>
+                      <a:headEnd type="none" w="med" len="med"/>
+                      <a:tailEnd type="none" w="med" len="med"/>
+                    </a:lnB>
+                    <a:lnTlToBr>
+                      <a:noFill/>
+                    </a:lnTlToBr>
+                    <a:lnBlToTr>
+                      <a:noFill/>
+                    </a:lnBlToTr>
+                    <a:noFill/>
+                  </a:tcPr>
+                </a:tc>
+                <a:tc>
+                  <a:txBody>
+                    <a:bodyPr/>
+                    <a:p>
+                      <a:pPr indent="0">
+                        <a:buNone/>
+                      </a:pPr>
+                      <a:r>
+                        <a:rPr lang="en-US" sz="2800" b="0">
+                          <a:latin typeface="Cantarell" panose="02000603000000000000" charset="0"/>
+                          <a:cs typeface="Cantarell" panose="02000603000000000000" charset="0"/>
+                        </a:rPr>
+                        <a:t>4</a:t>
+                      </a:r>
+                      <a:r>
+                        <a:rPr lang="" altLang="en-US" sz="2800" b="0">
+                          <a:latin typeface="Cantarell" panose="02000603000000000000" charset="0"/>
+                          <a:cs typeface="Cantarell" panose="02000603000000000000" charset="0"/>
+                        </a:rPr>
+                        <a:t>5.963</a:t>
+                      </a:r>
+                      <a:endParaRPr lang="" altLang="en-US" sz="2800" b="0">
+                        <a:latin typeface="Cantarell" panose="02000603000000000000" charset="0"/>
+                        <a:ea typeface="Latin Modern Roman" panose="00000500000000000000" charset="0"/>
+                        <a:cs typeface="Cantarell" panose="02000603000000000000" charset="0"/>
+                      </a:endParaRPr>
+                    </a:p>
+                  </a:txBody>
+                  <a:tcPr marL="68580" marR="68580" marT="0" marB="0" vert="horz" anchor="t" anchorCtr="0">
+                    <a:lnL w="12700" cap="flat" cmpd="sng">
+                      <a:solidFill>
+                        <a:srgbClr val="080000"/>
+                      </a:solidFill>
+                      <a:prstDash val="solid"/>
+                      <a:headEnd type="none" w="med" len="med"/>
+                      <a:tailEnd type="none" w="med" len="med"/>
+                    </a:lnL>
+                    <a:lnR w="12700" cap="flat" cmpd="sng">
+                      <a:solidFill>
+                        <a:srgbClr val="080000"/>
+                      </a:solidFill>
+                      <a:prstDash val="solid"/>
+                      <a:headEnd type="none" w="med" len="med"/>
+                      <a:tailEnd type="none" w="med" len="med"/>
+                    </a:lnR>
+                    <a:lnT w="12700" cap="flat" cmpd="sng">
+                      <a:solidFill>
+                        <a:srgbClr val="080000"/>
+                      </a:solidFill>
+                      <a:prstDash val="solid"/>
+                      <a:headEnd type="none" w="med" len="med"/>
+                      <a:tailEnd type="none" w="med" len="med"/>
+                    </a:lnT>
+                    <a:lnB w="12700" cap="flat" cmpd="sng">
+                      <a:solidFill>
+                        <a:srgbClr val="080000"/>
+                      </a:solidFill>
+                      <a:prstDash val="solid"/>
+                      <a:headEnd type="none" w="med" len="med"/>
+                      <a:tailEnd type="none" w="med" len="med"/>
+                    </a:lnB>
+                    <a:lnTlToBr>
+                      <a:noFill/>
+                    </a:lnTlToBr>
+                    <a:lnBlToTr>
+                      <a:noFill/>
+                    </a:lnBlToTr>
+                    <a:noFill/>
+                  </a:tcPr>
+                </a:tc>
+                <a:tc>
+                  <a:txBody>
+                    <a:bodyPr/>
+                    <a:p>
+                      <a:pPr indent="0">
+                        <a:buNone/>
+                      </a:pPr>
+                      <a:r>
+                        <a:rPr lang="en-US" sz="2800" b="0">
+                          <a:latin typeface="Cantarell" panose="02000603000000000000" charset="0"/>
+                          <a:cs typeface="Cantarell" panose="02000603000000000000" charset="0"/>
+                        </a:rPr>
+                        <a:t>4</a:t>
+                      </a:r>
+                      <a:r>
+                        <a:rPr lang="" altLang="en-US" sz="2800" b="0">
+                          <a:latin typeface="Cantarell" panose="02000603000000000000" charset="0"/>
+                          <a:cs typeface="Cantarell" panose="02000603000000000000" charset="0"/>
+                        </a:rPr>
+                        <a:t>6.605</a:t>
+                      </a:r>
+                      <a:endParaRPr lang="" altLang="en-US" sz="2800" b="0">
+                        <a:latin typeface="Cantarell" panose="02000603000000000000" charset="0"/>
+                        <a:ea typeface="Latin Modern Roman" panose="00000500000000000000" charset="0"/>
+                        <a:cs typeface="Cantarell" panose="02000603000000000000" charset="0"/>
+                      </a:endParaRPr>
+                    </a:p>
+                  </a:txBody>
+                  <a:tcPr marL="68580" marR="68580" marT="0" marB="0" vert="horz" anchor="t" anchorCtr="0">
+                    <a:lnL w="12700" cap="flat" cmpd="sng">
+                      <a:solidFill>
+                        <a:srgbClr val="080000"/>
+                      </a:solidFill>
+                      <a:prstDash val="solid"/>
+                      <a:headEnd type="none" w="med" len="med"/>
+                      <a:tailEnd type="none" w="med" len="med"/>
+                    </a:lnL>
+                    <a:lnR w="12700" cap="flat" cmpd="sng">
+                      <a:solidFill>
+                        <a:srgbClr val="080000"/>
+                      </a:solidFill>
+                      <a:prstDash val="solid"/>
+                      <a:headEnd type="none" w="med" len="med"/>
+                      <a:tailEnd type="none" w="med" len="med"/>
+                    </a:lnR>
+                    <a:lnT w="12700" cap="flat" cmpd="sng">
+                      <a:solidFill>
+                        <a:srgbClr val="080000"/>
+                      </a:solidFill>
+                      <a:prstDash val="solid"/>
+                      <a:headEnd type="none" w="med" len="med"/>
+                      <a:tailEnd type="none" w="med" len="med"/>
+                    </a:lnT>
+                    <a:lnB w="12700" cap="flat" cmpd="sng">
+                      <a:solidFill>
+                        <a:srgbClr val="080000"/>
+                      </a:solidFill>
+                      <a:prstDash val="solid"/>
+                      <a:headEnd type="none" w="med" len="med"/>
+                      <a:tailEnd type="none" w="med" len="med"/>
+                    </a:lnB>
+                    <a:lnTlToBr>
+                      <a:noFill/>
+                    </a:lnTlToBr>
+                    <a:lnBlToTr>
+                      <a:noFill/>
+                    </a:lnBlToTr>
+                    <a:noFill/>
+                  </a:tcPr>
+                </a:tc>
+                <a:tc>
+                  <a:txBody>
+                    <a:bodyPr/>
+                    <a:p>
+                      <a:pPr indent="0">
+                        <a:buNone/>
+                      </a:pPr>
+                      <a:r>
+                        <a:rPr lang="en-US" sz="2800" b="0">
+                          <a:latin typeface="Cantarell" panose="02000603000000000000" charset="0"/>
+                          <a:cs typeface="Cantarell" panose="02000603000000000000" charset="0"/>
+                        </a:rPr>
+                        <a:t>4</a:t>
+                      </a:r>
+                      <a:r>
+                        <a:rPr lang="" altLang="en-US" sz="2800" b="0">
+                          <a:latin typeface="Cantarell" panose="02000603000000000000" charset="0"/>
+                          <a:cs typeface="Cantarell" panose="02000603000000000000" charset="0"/>
+                        </a:rPr>
+                        <a:t>0.278</a:t>
+                      </a:r>
+                      <a:endParaRPr lang="" altLang="en-US" sz="2800" b="0">
+                        <a:latin typeface="Cantarell" panose="02000603000000000000" charset="0"/>
+                        <a:ea typeface="Latin Modern Roman" panose="00000500000000000000" charset="0"/>
+                        <a:cs typeface="Cantarell" panose="02000603000000000000" charset="0"/>
+                      </a:endParaRPr>
+                    </a:p>
+                  </a:txBody>
+                  <a:tcPr marL="68580" marR="68580" marT="0" marB="0" vert="horz" anchor="t" anchorCtr="0">
+                    <a:lnL w="12700" cap="flat" cmpd="sng">
+                      <a:solidFill>
+                        <a:srgbClr val="080000"/>
+                      </a:solidFill>
+                      <a:prstDash val="solid"/>
+                      <a:headEnd type="none" w="med" len="med"/>
+                      <a:tailEnd type="none" w="med" len="med"/>
+                    </a:lnL>
+                    <a:lnR w="12700" cap="flat" cmpd="sng">
+                      <a:solidFill>
+                        <a:srgbClr val="080000"/>
+                      </a:solidFill>
+                      <a:prstDash val="solid"/>
+                      <a:headEnd type="none" w="med" len="med"/>
+                      <a:tailEnd type="none" w="med" len="med"/>
+                    </a:lnR>
+                    <a:lnT w="12700" cap="flat" cmpd="sng">
+                      <a:solidFill>
+                        <a:srgbClr val="080000"/>
+                      </a:solidFill>
+                      <a:prstDash val="solid"/>
+                      <a:headEnd type="none" w="med" len="med"/>
+                      <a:tailEnd type="none" w="med" len="med"/>
+                    </a:lnT>
+                    <a:lnB w="12700" cap="flat" cmpd="sng">
+                      <a:solidFill>
+                        <a:srgbClr val="080000"/>
+                      </a:solidFill>
+                      <a:prstDash val="solid"/>
+                      <a:headEnd type="none" w="med" len="med"/>
+                      <a:tailEnd type="none" w="med" len="med"/>
+                    </a:lnB>
+                    <a:lnTlToBr>
+                      <a:noFill/>
+                    </a:lnTlToBr>
+                    <a:lnBlToTr>
+                      <a:noFill/>
+                    </a:lnBlToTr>
+                    <a:noFill/>
+                  </a:tcPr>
+                </a:tc>
+              </a:tr>
+            </a:tbl>
+          </a:graphicData>
+        </a:graphic>
+      </p:graphicFrame>
+    </p:spTree>
+  </p:cSld>
+  <p:clrMapOvr>
+    <a:masterClrMapping/>
+  </p:clrMapOvr>
+</p:sld>
+</file>
+
+<file path=ppt/slides/slide65.xml><?xml version="1.0" encoding="utf-8"?>
+<p:sld xmlns:a="http://schemas.openxmlformats.org/drawingml/2006/main" xmlns:r="http://schemas.openxmlformats.org/officeDocument/2006/relationships" xmlns:p="http://schemas.openxmlformats.org/presentationml/2006/main">
+  <p:cSld>
+    <p:spTree>
+      <p:nvGrpSpPr>
+        <p:cNvPr id="1" name=""/>
+        <p:cNvGrpSpPr/>
+        <p:nvPr/>
+      </p:nvGrpSpPr>
+      <p:grpSpPr/>
+      <p:sp>
+        <p:nvSpPr>
+          <p:cNvPr id="2" name="Title 1"/>
+          <p:cNvSpPr>
+            <a:spLocks noGrp="1"/>
+          </p:cNvSpPr>
+          <p:nvPr>
+            <p:ph type="title"/>
+          </p:nvPr>
+        </p:nvSpPr>
+        <p:spPr>
+          <a:xfrm>
+            <a:off x="610235" y="2854960"/>
+            <a:ext cx="10972165" cy="1148080"/>
+          </a:xfrm>
+        </p:spPr>
+        <p:txBody>
+          <a:bodyPr>
+            <a:normAutofit/>
+          </a:bodyPr>
+          <a:p>
+            <a:pPr algn="ctr"/>
+            <a:r>
+              <a:rPr lang="" altLang="en-US" sz="4000">
+                <a:latin typeface="Cantarell" panose="02000603000000000000" charset="0"/>
+                <a:cs typeface="Cantarell" panose="02000603000000000000" charset="0"/>
+              </a:rPr>
+              <a:t>RANDOM FOREST</a:t>
+            </a:r>
+            <a:r>
+              <a:rPr lang="en-US" altLang="en-US" sz="4000">
+                <a:latin typeface="Cantarell" panose="02000603000000000000" charset="0"/>
+                <a:cs typeface="Cantarell" panose="02000603000000000000" charset="0"/>
+              </a:rPr>
+              <a:t> MODEL</a:t>
+            </a:r>
+            <a:endParaRPr lang="en-US" altLang="en-US" sz="4000">
+              <a:latin typeface="Cantarell" panose="02000603000000000000" charset="0"/>
+              <a:cs typeface="Cantarell" panose="02000603000000000000" charset="0"/>
+            </a:endParaRPr>
+          </a:p>
+        </p:txBody>
+      </p:sp>
+    </p:spTree>
+  </p:cSld>
+  <p:clrMapOvr>
+    <a:masterClrMapping/>
+  </p:clrMapOvr>
+</p:sld>
+</file>
+
+<file path=ppt/slides/slide66.xml><?xml version="1.0" encoding="utf-8"?>
+<p:sld xmlns:a="http://schemas.openxmlformats.org/drawingml/2006/main" xmlns:r="http://schemas.openxmlformats.org/officeDocument/2006/relationships" xmlns:p="http://schemas.openxmlformats.org/presentationml/2006/main">
+  <p:cSld>
+    <p:spTree>
+      <p:nvGrpSpPr>
+        <p:cNvPr id="1" name=""/>
+        <p:cNvGrpSpPr/>
+        <p:nvPr/>
+      </p:nvGrpSpPr>
+      <p:grpSpPr/>
+      <p:graphicFrame>
+        <p:nvGraphicFramePr>
+          <p:cNvPr id="6" name="Table 5"/>
+          <p:cNvGraphicFramePr/>
+          <p:nvPr/>
+        </p:nvGraphicFramePr>
+        <p:xfrm>
+          <a:off x="491490" y="1287145"/>
+          <a:ext cx="11209020" cy="4283075"/>
+        </p:xfrm>
+        <a:graphic>
+          <a:graphicData uri="http://schemas.openxmlformats.org/drawingml/2006/table">
+            <a:tbl>
+              <a:tblPr firstRow="1" bandRow="1">
+                <a:tableStyleId>{5940675A-B579-460E-94D1-54222C63F5DA}</a:tableStyleId>
+              </a:tblPr>
+              <a:tblGrid>
+                <a:gridCol w="5320665"/>
+                <a:gridCol w="1472565"/>
+                <a:gridCol w="1473835"/>
+                <a:gridCol w="1472565"/>
+                <a:gridCol w="1469390"/>
+              </a:tblGrid>
+              <a:tr h="967105">
+                <a:tc>
+                  <a:txBody>
+                    <a:bodyPr/>
+                    <a:p>
+                      <a:pPr indent="0">
+                        <a:buNone/>
+                      </a:pPr>
+                      <a:r>
+                        <a:rPr lang="en-US" sz="2800" b="0">
+                          <a:latin typeface="Cantarell" panose="02000603000000000000" charset="0"/>
+                          <a:cs typeface="Cantarell" panose="02000603000000000000" charset="0"/>
+                        </a:rPr>
+                        <a:t>Student</a:t>
+                      </a:r>
+                      <a:endParaRPr lang="en-US" sz="2800" b="0">
+                        <a:latin typeface="Cantarell" panose="02000603000000000000" charset="0"/>
+                        <a:ea typeface="Latin Modern Roman" panose="00000500000000000000" charset="0"/>
+                        <a:cs typeface="Cantarell" panose="02000603000000000000" charset="0"/>
+                      </a:endParaRPr>
+                    </a:p>
+                  </a:txBody>
+                  <a:tcPr marL="68580" marR="68580" marT="0" marB="0" vert="horz" anchor="t" anchorCtr="0">
+                    <a:lnL w="12700" cap="flat" cmpd="sng">
+                      <a:solidFill>
+                        <a:srgbClr val="080000"/>
+                      </a:solidFill>
+                      <a:prstDash val="solid"/>
+                      <a:headEnd type="none" w="med" len="med"/>
+                      <a:tailEnd type="none" w="med" len="med"/>
+                    </a:lnL>
+                    <a:lnR w="12700" cap="flat" cmpd="sng">
+                      <a:solidFill>
+                        <a:srgbClr val="080000"/>
+                      </a:solidFill>
+                      <a:prstDash val="solid"/>
+                      <a:headEnd type="none" w="med" len="med"/>
+                      <a:tailEnd type="none" w="med" len="med"/>
+                    </a:lnR>
+                    <a:lnT w="12700" cap="flat" cmpd="sng">
+                      <a:solidFill>
+                        <a:srgbClr val="080000"/>
+                      </a:solidFill>
+                      <a:prstDash val="solid"/>
+                      <a:headEnd type="none" w="med" len="med"/>
+                      <a:tailEnd type="none" w="med" len="med"/>
+                    </a:lnT>
+                    <a:lnB w="12700" cap="flat" cmpd="sng">
+                      <a:solidFill>
+                        <a:srgbClr val="080000"/>
+                      </a:solidFill>
+                      <a:prstDash val="solid"/>
+                      <a:headEnd type="none" w="med" len="med"/>
+                      <a:tailEnd type="none" w="med" len="med"/>
+                    </a:lnB>
+                    <a:lnTlToBr>
+                      <a:noFill/>
+                    </a:lnTlToBr>
+                    <a:lnBlToTr>
+                      <a:noFill/>
+                    </a:lnBlToTr>
+                    <a:noFill/>
+                  </a:tcPr>
+                </a:tc>
+                <a:tc>
+                  <a:txBody>
+                    <a:bodyPr/>
+                    <a:p>
+                      <a:pPr indent="0">
+                        <a:buNone/>
+                      </a:pPr>
+                      <a:r>
+                        <a:rPr lang="en-US" sz="2800" b="0">
+                          <a:latin typeface="Cantarell" panose="02000603000000000000" charset="0"/>
+                          <a:cs typeface="Cantarell" panose="02000603000000000000" charset="0"/>
+                        </a:rPr>
+                        <a:t>1</a:t>
+                      </a:r>
+                      <a:endParaRPr lang="en-US" sz="2800" b="0">
+                        <a:latin typeface="Cantarell" panose="02000603000000000000" charset="0"/>
+                        <a:ea typeface="Latin Modern Roman" panose="00000500000000000000" charset="0"/>
+                        <a:cs typeface="Cantarell" panose="02000603000000000000" charset="0"/>
+                      </a:endParaRPr>
+                    </a:p>
+                  </a:txBody>
+                  <a:tcPr marL="68580" marR="68580" marT="0" marB="0" vert="horz" anchor="t" anchorCtr="0">
+                    <a:lnL w="12700" cap="flat" cmpd="sng">
+                      <a:solidFill>
+                        <a:srgbClr val="080000"/>
+                      </a:solidFill>
+                      <a:prstDash val="solid"/>
+                      <a:headEnd type="none" w="med" len="med"/>
+                      <a:tailEnd type="none" w="med" len="med"/>
+                    </a:lnL>
+                    <a:lnR w="12700" cap="flat" cmpd="sng">
+                      <a:solidFill>
+                        <a:srgbClr val="080000"/>
+                      </a:solidFill>
+                      <a:prstDash val="solid"/>
+                      <a:headEnd type="none" w="med" len="med"/>
+                      <a:tailEnd type="none" w="med" len="med"/>
+                    </a:lnR>
+                    <a:lnT w="12700" cap="flat" cmpd="sng">
+                      <a:solidFill>
+                        <a:srgbClr val="080000"/>
+                      </a:solidFill>
+                      <a:prstDash val="solid"/>
+                      <a:headEnd type="none" w="med" len="med"/>
+                      <a:tailEnd type="none" w="med" len="med"/>
+                    </a:lnT>
+                    <a:lnB w="12700" cap="flat" cmpd="sng">
+                      <a:solidFill>
+                        <a:srgbClr val="080000"/>
+                      </a:solidFill>
+                      <a:prstDash val="solid"/>
+                      <a:headEnd type="none" w="med" len="med"/>
+                      <a:tailEnd type="none" w="med" len="med"/>
+                    </a:lnB>
+                    <a:lnTlToBr>
+                      <a:noFill/>
+                    </a:lnTlToBr>
+                    <a:lnBlToTr>
+                      <a:noFill/>
+                    </a:lnBlToTr>
+                    <a:noFill/>
+                  </a:tcPr>
+                </a:tc>
+                <a:tc>
+                  <a:txBody>
+                    <a:bodyPr/>
+                    <a:p>
+                      <a:pPr indent="0">
+                        <a:buNone/>
+                      </a:pPr>
+                      <a:r>
+                        <a:rPr lang="en-US" sz="2800" b="0">
+                          <a:latin typeface="Cantarell" panose="02000603000000000000" charset="0"/>
+                          <a:cs typeface="Cantarell" panose="02000603000000000000" charset="0"/>
+                        </a:rPr>
+                        <a:t>10</a:t>
+                      </a:r>
+                      <a:endParaRPr lang="en-US" sz="2800" b="0">
+                        <a:latin typeface="Cantarell" panose="02000603000000000000" charset="0"/>
+                        <a:ea typeface="Latin Modern Roman" panose="00000500000000000000" charset="0"/>
+                        <a:cs typeface="Cantarell" panose="02000603000000000000" charset="0"/>
+                      </a:endParaRPr>
+                    </a:p>
+                  </a:txBody>
+                  <a:tcPr marL="68580" marR="68580" marT="0" marB="0" vert="horz" anchor="t" anchorCtr="0">
+                    <a:lnL w="12700" cap="flat" cmpd="sng">
+                      <a:solidFill>
+                        <a:srgbClr val="080000"/>
+                      </a:solidFill>
+                      <a:prstDash val="solid"/>
+                      <a:headEnd type="none" w="med" len="med"/>
+                      <a:tailEnd type="none" w="med" len="med"/>
+                    </a:lnL>
+                    <a:lnR w="12700" cap="flat" cmpd="sng">
+                      <a:solidFill>
+                        <a:srgbClr val="080000"/>
+                      </a:solidFill>
+                      <a:prstDash val="solid"/>
+                      <a:headEnd type="none" w="med" len="med"/>
+                      <a:tailEnd type="none" w="med" len="med"/>
+                    </a:lnR>
+                    <a:lnT w="12700" cap="flat" cmpd="sng">
+                      <a:solidFill>
+                        <a:srgbClr val="080000"/>
+                      </a:solidFill>
+                      <a:prstDash val="solid"/>
+                      <a:headEnd type="none" w="med" len="med"/>
+                      <a:tailEnd type="none" w="med" len="med"/>
+                    </a:lnT>
+                    <a:lnB w="12700" cap="flat" cmpd="sng">
+                      <a:solidFill>
+                        <a:srgbClr val="080000"/>
+                      </a:solidFill>
+                      <a:prstDash val="solid"/>
+                      <a:headEnd type="none" w="med" len="med"/>
+                      <a:tailEnd type="none" w="med" len="med"/>
+                    </a:lnB>
+                    <a:lnTlToBr>
+                      <a:noFill/>
+                    </a:lnTlToBr>
+                    <a:lnBlToTr>
+                      <a:noFill/>
+                    </a:lnBlToTr>
+                    <a:noFill/>
+                  </a:tcPr>
+                </a:tc>
+                <a:tc>
+                  <a:txBody>
+                    <a:bodyPr/>
+                    <a:p>
+                      <a:pPr indent="0">
+                        <a:buNone/>
+                      </a:pPr>
+                      <a:r>
+                        <a:rPr lang="en-US" sz="2800" b="0">
+                          <a:latin typeface="Cantarell" panose="02000603000000000000" charset="0"/>
+                          <a:cs typeface="Cantarell" panose="02000603000000000000" charset="0"/>
+                        </a:rPr>
+                        <a:t>67</a:t>
+                      </a:r>
+                      <a:endParaRPr lang="en-US" sz="2800" b="0">
+                        <a:latin typeface="Cantarell" panose="02000603000000000000" charset="0"/>
+                        <a:ea typeface="Latin Modern Roman" panose="00000500000000000000" charset="0"/>
+                        <a:cs typeface="Cantarell" panose="02000603000000000000" charset="0"/>
+                      </a:endParaRPr>
+                    </a:p>
+                  </a:txBody>
+                  <a:tcPr marL="68580" marR="68580" marT="0" marB="0" vert="horz" anchor="t" anchorCtr="0">
+                    <a:lnL w="12700" cap="flat" cmpd="sng">
+                      <a:solidFill>
+                        <a:srgbClr val="080000"/>
+                      </a:solidFill>
+                      <a:prstDash val="solid"/>
+                      <a:headEnd type="none" w="med" len="med"/>
+                      <a:tailEnd type="none" w="med" len="med"/>
+                    </a:lnL>
+                    <a:lnR w="12700" cap="flat" cmpd="sng">
+                      <a:solidFill>
+                        <a:srgbClr val="080000"/>
+                      </a:solidFill>
+                      <a:prstDash val="solid"/>
+                      <a:headEnd type="none" w="med" len="med"/>
+                      <a:tailEnd type="none" w="med" len="med"/>
+                    </a:lnR>
+                    <a:lnT w="12700" cap="flat" cmpd="sng">
+                      <a:solidFill>
+                        <a:srgbClr val="080000"/>
+                      </a:solidFill>
+                      <a:prstDash val="solid"/>
+                      <a:headEnd type="none" w="med" len="med"/>
+                      <a:tailEnd type="none" w="med" len="med"/>
+                    </a:lnT>
+                    <a:lnB w="12700" cap="flat" cmpd="sng">
+                      <a:solidFill>
+                        <a:srgbClr val="080000"/>
+                      </a:solidFill>
+                      <a:prstDash val="solid"/>
+                      <a:headEnd type="none" w="med" len="med"/>
+                      <a:tailEnd type="none" w="med" len="med"/>
+                    </a:lnB>
+                    <a:lnTlToBr>
+                      <a:noFill/>
+                    </a:lnTlToBr>
+                    <a:lnBlToTr>
+                      <a:noFill/>
+                    </a:lnBlToTr>
+                    <a:noFill/>
+                  </a:tcPr>
+                </a:tc>
+                <a:tc>
+                  <a:txBody>
+                    <a:bodyPr/>
+                    <a:p>
+                      <a:pPr indent="0">
+                        <a:buNone/>
+                      </a:pPr>
+                      <a:r>
+                        <a:rPr lang="en-US" sz="2800" b="0">
+                          <a:latin typeface="Cantarell" panose="02000603000000000000" charset="0"/>
+                          <a:cs typeface="Cantarell" panose="02000603000000000000" charset="0"/>
+                        </a:rPr>
+                        <a:t>150</a:t>
+                      </a:r>
+                      <a:endParaRPr lang="en-US" sz="2800" b="0">
+                        <a:latin typeface="Cantarell" panose="02000603000000000000" charset="0"/>
+                        <a:ea typeface="Latin Modern Roman" panose="00000500000000000000" charset="0"/>
+                        <a:cs typeface="Cantarell" panose="02000603000000000000" charset="0"/>
+                      </a:endParaRPr>
+                    </a:p>
+                  </a:txBody>
+                  <a:tcPr marL="68580" marR="68580" marT="0" marB="0" vert="horz" anchor="t" anchorCtr="0">
+                    <a:lnL w="12700" cap="flat" cmpd="sng">
+                      <a:solidFill>
+                        <a:srgbClr val="080000"/>
+                      </a:solidFill>
+                      <a:prstDash val="solid"/>
+                      <a:headEnd type="none" w="med" len="med"/>
+                      <a:tailEnd type="none" w="med" len="med"/>
+                    </a:lnL>
+                    <a:lnR w="12700" cap="flat" cmpd="sng">
+                      <a:solidFill>
+                        <a:srgbClr val="080000"/>
+                      </a:solidFill>
+                      <a:prstDash val="solid"/>
+                      <a:headEnd type="none" w="med" len="med"/>
+                      <a:tailEnd type="none" w="med" len="med"/>
+                    </a:lnR>
+                    <a:lnT w="12700" cap="flat" cmpd="sng">
+                      <a:solidFill>
+                        <a:srgbClr val="080000"/>
+                      </a:solidFill>
+                      <a:prstDash val="solid"/>
+                      <a:headEnd type="none" w="med" len="med"/>
+                      <a:tailEnd type="none" w="med" len="med"/>
+                    </a:lnT>
+                    <a:lnB w="12700" cap="flat" cmpd="sng">
+                      <a:solidFill>
+                        <a:srgbClr val="080000"/>
+                      </a:solidFill>
+                      <a:prstDash val="solid"/>
+                      <a:headEnd type="none" w="med" len="med"/>
+                      <a:tailEnd type="none" w="med" len="med"/>
+                    </a:lnB>
+                    <a:lnTlToBr>
+                      <a:noFill/>
+                    </a:lnTlToBr>
+                    <a:lnBlToTr>
+                      <a:noFill/>
+                    </a:lnBlToTr>
+                    <a:noFill/>
+                  </a:tcPr>
+                </a:tc>
+              </a:tr>
+              <a:tr h="967105">
+                <a:tc>
+                  <a:txBody>
+                    <a:bodyPr/>
+                    <a:p>
+                      <a:pPr indent="0">
+                        <a:buNone/>
+                      </a:pPr>
+                      <a:r>
+                        <a:rPr lang="en-US" sz="2800" b="0">
+                          <a:latin typeface="Cantarell" panose="02000603000000000000" charset="0"/>
+                          <a:cs typeface="Cantarell" panose="02000603000000000000" charset="0"/>
+                        </a:rPr>
+                        <a:t>Actual Mean</a:t>
+                      </a:r>
+                      <a:endParaRPr lang="en-US" sz="2800" b="0">
+                        <a:latin typeface="Cantarell" panose="02000603000000000000" charset="0"/>
+                        <a:ea typeface="Latin Modern Roman" panose="00000500000000000000" charset="0"/>
+                        <a:cs typeface="Cantarell" panose="02000603000000000000" charset="0"/>
+                      </a:endParaRPr>
+                    </a:p>
+                  </a:txBody>
+                  <a:tcPr marL="68580" marR="68580" marT="0" marB="0" vert="horz" anchor="t" anchorCtr="0">
+                    <a:lnL w="12700" cap="flat" cmpd="sng">
+                      <a:solidFill>
+                        <a:srgbClr val="080000"/>
+                      </a:solidFill>
+                      <a:prstDash val="solid"/>
+                      <a:headEnd type="none" w="med" len="med"/>
+                      <a:tailEnd type="none" w="med" len="med"/>
+                    </a:lnL>
+                    <a:lnR w="12700" cap="flat" cmpd="sng">
+                      <a:solidFill>
+                        <a:srgbClr val="080000"/>
+                      </a:solidFill>
+                      <a:prstDash val="solid"/>
+                      <a:headEnd type="none" w="med" len="med"/>
+                      <a:tailEnd type="none" w="med" len="med"/>
+                    </a:lnR>
+                    <a:lnT w="12700" cap="flat" cmpd="sng">
+                      <a:solidFill>
+                        <a:srgbClr val="080000"/>
+                      </a:solidFill>
+                      <a:prstDash val="solid"/>
+                      <a:headEnd type="none" w="med" len="med"/>
+                      <a:tailEnd type="none" w="med" len="med"/>
+                    </a:lnT>
+                    <a:lnB w="12700" cap="flat" cmpd="sng">
+                      <a:solidFill>
+                        <a:srgbClr val="080000"/>
+                      </a:solidFill>
+                      <a:prstDash val="solid"/>
+                      <a:headEnd type="none" w="med" len="med"/>
+                      <a:tailEnd type="none" w="med" len="med"/>
+                    </a:lnB>
+                    <a:lnTlToBr>
+                      <a:noFill/>
+                    </a:lnTlToBr>
+                    <a:lnBlToTr>
+                      <a:noFill/>
+                    </a:lnBlToTr>
+                    <a:noFill/>
+                  </a:tcPr>
+                </a:tc>
+                <a:tc>
+                  <a:txBody>
+                    <a:bodyPr/>
+                    <a:p>
+                      <a:pPr indent="0">
+                        <a:buNone/>
+                      </a:pPr>
+                      <a:r>
+                        <a:rPr lang="en-US" sz="2800" b="0">
+                          <a:latin typeface="Cantarell" panose="02000603000000000000" charset="0"/>
+                          <a:cs typeface="Cantarell" panose="02000603000000000000" charset="0"/>
+                        </a:rPr>
+                        <a:t>27</a:t>
+                      </a:r>
+                      <a:endParaRPr lang="en-US" sz="2800" b="0">
+                        <a:latin typeface="Cantarell" panose="02000603000000000000" charset="0"/>
+                        <a:ea typeface="Latin Modern Roman" panose="00000500000000000000" charset="0"/>
+                        <a:cs typeface="Cantarell" panose="02000603000000000000" charset="0"/>
+                      </a:endParaRPr>
+                    </a:p>
+                  </a:txBody>
+                  <a:tcPr marL="68580" marR="68580" marT="0" marB="0" vert="horz" anchor="t" anchorCtr="0">
+                    <a:lnL w="12700" cap="flat" cmpd="sng">
+                      <a:solidFill>
+                        <a:srgbClr val="080000"/>
+                      </a:solidFill>
+                      <a:prstDash val="solid"/>
+                      <a:headEnd type="none" w="med" len="med"/>
+                      <a:tailEnd type="none" w="med" len="med"/>
+                    </a:lnL>
+                    <a:lnR w="12700" cap="flat" cmpd="sng">
+                      <a:solidFill>
+                        <a:srgbClr val="080000"/>
+                      </a:solidFill>
+                      <a:prstDash val="solid"/>
+                      <a:headEnd type="none" w="med" len="med"/>
+                      <a:tailEnd type="none" w="med" len="med"/>
+                    </a:lnR>
+                    <a:lnT w="12700" cap="flat" cmpd="sng">
+                      <a:solidFill>
+                        <a:srgbClr val="080000"/>
+                      </a:solidFill>
+                      <a:prstDash val="solid"/>
+                      <a:headEnd type="none" w="med" len="med"/>
+                      <a:tailEnd type="none" w="med" len="med"/>
+                    </a:lnT>
+                    <a:lnB w="12700" cap="flat" cmpd="sng">
+                      <a:solidFill>
+                        <a:srgbClr val="080000"/>
+                      </a:solidFill>
+                      <a:prstDash val="solid"/>
+                      <a:headEnd type="none" w="med" len="med"/>
+                      <a:tailEnd type="none" w="med" len="med"/>
+                    </a:lnB>
+                    <a:lnTlToBr>
+                      <a:noFill/>
+                    </a:lnTlToBr>
+                    <a:lnBlToTr>
+                      <a:noFill/>
+                    </a:lnBlToTr>
+                    <a:noFill/>
+                  </a:tcPr>
+                </a:tc>
+                <a:tc>
+                  <a:txBody>
+                    <a:bodyPr/>
+                    <a:p>
+                      <a:pPr indent="0">
+                        <a:buNone/>
+                      </a:pPr>
+                      <a:r>
+                        <a:rPr lang="en-US" sz="2800" b="0">
+                          <a:latin typeface="Cantarell" panose="02000603000000000000" charset="0"/>
+                          <a:cs typeface="Cantarell" panose="02000603000000000000" charset="0"/>
+                        </a:rPr>
+                        <a:t>58</a:t>
+                      </a:r>
+                      <a:endParaRPr lang="en-US" sz="2800" b="0">
+                        <a:latin typeface="Cantarell" panose="02000603000000000000" charset="0"/>
+                        <a:ea typeface="Latin Modern Roman" panose="00000500000000000000" charset="0"/>
+                        <a:cs typeface="Cantarell" panose="02000603000000000000" charset="0"/>
+                      </a:endParaRPr>
+                    </a:p>
+                  </a:txBody>
+                  <a:tcPr marL="68580" marR="68580" marT="0" marB="0" vert="horz" anchor="t" anchorCtr="0">
+                    <a:lnL w="12700" cap="flat" cmpd="sng">
+                      <a:solidFill>
+                        <a:srgbClr val="080000"/>
+                      </a:solidFill>
+                      <a:prstDash val="solid"/>
+                      <a:headEnd type="none" w="med" len="med"/>
+                      <a:tailEnd type="none" w="med" len="med"/>
+                    </a:lnL>
+                    <a:lnR w="12700" cap="flat" cmpd="sng">
+                      <a:solidFill>
+                        <a:srgbClr val="080000"/>
+                      </a:solidFill>
+                      <a:prstDash val="solid"/>
+                      <a:headEnd type="none" w="med" len="med"/>
+                      <a:tailEnd type="none" w="med" len="med"/>
+                    </a:lnR>
+                    <a:lnT w="12700" cap="flat" cmpd="sng">
+                      <a:solidFill>
+                        <a:srgbClr val="080000"/>
+                      </a:solidFill>
+                      <a:prstDash val="solid"/>
+                      <a:headEnd type="none" w="med" len="med"/>
+                      <a:tailEnd type="none" w="med" len="med"/>
+                    </a:lnT>
+                    <a:lnB w="12700" cap="flat" cmpd="sng">
+                      <a:solidFill>
+                        <a:srgbClr val="080000"/>
+                      </a:solidFill>
+                      <a:prstDash val="solid"/>
+                      <a:headEnd type="none" w="med" len="med"/>
+                      <a:tailEnd type="none" w="med" len="med"/>
+                    </a:lnB>
+                    <a:lnTlToBr>
+                      <a:noFill/>
+                    </a:lnTlToBr>
+                    <a:lnBlToTr>
+                      <a:noFill/>
+                    </a:lnBlToTr>
+                    <a:noFill/>
+                  </a:tcPr>
+                </a:tc>
+                <a:tc>
+                  <a:txBody>
+                    <a:bodyPr/>
+                    <a:p>
+                      <a:pPr indent="0">
+                        <a:buNone/>
+                      </a:pPr>
+                      <a:r>
+                        <a:rPr lang="en-US" sz="2800" b="0">
+                          <a:latin typeface="Cantarell" panose="02000603000000000000" charset="0"/>
+                          <a:cs typeface="Cantarell" panose="02000603000000000000" charset="0"/>
+                        </a:rPr>
+                        <a:t>57</a:t>
+                      </a:r>
+                      <a:endParaRPr lang="en-US" sz="2800" b="0">
+                        <a:latin typeface="Cantarell" panose="02000603000000000000" charset="0"/>
+                        <a:ea typeface="Latin Modern Roman" panose="00000500000000000000" charset="0"/>
+                        <a:cs typeface="Cantarell" panose="02000603000000000000" charset="0"/>
+                      </a:endParaRPr>
+                    </a:p>
+                  </a:txBody>
+                  <a:tcPr marL="68580" marR="68580" marT="0" marB="0" vert="horz" anchor="t" anchorCtr="0">
+                    <a:lnL w="12700" cap="flat" cmpd="sng">
+                      <a:solidFill>
+                        <a:srgbClr val="080000"/>
+                      </a:solidFill>
+                      <a:prstDash val="solid"/>
+                      <a:headEnd type="none" w="med" len="med"/>
+                      <a:tailEnd type="none" w="med" len="med"/>
+                    </a:lnL>
+                    <a:lnR w="12700" cap="flat" cmpd="sng">
+                      <a:solidFill>
+                        <a:srgbClr val="080000"/>
+                      </a:solidFill>
+                      <a:prstDash val="solid"/>
+                      <a:headEnd type="none" w="med" len="med"/>
+                      <a:tailEnd type="none" w="med" len="med"/>
+                    </a:lnR>
+                    <a:lnT w="12700" cap="flat" cmpd="sng">
+                      <a:solidFill>
+                        <a:srgbClr val="080000"/>
+                      </a:solidFill>
+                      <a:prstDash val="solid"/>
+                      <a:headEnd type="none" w="med" len="med"/>
+                      <a:tailEnd type="none" w="med" len="med"/>
+                    </a:lnT>
+                    <a:lnB w="12700" cap="flat" cmpd="sng">
+                      <a:solidFill>
+                        <a:srgbClr val="080000"/>
+                      </a:solidFill>
+                      <a:prstDash val="solid"/>
+                      <a:headEnd type="none" w="med" len="med"/>
+                      <a:tailEnd type="none" w="med" len="med"/>
+                    </a:lnB>
+                    <a:lnTlToBr>
+                      <a:noFill/>
+                    </a:lnTlToBr>
+                    <a:lnBlToTr>
+                      <a:noFill/>
+                    </a:lnBlToTr>
+                    <a:noFill/>
+                  </a:tcPr>
+                </a:tc>
+                <a:tc>
+                  <a:txBody>
+                    <a:bodyPr/>
+                    <a:p>
+                      <a:pPr indent="0">
+                        <a:buNone/>
+                      </a:pPr>
+                      <a:r>
+                        <a:rPr lang="en-US" sz="2800" b="0">
+                          <a:latin typeface="Cantarell" panose="02000603000000000000" charset="0"/>
+                          <a:cs typeface="Cantarell" panose="02000603000000000000" charset="0"/>
+                        </a:rPr>
+                        <a:t>93</a:t>
+                      </a:r>
+                      <a:endParaRPr lang="en-US" sz="2800" b="0">
+                        <a:latin typeface="Cantarell" panose="02000603000000000000" charset="0"/>
+                        <a:ea typeface="Latin Modern Roman" panose="00000500000000000000" charset="0"/>
+                        <a:cs typeface="Cantarell" panose="02000603000000000000" charset="0"/>
+                      </a:endParaRPr>
+                    </a:p>
+                  </a:txBody>
+                  <a:tcPr marL="68580" marR="68580" marT="0" marB="0" vert="horz" anchor="t" anchorCtr="0">
+                    <a:lnL w="12700" cap="flat" cmpd="sng">
+                      <a:solidFill>
+                        <a:srgbClr val="080000"/>
+                      </a:solidFill>
+                      <a:prstDash val="solid"/>
+                      <a:headEnd type="none" w="med" len="med"/>
+                      <a:tailEnd type="none" w="med" len="med"/>
+                    </a:lnL>
+                    <a:lnR w="12700" cap="flat" cmpd="sng">
+                      <a:solidFill>
+                        <a:srgbClr val="080000"/>
+                      </a:solidFill>
+                      <a:prstDash val="solid"/>
+                      <a:headEnd type="none" w="med" len="med"/>
+                      <a:tailEnd type="none" w="med" len="med"/>
+                    </a:lnR>
+                    <a:lnT w="12700" cap="flat" cmpd="sng">
+                      <a:solidFill>
+                        <a:srgbClr val="080000"/>
+                      </a:solidFill>
+                      <a:prstDash val="solid"/>
+                      <a:headEnd type="none" w="med" len="med"/>
+                      <a:tailEnd type="none" w="med" len="med"/>
+                    </a:lnT>
+                    <a:lnB w="12700" cap="flat" cmpd="sng">
+                      <a:solidFill>
+                        <a:srgbClr val="080000"/>
+                      </a:solidFill>
+                      <a:prstDash val="solid"/>
+                      <a:headEnd type="none" w="med" len="med"/>
+                      <a:tailEnd type="none" w="med" len="med"/>
+                    </a:lnB>
+                    <a:lnTlToBr>
+                      <a:noFill/>
+                    </a:lnTlToBr>
+                    <a:lnBlToTr>
+                      <a:noFill/>
+                    </a:lnBlToTr>
+                    <a:noFill/>
+                  </a:tcPr>
+                </a:tc>
+              </a:tr>
+              <a:tr h="1174750">
+                <a:tc>
+                  <a:txBody>
+                    <a:bodyPr/>
+                    <a:p>
+                      <a:pPr indent="0">
+                        <a:buNone/>
+                      </a:pPr>
+                      <a:r>
+                        <a:rPr lang="en-US" sz="2800" b="0">
+                          <a:latin typeface="Cantarell" panose="02000603000000000000" charset="0"/>
+                          <a:cs typeface="Cantarell" panose="02000603000000000000" charset="0"/>
+                        </a:rPr>
+                        <a:t>Real data model prediction</a:t>
+                      </a:r>
+                      <a:endParaRPr lang="en-US" sz="2800" b="0">
+                        <a:latin typeface="Cantarell" panose="02000603000000000000" charset="0"/>
+                        <a:ea typeface="Latin Modern Roman" panose="00000500000000000000" charset="0"/>
+                        <a:cs typeface="Cantarell" panose="02000603000000000000" charset="0"/>
+                      </a:endParaRPr>
+                    </a:p>
+                  </a:txBody>
+                  <a:tcPr marL="68580" marR="68580" marT="0" marB="0" vert="horz" anchor="t" anchorCtr="0">
+                    <a:lnL w="12700" cap="flat" cmpd="sng">
+                      <a:solidFill>
+                        <a:srgbClr val="080000"/>
+                      </a:solidFill>
+                      <a:prstDash val="solid"/>
+                      <a:headEnd type="none" w="med" len="med"/>
+                      <a:tailEnd type="none" w="med" len="med"/>
+                    </a:lnL>
+                    <a:lnR w="12700" cap="flat" cmpd="sng">
+                      <a:solidFill>
+                        <a:srgbClr val="080000"/>
+                      </a:solidFill>
+                      <a:prstDash val="solid"/>
+                      <a:headEnd type="none" w="med" len="med"/>
+                      <a:tailEnd type="none" w="med" len="med"/>
+                    </a:lnR>
+                    <a:lnT w="12700" cap="flat" cmpd="sng">
+                      <a:solidFill>
+                        <a:srgbClr val="080000"/>
+                      </a:solidFill>
+                      <a:prstDash val="solid"/>
+                      <a:headEnd type="none" w="med" len="med"/>
+                      <a:tailEnd type="none" w="med" len="med"/>
+                    </a:lnT>
+                    <a:lnB w="12700" cap="flat" cmpd="sng">
+                      <a:solidFill>
+                        <a:srgbClr val="080000"/>
+                      </a:solidFill>
+                      <a:prstDash val="solid"/>
+                      <a:headEnd type="none" w="med" len="med"/>
+                      <a:tailEnd type="none" w="med" len="med"/>
+                    </a:lnB>
+                    <a:lnTlToBr>
+                      <a:noFill/>
+                    </a:lnTlToBr>
+                    <a:lnBlToTr>
+                      <a:noFill/>
+                    </a:lnBlToTr>
+                    <a:noFill/>
+                  </a:tcPr>
+                </a:tc>
+                <a:tc>
+                  <a:txBody>
+                    <a:bodyPr/>
+                    <a:p>
+                      <a:pPr indent="0">
+                        <a:buNone/>
+                      </a:pPr>
+                      <a:r>
+                        <a:rPr lang="en-US" sz="2800" b="0">
+                          <a:latin typeface="Cantarell" panose="02000603000000000000" charset="0"/>
+                          <a:cs typeface="Cantarell" panose="02000603000000000000" charset="0"/>
+                        </a:rPr>
+                        <a:t>48.815</a:t>
+                      </a:r>
+                      <a:endParaRPr lang="en-US" sz="2800" b="0">
+                        <a:latin typeface="Cantarell" panose="02000603000000000000" charset="0"/>
+                        <a:ea typeface="Latin Modern Roman" panose="00000500000000000000" charset="0"/>
+                        <a:cs typeface="Cantarell" panose="02000603000000000000" charset="0"/>
+                      </a:endParaRPr>
+                    </a:p>
+                  </a:txBody>
+                  <a:tcPr marL="68580" marR="68580" marT="0" marB="0" vert="horz" anchor="t" anchorCtr="0">
+                    <a:lnL w="12700" cap="flat" cmpd="sng">
+                      <a:solidFill>
+                        <a:srgbClr val="080000"/>
+                      </a:solidFill>
+                      <a:prstDash val="solid"/>
+                      <a:headEnd type="none" w="med" len="med"/>
+                      <a:tailEnd type="none" w="med" len="med"/>
+                    </a:lnL>
+                    <a:lnR w="12700" cap="flat" cmpd="sng">
+                      <a:solidFill>
+                        <a:srgbClr val="080000"/>
+                      </a:solidFill>
+                      <a:prstDash val="solid"/>
+                      <a:headEnd type="none" w="med" len="med"/>
+                      <a:tailEnd type="none" w="med" len="med"/>
+                    </a:lnR>
+                    <a:lnT w="12700" cap="flat" cmpd="sng">
+                      <a:solidFill>
+                        <a:srgbClr val="080000"/>
+                      </a:solidFill>
+                      <a:prstDash val="solid"/>
+                      <a:headEnd type="none" w="med" len="med"/>
+                      <a:tailEnd type="none" w="med" len="med"/>
+                    </a:lnT>
+                    <a:lnB w="12700" cap="flat" cmpd="sng">
+                      <a:solidFill>
+                        <a:srgbClr val="080000"/>
+                      </a:solidFill>
+                      <a:prstDash val="solid"/>
+                      <a:headEnd type="none" w="med" len="med"/>
+                      <a:tailEnd type="none" w="med" len="med"/>
+                    </a:lnB>
+                    <a:lnTlToBr>
+                      <a:noFill/>
+                    </a:lnTlToBr>
+                    <a:lnBlToTr>
+                      <a:noFill/>
+                    </a:lnBlToTr>
+                    <a:noFill/>
+                  </a:tcPr>
+                </a:tc>
+                <a:tc>
+                  <a:txBody>
+                    <a:bodyPr/>
+                    <a:p>
+                      <a:pPr indent="0">
+                        <a:buNone/>
+                      </a:pPr>
+                      <a:r>
+                        <a:rPr lang="en-US" sz="2800" b="0">
+                          <a:latin typeface="Cantarell" panose="02000603000000000000" charset="0"/>
+                          <a:cs typeface="Cantarell" panose="02000603000000000000" charset="0"/>
+                        </a:rPr>
+                        <a:t>54.174</a:t>
+                      </a:r>
+                      <a:endParaRPr lang="en-US" sz="2800" b="0">
+                        <a:latin typeface="Cantarell" panose="02000603000000000000" charset="0"/>
+                        <a:ea typeface="Latin Modern Roman" panose="00000500000000000000" charset="0"/>
+                        <a:cs typeface="Cantarell" panose="02000603000000000000" charset="0"/>
+                      </a:endParaRPr>
+                    </a:p>
+                  </a:txBody>
+                  <a:tcPr marL="68580" marR="68580" marT="0" marB="0" vert="horz" anchor="t" anchorCtr="0">
+                    <a:lnL w="12700" cap="flat" cmpd="sng">
+                      <a:solidFill>
+                        <a:srgbClr val="080000"/>
+                      </a:solidFill>
+                      <a:prstDash val="solid"/>
+                      <a:headEnd type="none" w="med" len="med"/>
+                      <a:tailEnd type="none" w="med" len="med"/>
+                    </a:lnL>
+                    <a:lnR w="12700" cap="flat" cmpd="sng">
+                      <a:solidFill>
+                        <a:srgbClr val="080000"/>
+                      </a:solidFill>
+                      <a:prstDash val="solid"/>
+                      <a:headEnd type="none" w="med" len="med"/>
+                      <a:tailEnd type="none" w="med" len="med"/>
+                    </a:lnR>
+                    <a:lnT w="12700" cap="flat" cmpd="sng">
+                      <a:solidFill>
+                        <a:srgbClr val="080000"/>
+                      </a:solidFill>
+                      <a:prstDash val="solid"/>
+                      <a:headEnd type="none" w="med" len="med"/>
+                      <a:tailEnd type="none" w="med" len="med"/>
+                    </a:lnT>
+                    <a:lnB w="12700" cap="flat" cmpd="sng">
+                      <a:solidFill>
+                        <a:srgbClr val="080000"/>
+                      </a:solidFill>
+                      <a:prstDash val="solid"/>
+                      <a:headEnd type="none" w="med" len="med"/>
+                      <a:tailEnd type="none" w="med" len="med"/>
+                    </a:lnB>
+                    <a:lnTlToBr>
+                      <a:noFill/>
+                    </a:lnTlToBr>
+                    <a:lnBlToTr>
+                      <a:noFill/>
+                    </a:lnBlToTr>
+                    <a:noFill/>
+                  </a:tcPr>
+                </a:tc>
+                <a:tc>
+                  <a:txBody>
+                    <a:bodyPr/>
+                    <a:p>
+                      <a:pPr indent="0">
+                        <a:buNone/>
+                      </a:pPr>
+                      <a:r>
+                        <a:rPr lang="en-US" sz="2800" b="0">
+                          <a:latin typeface="Cantarell" panose="02000603000000000000" charset="0"/>
+                          <a:cs typeface="Cantarell" panose="02000603000000000000" charset="0"/>
+                        </a:rPr>
+                        <a:t>56.349</a:t>
+                      </a:r>
+                      <a:endParaRPr lang="en-US" sz="2800" b="0">
+                        <a:latin typeface="Cantarell" panose="02000603000000000000" charset="0"/>
+                        <a:ea typeface="Latin Modern Roman" panose="00000500000000000000" charset="0"/>
+                        <a:cs typeface="Cantarell" panose="02000603000000000000" charset="0"/>
+                      </a:endParaRPr>
+                    </a:p>
+                  </a:txBody>
+                  <a:tcPr marL="68580" marR="68580" marT="0" marB="0" vert="horz" anchor="t" anchorCtr="0">
+                    <a:lnL w="12700" cap="flat" cmpd="sng">
+                      <a:solidFill>
+                        <a:srgbClr val="080000"/>
+                      </a:solidFill>
+                      <a:prstDash val="solid"/>
+                      <a:headEnd type="none" w="med" len="med"/>
+                      <a:tailEnd type="none" w="med" len="med"/>
+                    </a:lnL>
+                    <a:lnR w="12700" cap="flat" cmpd="sng">
+                      <a:solidFill>
+                        <a:srgbClr val="080000"/>
+                      </a:solidFill>
+                      <a:prstDash val="solid"/>
+                      <a:headEnd type="none" w="med" len="med"/>
+                      <a:tailEnd type="none" w="med" len="med"/>
+                    </a:lnR>
+                    <a:lnT w="12700" cap="flat" cmpd="sng">
+                      <a:solidFill>
+                        <a:srgbClr val="080000"/>
+                      </a:solidFill>
+                      <a:prstDash val="solid"/>
+                      <a:headEnd type="none" w="med" len="med"/>
+                      <a:tailEnd type="none" w="med" len="med"/>
+                    </a:lnT>
+                    <a:lnB w="12700" cap="flat" cmpd="sng">
+                      <a:solidFill>
+                        <a:srgbClr val="080000"/>
+                      </a:solidFill>
+                      <a:prstDash val="solid"/>
+                      <a:headEnd type="none" w="med" len="med"/>
+                      <a:tailEnd type="none" w="med" len="med"/>
+                    </a:lnB>
+                    <a:lnTlToBr>
+                      <a:noFill/>
+                    </a:lnTlToBr>
+                    <a:lnBlToTr>
+                      <a:noFill/>
+                    </a:lnBlToTr>
+                    <a:noFill/>
+                  </a:tcPr>
+                </a:tc>
+                <a:tc>
+                  <a:txBody>
+                    <a:bodyPr/>
+                    <a:p>
+                      <a:pPr indent="0">
+                        <a:buNone/>
+                      </a:pPr>
+                      <a:r>
+                        <a:rPr lang="en-US" sz="2800" b="0">
+                          <a:latin typeface="Cantarell" panose="02000603000000000000" charset="0"/>
+                          <a:cs typeface="Cantarell" panose="02000603000000000000" charset="0"/>
+                        </a:rPr>
+                        <a:t>56.038</a:t>
+                      </a:r>
+                      <a:endParaRPr lang="en-US" sz="2800" b="0">
+                        <a:latin typeface="Cantarell" panose="02000603000000000000" charset="0"/>
+                        <a:ea typeface="Latin Modern Roman" panose="00000500000000000000" charset="0"/>
+                        <a:cs typeface="Cantarell" panose="02000603000000000000" charset="0"/>
+                      </a:endParaRPr>
+                    </a:p>
+                  </a:txBody>
+                  <a:tcPr marL="68580" marR="68580" marT="0" marB="0" vert="horz" anchor="t" anchorCtr="0">
+                    <a:lnL w="12700" cap="flat" cmpd="sng">
+                      <a:solidFill>
+                        <a:srgbClr val="080000"/>
+                      </a:solidFill>
+                      <a:prstDash val="solid"/>
+                      <a:headEnd type="none" w="med" len="med"/>
+                      <a:tailEnd type="none" w="med" len="med"/>
+                    </a:lnL>
+                    <a:lnR w="12700" cap="flat" cmpd="sng">
+                      <a:solidFill>
+                        <a:srgbClr val="080000"/>
+                      </a:solidFill>
+                      <a:prstDash val="solid"/>
+                      <a:headEnd type="none" w="med" len="med"/>
+                      <a:tailEnd type="none" w="med" len="med"/>
+                    </a:lnR>
+                    <a:lnT w="12700" cap="flat" cmpd="sng">
+                      <a:solidFill>
+                        <a:srgbClr val="080000"/>
+                      </a:solidFill>
+                      <a:prstDash val="solid"/>
+                      <a:headEnd type="none" w="med" len="med"/>
+                      <a:tailEnd type="none" w="med" len="med"/>
+                    </a:lnT>
+                    <a:lnB w="12700" cap="flat" cmpd="sng">
+                      <a:solidFill>
+                        <a:srgbClr val="080000"/>
+                      </a:solidFill>
+                      <a:prstDash val="solid"/>
+                      <a:headEnd type="none" w="med" len="med"/>
+                      <a:tailEnd type="none" w="med" len="med"/>
+                    </a:lnB>
+                    <a:lnTlToBr>
+                      <a:noFill/>
+                    </a:lnTlToBr>
+                    <a:lnBlToTr>
+                      <a:noFill/>
+                    </a:lnBlToTr>
+                    <a:noFill/>
+                  </a:tcPr>
+                </a:tc>
+              </a:tr>
+              <a:tr h="1174115">
+                <a:tc>
+                  <a:txBody>
+                    <a:bodyPr/>
+                    <a:p>
+                      <a:pPr indent="0">
+                        <a:buNone/>
+                      </a:pPr>
+                      <a:r>
+                        <a:rPr lang="en-US" sz="2800" b="0">
+                          <a:latin typeface="Cantarell" panose="02000603000000000000" charset="0"/>
+                          <a:cs typeface="Cantarell" panose="02000603000000000000" charset="0"/>
+                        </a:rPr>
+                        <a:t>Artificial data model prediction</a:t>
+                      </a:r>
+                      <a:endParaRPr lang="en-US" sz="2800" b="0">
+                        <a:latin typeface="Cantarell" panose="02000603000000000000" charset="0"/>
+                        <a:ea typeface="Latin Modern Roman" panose="00000500000000000000" charset="0"/>
+                        <a:cs typeface="Cantarell" panose="02000603000000000000" charset="0"/>
+                      </a:endParaRPr>
+                    </a:p>
+                  </a:txBody>
+                  <a:tcPr marL="68580" marR="68580" marT="0" marB="0" vert="horz" anchor="t" anchorCtr="0">
+                    <a:lnL w="12700" cap="flat" cmpd="sng">
+                      <a:solidFill>
+                        <a:srgbClr val="080000"/>
+                      </a:solidFill>
+                      <a:prstDash val="solid"/>
+                      <a:headEnd type="none" w="med" len="med"/>
+                      <a:tailEnd type="none" w="med" len="med"/>
+                    </a:lnL>
+                    <a:lnR w="12700" cap="flat" cmpd="sng">
+                      <a:solidFill>
+                        <a:srgbClr val="080000"/>
+                      </a:solidFill>
+                      <a:prstDash val="solid"/>
+                      <a:headEnd type="none" w="med" len="med"/>
+                      <a:tailEnd type="none" w="med" len="med"/>
+                    </a:lnR>
+                    <a:lnT w="12700" cap="flat" cmpd="sng">
+                      <a:solidFill>
+                        <a:srgbClr val="080000"/>
+                      </a:solidFill>
+                      <a:prstDash val="solid"/>
+                      <a:headEnd type="none" w="med" len="med"/>
+                      <a:tailEnd type="none" w="med" len="med"/>
+                    </a:lnT>
+                    <a:lnB w="12700" cap="flat" cmpd="sng">
+                      <a:solidFill>
+                        <a:srgbClr val="080000"/>
+                      </a:solidFill>
+                      <a:prstDash val="solid"/>
+                      <a:headEnd type="none" w="med" len="med"/>
+                      <a:tailEnd type="none" w="med" len="med"/>
+                    </a:lnB>
+                    <a:lnTlToBr>
+                      <a:noFill/>
+                    </a:lnTlToBr>
+                    <a:lnBlToTr>
+                      <a:noFill/>
+                    </a:lnBlToTr>
+                    <a:noFill/>
+                  </a:tcPr>
+                </a:tc>
+                <a:tc>
+                  <a:txBody>
+                    <a:bodyPr/>
+                    <a:p>
+                      <a:pPr indent="0">
+                        <a:buNone/>
+                      </a:pPr>
+                      <a:r>
+                        <a:rPr lang="en-US" sz="2800" b="0">
+                          <a:latin typeface="Cantarell" panose="02000603000000000000" charset="0"/>
+                          <a:cs typeface="Cantarell" panose="02000603000000000000" charset="0"/>
+                        </a:rPr>
+                        <a:t>48.725</a:t>
+                      </a:r>
+                      <a:endParaRPr lang="en-US" sz="2800" b="0">
+                        <a:latin typeface="Cantarell" panose="02000603000000000000" charset="0"/>
+                        <a:ea typeface="Latin Modern Roman" panose="00000500000000000000" charset="0"/>
+                        <a:cs typeface="Cantarell" panose="02000603000000000000" charset="0"/>
+                      </a:endParaRPr>
+                    </a:p>
+                  </a:txBody>
+                  <a:tcPr marL="68580" marR="68580" marT="0" marB="0" vert="horz" anchor="t" anchorCtr="0">
+                    <a:lnL w="12700" cap="flat" cmpd="sng">
+                      <a:solidFill>
+                        <a:srgbClr val="080000"/>
+                      </a:solidFill>
+                      <a:prstDash val="solid"/>
+                      <a:headEnd type="none" w="med" len="med"/>
+                      <a:tailEnd type="none" w="med" len="med"/>
+                    </a:lnL>
+                    <a:lnR w="12700" cap="flat" cmpd="sng">
+                      <a:solidFill>
+                        <a:srgbClr val="080000"/>
+                      </a:solidFill>
+                      <a:prstDash val="solid"/>
+                      <a:headEnd type="none" w="med" len="med"/>
+                      <a:tailEnd type="none" w="med" len="med"/>
+                    </a:lnR>
+                    <a:lnT w="12700" cap="flat" cmpd="sng">
+                      <a:solidFill>
+                        <a:srgbClr val="080000"/>
+                      </a:solidFill>
+                      <a:prstDash val="solid"/>
+                      <a:headEnd type="none" w="med" len="med"/>
+                      <a:tailEnd type="none" w="med" len="med"/>
+                    </a:lnT>
+                    <a:lnB w="12700" cap="flat" cmpd="sng">
+                      <a:solidFill>
+                        <a:srgbClr val="080000"/>
+                      </a:solidFill>
+                      <a:prstDash val="solid"/>
+                      <a:headEnd type="none" w="med" len="med"/>
+                      <a:tailEnd type="none" w="med" len="med"/>
+                    </a:lnB>
+                    <a:lnTlToBr>
+                      <a:noFill/>
+                    </a:lnTlToBr>
+                    <a:lnBlToTr>
+                      <a:noFill/>
+                    </a:lnBlToTr>
+                    <a:noFill/>
+                  </a:tcPr>
+                </a:tc>
+                <a:tc>
+                  <a:txBody>
+                    <a:bodyPr/>
+                    <a:p>
+                      <a:pPr indent="0">
+                        <a:buNone/>
+                      </a:pPr>
+                      <a:r>
+                        <a:rPr lang="en-US" sz="2800" b="0">
+                          <a:latin typeface="Cantarell" panose="02000603000000000000" charset="0"/>
+                          <a:cs typeface="Cantarell" panose="02000603000000000000" charset="0"/>
+                        </a:rPr>
+                        <a:t>46.752</a:t>
+                      </a:r>
+                      <a:endParaRPr lang="en-US" sz="2800" b="0">
+                        <a:latin typeface="Cantarell" panose="02000603000000000000" charset="0"/>
+                        <a:ea typeface="Latin Modern Roman" panose="00000500000000000000" charset="0"/>
+                        <a:cs typeface="Cantarell" panose="02000603000000000000" charset="0"/>
+                      </a:endParaRPr>
+                    </a:p>
+                  </a:txBody>
+                  <a:tcPr marL="68580" marR="68580" marT="0" marB="0" vert="horz" anchor="t" anchorCtr="0">
+                    <a:lnL w="12700" cap="flat" cmpd="sng">
+                      <a:solidFill>
+                        <a:srgbClr val="080000"/>
+                      </a:solidFill>
+                      <a:prstDash val="solid"/>
+                      <a:headEnd type="none" w="med" len="med"/>
+                      <a:tailEnd type="none" w="med" len="med"/>
+                    </a:lnL>
+                    <a:lnR w="12700" cap="flat" cmpd="sng">
+                      <a:solidFill>
+                        <a:srgbClr val="080000"/>
+                      </a:solidFill>
+                      <a:prstDash val="solid"/>
+                      <a:headEnd type="none" w="med" len="med"/>
+                      <a:tailEnd type="none" w="med" len="med"/>
+                    </a:lnR>
+                    <a:lnT w="12700" cap="flat" cmpd="sng">
+                      <a:solidFill>
+                        <a:srgbClr val="080000"/>
+                      </a:solidFill>
+                      <a:prstDash val="solid"/>
+                      <a:headEnd type="none" w="med" len="med"/>
+                      <a:tailEnd type="none" w="med" len="med"/>
+                    </a:lnT>
+                    <a:lnB w="12700" cap="flat" cmpd="sng">
+                      <a:solidFill>
+                        <a:srgbClr val="080000"/>
+                      </a:solidFill>
+                      <a:prstDash val="solid"/>
+                      <a:headEnd type="none" w="med" len="med"/>
+                      <a:tailEnd type="none" w="med" len="med"/>
+                    </a:lnB>
+                    <a:lnTlToBr>
+                      <a:noFill/>
+                    </a:lnTlToBr>
+                    <a:lnBlToTr>
+                      <a:noFill/>
+                    </a:lnBlToTr>
+                    <a:noFill/>
+                  </a:tcPr>
+                </a:tc>
+                <a:tc>
+                  <a:txBody>
+                    <a:bodyPr/>
+                    <a:p>
+                      <a:pPr indent="0">
+                        <a:buNone/>
+                      </a:pPr>
+                      <a:r>
+                        <a:rPr lang="en-US" sz="2800" b="0">
+                          <a:latin typeface="Cantarell" panose="02000603000000000000" charset="0"/>
+                          <a:cs typeface="Cantarell" panose="02000603000000000000" charset="0"/>
+                        </a:rPr>
+                        <a:t>46.499</a:t>
+                      </a:r>
+                      <a:endParaRPr lang="en-US" sz="2800" b="0">
+                        <a:latin typeface="Cantarell" panose="02000603000000000000" charset="0"/>
+                        <a:ea typeface="Latin Modern Roman" panose="00000500000000000000" charset="0"/>
+                        <a:cs typeface="Cantarell" panose="02000603000000000000" charset="0"/>
+                      </a:endParaRPr>
+                    </a:p>
+                  </a:txBody>
+                  <a:tcPr marL="68580" marR="68580" marT="0" marB="0" vert="horz" anchor="t" anchorCtr="0">
+                    <a:lnL w="12700" cap="flat" cmpd="sng">
+                      <a:solidFill>
+                        <a:srgbClr val="080000"/>
+                      </a:solidFill>
+                      <a:prstDash val="solid"/>
+                      <a:headEnd type="none" w="med" len="med"/>
+                      <a:tailEnd type="none" w="med" len="med"/>
+                    </a:lnL>
+                    <a:lnR w="12700" cap="flat" cmpd="sng">
+                      <a:solidFill>
+                        <a:srgbClr val="080000"/>
+                      </a:solidFill>
+                      <a:prstDash val="solid"/>
+                      <a:headEnd type="none" w="med" len="med"/>
+                      <a:tailEnd type="none" w="med" len="med"/>
+                    </a:lnR>
+                    <a:lnT w="12700" cap="flat" cmpd="sng">
+                      <a:solidFill>
+                        <a:srgbClr val="080000"/>
+                      </a:solidFill>
+                      <a:prstDash val="solid"/>
+                      <a:headEnd type="none" w="med" len="med"/>
+                      <a:tailEnd type="none" w="med" len="med"/>
+                    </a:lnT>
+                    <a:lnB w="12700" cap="flat" cmpd="sng">
+                      <a:solidFill>
+                        <a:srgbClr val="080000"/>
+                      </a:solidFill>
+                      <a:prstDash val="solid"/>
+                      <a:headEnd type="none" w="med" len="med"/>
+                      <a:tailEnd type="none" w="med" len="med"/>
+                    </a:lnB>
+                    <a:lnTlToBr>
+                      <a:noFill/>
+                    </a:lnTlToBr>
+                    <a:lnBlToTr>
+                      <a:noFill/>
+                    </a:lnBlToTr>
+                    <a:noFill/>
+                  </a:tcPr>
+                </a:tc>
+                <a:tc>
+                  <a:txBody>
+                    <a:bodyPr/>
+                    <a:p>
+                      <a:pPr indent="0">
+                        <a:buNone/>
+                      </a:pPr>
+                      <a:r>
+                        <a:rPr lang="en-US" sz="2800" b="0">
+                          <a:latin typeface="Cantarell" panose="02000603000000000000" charset="0"/>
+                          <a:cs typeface="Cantarell" panose="02000603000000000000" charset="0"/>
+                        </a:rPr>
+                        <a:t>45.683</a:t>
+                      </a:r>
+                      <a:endParaRPr lang="en-US" sz="2800" b="0">
+                        <a:latin typeface="Cantarell" panose="02000603000000000000" charset="0"/>
+                        <a:ea typeface="Latin Modern Roman" panose="00000500000000000000" charset="0"/>
+                        <a:cs typeface="Cantarell" panose="02000603000000000000" charset="0"/>
+                      </a:endParaRPr>
+                    </a:p>
+                  </a:txBody>
+                  <a:tcPr marL="68580" marR="68580" marT="0" marB="0" vert="horz" anchor="t" anchorCtr="0">
+                    <a:lnL w="12700" cap="flat" cmpd="sng">
+                      <a:solidFill>
+                        <a:srgbClr val="080000"/>
+                      </a:solidFill>
+                      <a:prstDash val="solid"/>
+                      <a:headEnd type="none" w="med" len="med"/>
+                      <a:tailEnd type="none" w="med" len="med"/>
+                    </a:lnL>
+                    <a:lnR w="12700" cap="flat" cmpd="sng">
+                      <a:solidFill>
+                        <a:srgbClr val="080000"/>
+                      </a:solidFill>
+                      <a:prstDash val="solid"/>
+                      <a:headEnd type="none" w="med" len="med"/>
+                      <a:tailEnd type="none" w="med" len="med"/>
+                    </a:lnR>
+                    <a:lnT w="12700" cap="flat" cmpd="sng">
+                      <a:solidFill>
+                        <a:srgbClr val="080000"/>
+                      </a:solidFill>
+                      <a:prstDash val="solid"/>
+                      <a:headEnd type="none" w="med" len="med"/>
+                      <a:tailEnd type="none" w="med" len="med"/>
+                    </a:lnT>
+                    <a:lnB w="12700" cap="flat" cmpd="sng">
+                      <a:solidFill>
+                        <a:srgbClr val="080000"/>
+                      </a:solidFill>
+                      <a:prstDash val="solid"/>
+                      <a:headEnd type="none" w="med" len="med"/>
+                      <a:tailEnd type="none" w="med" len="med"/>
+                    </a:lnB>
+                    <a:lnTlToBr>
+                      <a:noFill/>
+                    </a:lnTlToBr>
+                    <a:lnBlToTr>
+                      <a:noFill/>
+                    </a:lnBlToTr>
+                    <a:noFill/>
+                  </a:tcPr>
+                </a:tc>
+              </a:tr>
+            </a:tbl>
+          </a:graphicData>
+        </a:graphic>
+      </p:graphicFrame>
+    </p:spTree>
+  </p:cSld>
+  <p:clrMapOvr>
+    <a:masterClrMapping/>
+  </p:clrMapOvr>
+</p:sld>
+</file>
+
+<file path=ppt/slides/slide67.xml><?xml version="1.0" encoding="utf-8"?>
+<p:sld xmlns:a="http://schemas.openxmlformats.org/drawingml/2006/main" xmlns:r="http://schemas.openxmlformats.org/officeDocument/2006/relationships" xmlns:p="http://schemas.openxmlformats.org/presentationml/2006/main">
+  <p:cSld>
+    <p:spTree>
+      <p:nvGrpSpPr>
+        <p:cNvPr id="1" name=""/>
+        <p:cNvGrpSpPr/>
+        <p:nvPr/>
+      </p:nvGrpSpPr>
+      <p:grpSpPr/>
+      <p:sp>
+        <p:nvSpPr>
+          <p:cNvPr id="2" name="Title 1"/>
+          <p:cNvSpPr>
+            <a:spLocks noGrp="1"/>
+          </p:cNvSpPr>
+          <p:nvPr>
+            <p:ph type="title"/>
+          </p:nvPr>
+        </p:nvSpPr>
+        <p:spPr>
+          <a:xfrm>
+            <a:off x="610235" y="2854960"/>
+            <a:ext cx="10972165" cy="1148080"/>
+          </a:xfrm>
+        </p:spPr>
+        <p:txBody>
+          <a:bodyPr>
+            <a:normAutofit/>
+          </a:bodyPr>
+          <a:p>
+            <a:pPr algn="ctr"/>
+            <a:r>
+              <a:rPr lang="" altLang="en-US" sz="4000">
+                <a:latin typeface="Cantarell" panose="02000603000000000000" charset="0"/>
+                <a:cs typeface="Cantarell" panose="02000603000000000000" charset="0"/>
+              </a:rPr>
+              <a:t>DECISION TREE</a:t>
+            </a:r>
+            <a:r>
+              <a:rPr lang="en-US" altLang="en-US" sz="4000">
+                <a:latin typeface="Cantarell" panose="02000603000000000000" charset="0"/>
+                <a:cs typeface="Cantarell" panose="02000603000000000000" charset="0"/>
+              </a:rPr>
+              <a:t> MODEL</a:t>
+            </a:r>
+            <a:endParaRPr lang="en-US" altLang="en-US" sz="4000">
+              <a:latin typeface="Cantarell" panose="02000603000000000000" charset="0"/>
+              <a:cs typeface="Cantarell" panose="02000603000000000000" charset="0"/>
+            </a:endParaRPr>
+          </a:p>
+        </p:txBody>
+      </p:sp>
+    </p:spTree>
+  </p:cSld>
+  <p:clrMapOvr>
+    <a:masterClrMapping/>
+  </p:clrMapOvr>
+</p:sld>
+</file>
+
+<file path=ppt/slides/slide68.xml><?xml version="1.0" encoding="utf-8"?>
+<p:sld xmlns:a="http://schemas.openxmlformats.org/drawingml/2006/main" xmlns:r="http://schemas.openxmlformats.org/officeDocument/2006/relationships" xmlns:p="http://schemas.openxmlformats.org/presentationml/2006/main">
+  <p:cSld>
+    <p:spTree>
+      <p:nvGrpSpPr>
+        <p:cNvPr id="1" name=""/>
+        <p:cNvGrpSpPr/>
+        <p:nvPr/>
+      </p:nvGrpSpPr>
+      <p:grpSpPr/>
+      <p:graphicFrame>
+        <p:nvGraphicFramePr>
+          <p:cNvPr id="2" name="Table 1"/>
+          <p:cNvGraphicFramePr/>
+          <p:nvPr/>
+        </p:nvGraphicFramePr>
+        <p:xfrm>
+          <a:off x="264795" y="1384300"/>
+          <a:ext cx="11663045" cy="4089400"/>
+        </p:xfrm>
+        <a:graphic>
+          <a:graphicData uri="http://schemas.openxmlformats.org/drawingml/2006/table">
+            <a:tbl>
+              <a:tblPr firstRow="1" bandRow="1">
+                <a:tableStyleId>{5940675A-B579-460E-94D1-54222C63F5DA}</a:tableStyleId>
+              </a:tblPr>
+              <a:tblGrid>
+                <a:gridCol w="5535930"/>
+                <a:gridCol w="1531620"/>
+                <a:gridCol w="1533525"/>
+                <a:gridCol w="1532890"/>
+                <a:gridCol w="1529080"/>
+              </a:tblGrid>
+              <a:tr h="1022350">
+                <a:tc>
+                  <a:txBody>
+                    <a:bodyPr/>
+                    <a:p>
+                      <a:pPr indent="0">
+                        <a:buNone/>
+                      </a:pPr>
+                      <a:r>
+                        <a:rPr lang="en-US" sz="2800" b="0">
+                          <a:latin typeface="Cantarell" panose="02000603000000000000" charset="0"/>
+                          <a:cs typeface="Cantarell" panose="02000603000000000000" charset="0"/>
+                        </a:rPr>
+                        <a:t>Student</a:t>
+                      </a:r>
+                      <a:endParaRPr lang="en-US" sz="2800" b="0">
+                        <a:latin typeface="Cantarell" panose="02000603000000000000" charset="0"/>
+                        <a:ea typeface="Latin Modern Roman" panose="00000500000000000000" charset="0"/>
+                        <a:cs typeface="Cantarell" panose="02000603000000000000" charset="0"/>
+                      </a:endParaRPr>
+                    </a:p>
+                  </a:txBody>
+                  <a:tcPr marL="68580" marR="68580" marT="0" marB="0" vert="horz" anchor="t" anchorCtr="0">
+                    <a:lnL w="12700" cap="flat" cmpd="sng">
+                      <a:solidFill>
+                        <a:srgbClr val="080000"/>
+                      </a:solidFill>
+                      <a:prstDash val="solid"/>
+                      <a:headEnd type="none" w="med" len="med"/>
+                      <a:tailEnd type="none" w="med" len="med"/>
+                    </a:lnL>
+                    <a:lnR w="12700" cap="flat" cmpd="sng">
+                      <a:solidFill>
+                        <a:srgbClr val="080000"/>
+                      </a:solidFill>
+                      <a:prstDash val="solid"/>
+                      <a:headEnd type="none" w="med" len="med"/>
+                      <a:tailEnd type="none" w="med" len="med"/>
+                    </a:lnR>
+                    <a:lnT w="12700" cap="flat" cmpd="sng">
+                      <a:solidFill>
+                        <a:srgbClr val="080000"/>
+                      </a:solidFill>
+                      <a:prstDash val="solid"/>
+                      <a:headEnd type="none" w="med" len="med"/>
+                      <a:tailEnd type="none" w="med" len="med"/>
+                    </a:lnT>
+                    <a:lnB w="12700" cap="flat" cmpd="sng">
+                      <a:solidFill>
+                        <a:srgbClr val="080000"/>
+                      </a:solidFill>
+                      <a:prstDash val="solid"/>
+                      <a:headEnd type="none" w="med" len="med"/>
+                      <a:tailEnd type="none" w="med" len="med"/>
+                    </a:lnB>
+                    <a:lnTlToBr>
+                      <a:noFill/>
+                    </a:lnTlToBr>
+                    <a:lnBlToTr>
+                      <a:noFill/>
+                    </a:lnBlToTr>
+                    <a:noFill/>
+                  </a:tcPr>
+                </a:tc>
+                <a:tc>
+                  <a:txBody>
+                    <a:bodyPr/>
+                    <a:p>
+                      <a:pPr indent="0">
+                        <a:buNone/>
+                      </a:pPr>
+                      <a:r>
+                        <a:rPr lang="en-US" sz="2800" b="0">
+                          <a:latin typeface="Cantarell" panose="02000603000000000000" charset="0"/>
+                          <a:cs typeface="Cantarell" panose="02000603000000000000" charset="0"/>
+                        </a:rPr>
+                        <a:t>1</a:t>
+                      </a:r>
+                      <a:endParaRPr lang="en-US" sz="2800" b="0">
+                        <a:latin typeface="Cantarell" panose="02000603000000000000" charset="0"/>
+                        <a:ea typeface="Latin Modern Roman" panose="00000500000000000000" charset="0"/>
+                        <a:cs typeface="Cantarell" panose="02000603000000000000" charset="0"/>
+                      </a:endParaRPr>
+                    </a:p>
+                  </a:txBody>
+                  <a:tcPr marL="68580" marR="68580" marT="0" marB="0" vert="horz" anchor="t" anchorCtr="0">
+                    <a:lnL w="12700" cap="flat" cmpd="sng">
+                      <a:solidFill>
+                        <a:srgbClr val="080000"/>
+                      </a:solidFill>
+                      <a:prstDash val="solid"/>
+                      <a:headEnd type="none" w="med" len="med"/>
+                      <a:tailEnd type="none" w="med" len="med"/>
+                    </a:lnL>
+                    <a:lnR w="12700" cap="flat" cmpd="sng">
+                      <a:solidFill>
+                        <a:srgbClr val="080000"/>
+                      </a:solidFill>
+                      <a:prstDash val="solid"/>
+                      <a:headEnd type="none" w="med" len="med"/>
+                      <a:tailEnd type="none" w="med" len="med"/>
+                    </a:lnR>
+                    <a:lnT w="12700" cap="flat" cmpd="sng">
+                      <a:solidFill>
+                        <a:srgbClr val="080000"/>
+                      </a:solidFill>
+                      <a:prstDash val="solid"/>
+                      <a:headEnd type="none" w="med" len="med"/>
+                      <a:tailEnd type="none" w="med" len="med"/>
+                    </a:lnT>
+                    <a:lnB w="12700" cap="flat" cmpd="sng">
+                      <a:solidFill>
+                        <a:srgbClr val="080000"/>
+                      </a:solidFill>
+                      <a:prstDash val="solid"/>
+                      <a:headEnd type="none" w="med" len="med"/>
+                      <a:tailEnd type="none" w="med" len="med"/>
+                    </a:lnB>
+                    <a:lnTlToBr>
+                      <a:noFill/>
+                    </a:lnTlToBr>
+                    <a:lnBlToTr>
+                      <a:noFill/>
+                    </a:lnBlToTr>
+                    <a:noFill/>
+                  </a:tcPr>
+                </a:tc>
+                <a:tc>
+                  <a:txBody>
+                    <a:bodyPr/>
+                    <a:p>
+                      <a:pPr indent="0">
+                        <a:buNone/>
+                      </a:pPr>
+                      <a:r>
+                        <a:rPr lang="en-US" sz="2800" b="0">
+                          <a:latin typeface="Cantarell" panose="02000603000000000000" charset="0"/>
+                          <a:cs typeface="Cantarell" panose="02000603000000000000" charset="0"/>
+                        </a:rPr>
+                        <a:t>10</a:t>
+                      </a:r>
+                      <a:endParaRPr lang="en-US" sz="2800" b="0">
+                        <a:latin typeface="Cantarell" panose="02000603000000000000" charset="0"/>
+                        <a:ea typeface="Latin Modern Roman" panose="00000500000000000000" charset="0"/>
+                        <a:cs typeface="Cantarell" panose="02000603000000000000" charset="0"/>
+                      </a:endParaRPr>
+                    </a:p>
+                  </a:txBody>
+                  <a:tcPr marL="68580" marR="68580" marT="0" marB="0" vert="horz" anchor="t" anchorCtr="0">
+                    <a:lnL w="12700" cap="flat" cmpd="sng">
+                      <a:solidFill>
+                        <a:srgbClr val="080000"/>
+                      </a:solidFill>
+                      <a:prstDash val="solid"/>
+                      <a:headEnd type="none" w="med" len="med"/>
+                      <a:tailEnd type="none" w="med" len="med"/>
+                    </a:lnL>
+                    <a:lnR w="12700" cap="flat" cmpd="sng">
+                      <a:solidFill>
+                        <a:srgbClr val="080000"/>
+                      </a:solidFill>
+                      <a:prstDash val="solid"/>
+                      <a:headEnd type="none" w="med" len="med"/>
+                      <a:tailEnd type="none" w="med" len="med"/>
+                    </a:lnR>
+                    <a:lnT w="12700" cap="flat" cmpd="sng">
+                      <a:solidFill>
+                        <a:srgbClr val="080000"/>
+                      </a:solidFill>
+                      <a:prstDash val="solid"/>
+                      <a:headEnd type="none" w="med" len="med"/>
+                      <a:tailEnd type="none" w="med" len="med"/>
+                    </a:lnT>
+                    <a:lnB w="12700" cap="flat" cmpd="sng">
+                      <a:solidFill>
+                        <a:srgbClr val="080000"/>
+                      </a:solidFill>
+                      <a:prstDash val="solid"/>
+                      <a:headEnd type="none" w="med" len="med"/>
+                      <a:tailEnd type="none" w="med" len="med"/>
+                    </a:lnB>
+                    <a:lnTlToBr>
+                      <a:noFill/>
+                    </a:lnTlToBr>
+                    <a:lnBlToTr>
+                      <a:noFill/>
+                    </a:lnBlToTr>
+                    <a:noFill/>
+                  </a:tcPr>
+                </a:tc>
+                <a:tc>
+                  <a:txBody>
+                    <a:bodyPr/>
+                    <a:p>
+                      <a:pPr indent="0">
+                        <a:buNone/>
+                      </a:pPr>
+                      <a:r>
+                        <a:rPr lang="en-US" sz="2800" b="0">
+                          <a:latin typeface="Cantarell" panose="02000603000000000000" charset="0"/>
+                          <a:cs typeface="Cantarell" panose="02000603000000000000" charset="0"/>
+                        </a:rPr>
+                        <a:t>67</a:t>
+                      </a:r>
+                      <a:endParaRPr lang="en-US" sz="2800" b="0">
+                        <a:latin typeface="Cantarell" panose="02000603000000000000" charset="0"/>
+                        <a:ea typeface="Latin Modern Roman" panose="00000500000000000000" charset="0"/>
+                        <a:cs typeface="Cantarell" panose="02000603000000000000" charset="0"/>
+                      </a:endParaRPr>
+                    </a:p>
+                  </a:txBody>
+                  <a:tcPr marL="68580" marR="68580" marT="0" marB="0" vert="horz" anchor="t" anchorCtr="0">
+                    <a:lnL w="12700" cap="flat" cmpd="sng">
+                      <a:solidFill>
+                        <a:srgbClr val="080000"/>
+                      </a:solidFill>
+                      <a:prstDash val="solid"/>
+                      <a:headEnd type="none" w="med" len="med"/>
+                      <a:tailEnd type="none" w="med" len="med"/>
+                    </a:lnL>
+                    <a:lnR w="12700" cap="flat" cmpd="sng">
+                      <a:solidFill>
+                        <a:srgbClr val="080000"/>
+                      </a:solidFill>
+                      <a:prstDash val="solid"/>
+                      <a:headEnd type="none" w="med" len="med"/>
+                      <a:tailEnd type="none" w="med" len="med"/>
+                    </a:lnR>
+                    <a:lnT w="12700" cap="flat" cmpd="sng">
+                      <a:solidFill>
+                        <a:srgbClr val="080000"/>
+                      </a:solidFill>
+                      <a:prstDash val="solid"/>
+                      <a:headEnd type="none" w="med" len="med"/>
+                      <a:tailEnd type="none" w="med" len="med"/>
+                    </a:lnT>
+                    <a:lnB w="12700" cap="flat" cmpd="sng">
+                      <a:solidFill>
+                        <a:srgbClr val="080000"/>
+                      </a:solidFill>
+                      <a:prstDash val="solid"/>
+                      <a:headEnd type="none" w="med" len="med"/>
+                      <a:tailEnd type="none" w="med" len="med"/>
+                    </a:lnB>
+                    <a:lnTlToBr>
+                      <a:noFill/>
+                    </a:lnTlToBr>
+                    <a:lnBlToTr>
+                      <a:noFill/>
+                    </a:lnBlToTr>
+                    <a:noFill/>
+                  </a:tcPr>
+                </a:tc>
+                <a:tc>
+                  <a:txBody>
+                    <a:bodyPr/>
+                    <a:p>
+                      <a:pPr indent="0">
+                        <a:buNone/>
+                      </a:pPr>
+                      <a:r>
+                        <a:rPr lang="en-US" sz="2800" b="0">
+                          <a:latin typeface="Cantarell" panose="02000603000000000000" charset="0"/>
+                          <a:cs typeface="Cantarell" panose="02000603000000000000" charset="0"/>
+                        </a:rPr>
+                        <a:t>150</a:t>
+                      </a:r>
+                      <a:endParaRPr lang="en-US" sz="2800" b="0">
+                        <a:latin typeface="Cantarell" panose="02000603000000000000" charset="0"/>
+                        <a:ea typeface="Latin Modern Roman" panose="00000500000000000000" charset="0"/>
+                        <a:cs typeface="Cantarell" panose="02000603000000000000" charset="0"/>
+                      </a:endParaRPr>
+                    </a:p>
+                  </a:txBody>
+                  <a:tcPr marL="68580" marR="68580" marT="0" marB="0" vert="horz" anchor="t" anchorCtr="0">
+                    <a:lnL w="12700" cap="flat" cmpd="sng">
+                      <a:solidFill>
+                        <a:srgbClr val="080000"/>
+                      </a:solidFill>
+                      <a:prstDash val="solid"/>
+                      <a:headEnd type="none" w="med" len="med"/>
+                      <a:tailEnd type="none" w="med" len="med"/>
+                    </a:lnL>
+                    <a:lnR w="12700" cap="flat" cmpd="sng">
+                      <a:solidFill>
+                        <a:srgbClr val="080000"/>
+                      </a:solidFill>
+                      <a:prstDash val="solid"/>
+                      <a:headEnd type="none" w="med" len="med"/>
+                      <a:tailEnd type="none" w="med" len="med"/>
+                    </a:lnR>
+                    <a:lnT w="12700" cap="flat" cmpd="sng">
+                      <a:solidFill>
+                        <a:srgbClr val="080000"/>
+                      </a:solidFill>
+                      <a:prstDash val="solid"/>
+                      <a:headEnd type="none" w="med" len="med"/>
+                      <a:tailEnd type="none" w="med" len="med"/>
+                    </a:lnT>
+                    <a:lnB w="12700" cap="flat" cmpd="sng">
+                      <a:solidFill>
+                        <a:srgbClr val="080000"/>
+                      </a:solidFill>
+                      <a:prstDash val="solid"/>
+                      <a:headEnd type="none" w="med" len="med"/>
+                      <a:tailEnd type="none" w="med" len="med"/>
+                    </a:lnB>
+                    <a:lnTlToBr>
+                      <a:noFill/>
+                    </a:lnTlToBr>
+                    <a:lnBlToTr>
+                      <a:noFill/>
+                    </a:lnBlToTr>
+                    <a:noFill/>
+                  </a:tcPr>
+                </a:tc>
+              </a:tr>
+              <a:tr h="1022350">
+                <a:tc>
+                  <a:txBody>
+                    <a:bodyPr/>
+                    <a:p>
+                      <a:pPr indent="0">
+                        <a:buNone/>
+                      </a:pPr>
+                      <a:r>
+                        <a:rPr lang="en-US" sz="2800" b="0">
+                          <a:latin typeface="Cantarell" panose="02000603000000000000" charset="0"/>
+                          <a:cs typeface="Cantarell" panose="02000603000000000000" charset="0"/>
+                        </a:rPr>
+                        <a:t>Actual Mean</a:t>
+                      </a:r>
+                      <a:endParaRPr lang="en-US" sz="2800" b="0">
+                        <a:latin typeface="Cantarell" panose="02000603000000000000" charset="0"/>
+                        <a:ea typeface="Latin Modern Roman" panose="00000500000000000000" charset="0"/>
+                        <a:cs typeface="Cantarell" panose="02000603000000000000" charset="0"/>
+                      </a:endParaRPr>
+                    </a:p>
+                  </a:txBody>
+                  <a:tcPr marL="68580" marR="68580" marT="0" marB="0" vert="horz" anchor="t" anchorCtr="0">
+                    <a:lnL w="12700" cap="flat" cmpd="sng">
+                      <a:solidFill>
+                        <a:srgbClr val="080000"/>
+                      </a:solidFill>
+                      <a:prstDash val="solid"/>
+                      <a:headEnd type="none" w="med" len="med"/>
+                      <a:tailEnd type="none" w="med" len="med"/>
+                    </a:lnL>
+                    <a:lnR w="12700" cap="flat" cmpd="sng">
+                      <a:solidFill>
+                        <a:srgbClr val="080000"/>
+                      </a:solidFill>
+                      <a:prstDash val="solid"/>
+                      <a:headEnd type="none" w="med" len="med"/>
+                      <a:tailEnd type="none" w="med" len="med"/>
+                    </a:lnR>
+                    <a:lnT w="12700" cap="flat" cmpd="sng">
+                      <a:solidFill>
+                        <a:srgbClr val="080000"/>
+                      </a:solidFill>
+                      <a:prstDash val="solid"/>
+                      <a:headEnd type="none" w="med" len="med"/>
+                      <a:tailEnd type="none" w="med" len="med"/>
+                    </a:lnT>
+                    <a:lnB w="12700" cap="flat" cmpd="sng">
+                      <a:solidFill>
+                        <a:srgbClr val="080000"/>
+                      </a:solidFill>
+                      <a:prstDash val="solid"/>
+                      <a:headEnd type="none" w="med" len="med"/>
+                      <a:tailEnd type="none" w="med" len="med"/>
+                    </a:lnB>
+                    <a:lnTlToBr>
+                      <a:noFill/>
+                    </a:lnTlToBr>
+                    <a:lnBlToTr>
+                      <a:noFill/>
+                    </a:lnBlToTr>
+                    <a:noFill/>
+                  </a:tcPr>
+                </a:tc>
+                <a:tc>
+                  <a:txBody>
+                    <a:bodyPr/>
+                    <a:p>
+                      <a:pPr indent="0">
+                        <a:buNone/>
+                      </a:pPr>
+                      <a:r>
+                        <a:rPr lang="en-US" sz="2800" b="0">
+                          <a:latin typeface="Cantarell" panose="02000603000000000000" charset="0"/>
+                          <a:cs typeface="Cantarell" panose="02000603000000000000" charset="0"/>
+                        </a:rPr>
+                        <a:t>27</a:t>
+                      </a:r>
+                      <a:endParaRPr lang="en-US" sz="2800" b="0">
+                        <a:latin typeface="Cantarell" panose="02000603000000000000" charset="0"/>
+                        <a:ea typeface="Latin Modern Roman" panose="00000500000000000000" charset="0"/>
+                        <a:cs typeface="Cantarell" panose="02000603000000000000" charset="0"/>
+                      </a:endParaRPr>
+                    </a:p>
+                  </a:txBody>
+                  <a:tcPr marL="68580" marR="68580" marT="0" marB="0" vert="horz" anchor="t" anchorCtr="0">
+                    <a:lnL w="12700" cap="flat" cmpd="sng">
+                      <a:solidFill>
+                        <a:srgbClr val="080000"/>
+                      </a:solidFill>
+                      <a:prstDash val="solid"/>
+                      <a:headEnd type="none" w="med" len="med"/>
+                      <a:tailEnd type="none" w="med" len="med"/>
+                    </a:lnL>
+                    <a:lnR w="12700" cap="flat" cmpd="sng">
+                      <a:solidFill>
+                        <a:srgbClr val="080000"/>
+                      </a:solidFill>
+                      <a:prstDash val="solid"/>
+                      <a:headEnd type="none" w="med" len="med"/>
+                      <a:tailEnd type="none" w="med" len="med"/>
+                    </a:lnR>
+                    <a:lnT w="12700" cap="flat" cmpd="sng">
+                      <a:solidFill>
+                        <a:srgbClr val="080000"/>
+                      </a:solidFill>
+                      <a:prstDash val="solid"/>
+                      <a:headEnd type="none" w="med" len="med"/>
+                      <a:tailEnd type="none" w="med" len="med"/>
+                    </a:lnT>
+                    <a:lnB w="12700" cap="flat" cmpd="sng">
+                      <a:solidFill>
+                        <a:srgbClr val="080000"/>
+                      </a:solidFill>
+                      <a:prstDash val="solid"/>
+                      <a:headEnd type="none" w="med" len="med"/>
+                      <a:tailEnd type="none" w="med" len="med"/>
+                    </a:lnB>
+                    <a:lnTlToBr>
+                      <a:noFill/>
+                    </a:lnTlToBr>
+                    <a:lnBlToTr>
+                      <a:noFill/>
+                    </a:lnBlToTr>
+                    <a:noFill/>
+                  </a:tcPr>
+                </a:tc>
+                <a:tc>
+                  <a:txBody>
+                    <a:bodyPr/>
+                    <a:p>
+                      <a:pPr indent="0">
+                        <a:buNone/>
+                      </a:pPr>
+                      <a:r>
+                        <a:rPr lang="en-US" sz="2800" b="0">
+                          <a:latin typeface="Cantarell" panose="02000603000000000000" charset="0"/>
+                          <a:cs typeface="Cantarell" panose="02000603000000000000" charset="0"/>
+                        </a:rPr>
+                        <a:t>58</a:t>
+                      </a:r>
+                      <a:endParaRPr lang="en-US" sz="2800" b="0">
+                        <a:latin typeface="Cantarell" panose="02000603000000000000" charset="0"/>
+                        <a:ea typeface="Latin Modern Roman" panose="00000500000000000000" charset="0"/>
+                        <a:cs typeface="Cantarell" panose="02000603000000000000" charset="0"/>
+                      </a:endParaRPr>
+                    </a:p>
+                  </a:txBody>
+                  <a:tcPr marL="68580" marR="68580" marT="0" marB="0" vert="horz" anchor="t" anchorCtr="0">
+                    <a:lnL w="12700" cap="flat" cmpd="sng">
+                      <a:solidFill>
+                        <a:srgbClr val="080000"/>
+                      </a:solidFill>
+                      <a:prstDash val="solid"/>
+                      <a:headEnd type="none" w="med" len="med"/>
+                      <a:tailEnd type="none" w="med" len="med"/>
+                    </a:lnL>
+                    <a:lnR w="12700" cap="flat" cmpd="sng">
+                      <a:solidFill>
+                        <a:srgbClr val="080000"/>
+                      </a:solidFill>
+                      <a:prstDash val="solid"/>
+                      <a:headEnd type="none" w="med" len="med"/>
+                      <a:tailEnd type="none" w="med" len="med"/>
+                    </a:lnR>
+                    <a:lnT w="12700" cap="flat" cmpd="sng">
+                      <a:solidFill>
+                        <a:srgbClr val="080000"/>
+                      </a:solidFill>
+                      <a:prstDash val="solid"/>
+                      <a:headEnd type="none" w="med" len="med"/>
+                      <a:tailEnd type="none" w="med" len="med"/>
+                    </a:lnT>
+                    <a:lnB w="12700" cap="flat" cmpd="sng">
+                      <a:solidFill>
+                        <a:srgbClr val="080000"/>
+                      </a:solidFill>
+                      <a:prstDash val="solid"/>
+                      <a:headEnd type="none" w="med" len="med"/>
+                      <a:tailEnd type="none" w="med" len="med"/>
+                    </a:lnB>
+                    <a:lnTlToBr>
+                      <a:noFill/>
+                    </a:lnTlToBr>
+                    <a:lnBlToTr>
+                      <a:noFill/>
+                    </a:lnBlToTr>
+                    <a:noFill/>
+                  </a:tcPr>
+                </a:tc>
+                <a:tc>
+                  <a:txBody>
+                    <a:bodyPr/>
+                    <a:p>
+                      <a:pPr indent="0">
+                        <a:buNone/>
+                      </a:pPr>
+                      <a:r>
+                        <a:rPr lang="en-US" sz="2800" b="0">
+                          <a:latin typeface="Cantarell" panose="02000603000000000000" charset="0"/>
+                          <a:cs typeface="Cantarell" panose="02000603000000000000" charset="0"/>
+                        </a:rPr>
+                        <a:t>57</a:t>
+                      </a:r>
+                      <a:endParaRPr lang="en-US" sz="2800" b="0">
+                        <a:latin typeface="Cantarell" panose="02000603000000000000" charset="0"/>
+                        <a:ea typeface="Latin Modern Roman" panose="00000500000000000000" charset="0"/>
+                        <a:cs typeface="Cantarell" panose="02000603000000000000" charset="0"/>
+                      </a:endParaRPr>
+                    </a:p>
+                  </a:txBody>
+                  <a:tcPr marL="68580" marR="68580" marT="0" marB="0" vert="horz" anchor="t" anchorCtr="0">
+                    <a:lnL w="12700" cap="flat" cmpd="sng">
+                      <a:solidFill>
+                        <a:srgbClr val="080000"/>
+                      </a:solidFill>
+                      <a:prstDash val="solid"/>
+                      <a:headEnd type="none" w="med" len="med"/>
+                      <a:tailEnd type="none" w="med" len="med"/>
+                    </a:lnL>
+                    <a:lnR w="12700" cap="flat" cmpd="sng">
+                      <a:solidFill>
+                        <a:srgbClr val="080000"/>
+                      </a:solidFill>
+                      <a:prstDash val="solid"/>
+                      <a:headEnd type="none" w="med" len="med"/>
+                      <a:tailEnd type="none" w="med" len="med"/>
+                    </a:lnR>
+                    <a:lnT w="12700" cap="flat" cmpd="sng">
+                      <a:solidFill>
+                        <a:srgbClr val="080000"/>
+                      </a:solidFill>
+                      <a:prstDash val="solid"/>
+                      <a:headEnd type="none" w="med" len="med"/>
+                      <a:tailEnd type="none" w="med" len="med"/>
+                    </a:lnT>
+                    <a:lnB w="12700" cap="flat" cmpd="sng">
+                      <a:solidFill>
+                        <a:srgbClr val="080000"/>
+                      </a:solidFill>
+                      <a:prstDash val="solid"/>
+                      <a:headEnd type="none" w="med" len="med"/>
+                      <a:tailEnd type="none" w="med" len="med"/>
+                    </a:lnB>
+                    <a:lnTlToBr>
+                      <a:noFill/>
+                    </a:lnTlToBr>
+                    <a:lnBlToTr>
+                      <a:noFill/>
+                    </a:lnBlToTr>
+                    <a:noFill/>
+                  </a:tcPr>
+                </a:tc>
+                <a:tc>
+                  <a:txBody>
+                    <a:bodyPr/>
+                    <a:p>
+                      <a:pPr indent="0">
+                        <a:buNone/>
+                      </a:pPr>
+                      <a:r>
+                        <a:rPr lang="en-US" sz="2800" b="0">
+                          <a:latin typeface="Cantarell" panose="02000603000000000000" charset="0"/>
+                          <a:cs typeface="Cantarell" panose="02000603000000000000" charset="0"/>
+                        </a:rPr>
+                        <a:t>93</a:t>
+                      </a:r>
+                      <a:endParaRPr lang="en-US" sz="2800" b="0">
+                        <a:latin typeface="Cantarell" panose="02000603000000000000" charset="0"/>
+                        <a:ea typeface="Latin Modern Roman" panose="00000500000000000000" charset="0"/>
+                        <a:cs typeface="Cantarell" panose="02000603000000000000" charset="0"/>
+                      </a:endParaRPr>
+                    </a:p>
+                  </a:txBody>
+                  <a:tcPr marL="68580" marR="68580" marT="0" marB="0" vert="horz" anchor="t" anchorCtr="0">
+                    <a:lnL w="12700" cap="flat" cmpd="sng">
+                      <a:solidFill>
+                        <a:srgbClr val="080000"/>
+                      </a:solidFill>
+                      <a:prstDash val="solid"/>
+                      <a:headEnd type="none" w="med" len="med"/>
+                      <a:tailEnd type="none" w="med" len="med"/>
+                    </a:lnL>
+                    <a:lnR w="12700" cap="flat" cmpd="sng">
+                      <a:solidFill>
+                        <a:srgbClr val="080000"/>
+                      </a:solidFill>
+                      <a:prstDash val="solid"/>
+                      <a:headEnd type="none" w="med" len="med"/>
+                      <a:tailEnd type="none" w="med" len="med"/>
+                    </a:lnR>
+                    <a:lnT w="12700" cap="flat" cmpd="sng">
+                      <a:solidFill>
+                        <a:srgbClr val="080000"/>
+                      </a:solidFill>
+                      <a:prstDash val="solid"/>
+                      <a:headEnd type="none" w="med" len="med"/>
+                      <a:tailEnd type="none" w="med" len="med"/>
+                    </a:lnT>
+                    <a:lnB w="12700" cap="flat" cmpd="sng">
+                      <a:solidFill>
+                        <a:srgbClr val="080000"/>
+                      </a:solidFill>
+                      <a:prstDash val="solid"/>
+                      <a:headEnd type="none" w="med" len="med"/>
+                      <a:tailEnd type="none" w="med" len="med"/>
+                    </a:lnB>
+                    <a:lnTlToBr>
+                      <a:noFill/>
+                    </a:lnTlToBr>
+                    <a:lnBlToTr>
+                      <a:noFill/>
+                    </a:lnBlToTr>
+                    <a:noFill/>
+                  </a:tcPr>
+                </a:tc>
+              </a:tr>
+              <a:tr h="1022350">
+                <a:tc>
+                  <a:txBody>
+                    <a:bodyPr/>
+                    <a:p>
+                      <a:pPr indent="0">
+                        <a:buNone/>
+                      </a:pPr>
+                      <a:r>
+                        <a:rPr lang="en-US" sz="2800" b="0">
+                          <a:latin typeface="Cantarell" panose="02000603000000000000" charset="0"/>
+                          <a:cs typeface="Cantarell" panose="02000603000000000000" charset="0"/>
+                        </a:rPr>
+                        <a:t>Real data model prediction</a:t>
+                      </a:r>
+                      <a:endParaRPr lang="en-US" sz="2800" b="0">
+                        <a:latin typeface="Cantarell" panose="02000603000000000000" charset="0"/>
+                        <a:ea typeface="Latin Modern Roman" panose="00000500000000000000" charset="0"/>
+                        <a:cs typeface="Cantarell" panose="02000603000000000000" charset="0"/>
+                      </a:endParaRPr>
+                    </a:p>
+                  </a:txBody>
+                  <a:tcPr marL="68580" marR="68580" marT="0" marB="0" vert="horz" anchor="t" anchorCtr="0">
+                    <a:lnL w="12700" cap="flat" cmpd="sng">
+                      <a:solidFill>
+                        <a:srgbClr val="080000"/>
+                      </a:solidFill>
+                      <a:prstDash val="solid"/>
+                      <a:headEnd type="none" w="med" len="med"/>
+                      <a:tailEnd type="none" w="med" len="med"/>
+                    </a:lnL>
+                    <a:lnR w="12700" cap="flat" cmpd="sng">
+                      <a:solidFill>
+                        <a:srgbClr val="080000"/>
+                      </a:solidFill>
+                      <a:prstDash val="solid"/>
+                      <a:headEnd type="none" w="med" len="med"/>
+                      <a:tailEnd type="none" w="med" len="med"/>
+                    </a:lnR>
+                    <a:lnT w="12700" cap="flat" cmpd="sng">
+                      <a:solidFill>
+                        <a:srgbClr val="080000"/>
+                      </a:solidFill>
+                      <a:prstDash val="solid"/>
+                      <a:headEnd type="none" w="med" len="med"/>
+                      <a:tailEnd type="none" w="med" len="med"/>
+                    </a:lnT>
+                    <a:lnB w="12700" cap="flat" cmpd="sng">
+                      <a:solidFill>
+                        <a:srgbClr val="080000"/>
+                      </a:solidFill>
+                      <a:prstDash val="solid"/>
+                      <a:headEnd type="none" w="med" len="med"/>
+                      <a:tailEnd type="none" w="med" len="med"/>
+                    </a:lnB>
+                    <a:lnTlToBr>
+                      <a:noFill/>
+                    </a:lnTlToBr>
+                    <a:lnBlToTr>
+                      <a:noFill/>
+                    </a:lnBlToTr>
+                    <a:noFill/>
+                  </a:tcPr>
+                </a:tc>
+                <a:tc>
+                  <a:txBody>
+                    <a:bodyPr/>
+                    <a:p>
+                      <a:pPr indent="0">
+                        <a:buNone/>
+                      </a:pPr>
+                      <a:r>
+                        <a:rPr lang="en-US" sz="2800" b="0">
+                          <a:latin typeface="Cantarell" panose="02000603000000000000" charset="0"/>
+                          <a:cs typeface="Cantarell" panose="02000603000000000000" charset="0"/>
+                        </a:rPr>
+                        <a:t>56.816</a:t>
+                      </a:r>
+                      <a:endParaRPr lang="en-US" sz="2800" b="0">
+                        <a:latin typeface="Cantarell" panose="02000603000000000000" charset="0"/>
+                        <a:ea typeface="Latin Modern Roman" panose="00000500000000000000" charset="0"/>
+                        <a:cs typeface="Cantarell" panose="02000603000000000000" charset="0"/>
+                      </a:endParaRPr>
+                    </a:p>
+                  </a:txBody>
+                  <a:tcPr marL="68580" marR="68580" marT="0" marB="0" vert="horz" anchor="t" anchorCtr="0">
+                    <a:lnL w="12700" cap="flat" cmpd="sng">
+                      <a:solidFill>
+                        <a:srgbClr val="080000"/>
+                      </a:solidFill>
+                      <a:prstDash val="solid"/>
+                      <a:headEnd type="none" w="med" len="med"/>
+                      <a:tailEnd type="none" w="med" len="med"/>
+                    </a:lnL>
+                    <a:lnR w="12700" cap="flat" cmpd="sng">
+                      <a:solidFill>
+                        <a:srgbClr val="080000"/>
+                      </a:solidFill>
+                      <a:prstDash val="solid"/>
+                      <a:headEnd type="none" w="med" len="med"/>
+                      <a:tailEnd type="none" w="med" len="med"/>
+                    </a:lnR>
+                    <a:lnT w="12700" cap="flat" cmpd="sng">
+                      <a:solidFill>
+                        <a:srgbClr val="080000"/>
+                      </a:solidFill>
+                      <a:prstDash val="solid"/>
+                      <a:headEnd type="none" w="med" len="med"/>
+                      <a:tailEnd type="none" w="med" len="med"/>
+                    </a:lnT>
+                    <a:lnB w="12700" cap="flat" cmpd="sng">
+                      <a:solidFill>
+                        <a:srgbClr val="080000"/>
+                      </a:solidFill>
+                      <a:prstDash val="solid"/>
+                      <a:headEnd type="none" w="med" len="med"/>
+                      <a:tailEnd type="none" w="med" len="med"/>
+                    </a:lnB>
+                    <a:lnTlToBr>
+                      <a:noFill/>
+                    </a:lnTlToBr>
+                    <a:lnBlToTr>
+                      <a:noFill/>
+                    </a:lnBlToTr>
+                    <a:noFill/>
+                  </a:tcPr>
+                </a:tc>
+                <a:tc>
+                  <a:txBody>
+                    <a:bodyPr/>
+                    <a:p>
+                      <a:pPr indent="0">
+                        <a:buNone/>
+                      </a:pPr>
+                      <a:r>
+                        <a:rPr lang="en-US" sz="2800" b="0">
+                          <a:latin typeface="Cantarell" panose="02000603000000000000" charset="0"/>
+                          <a:cs typeface="Cantarell" panose="02000603000000000000" charset="0"/>
+                        </a:rPr>
+                        <a:t>56.816</a:t>
+                      </a:r>
+                      <a:endParaRPr lang="en-US" sz="2800" b="0">
+                        <a:latin typeface="Cantarell" panose="02000603000000000000" charset="0"/>
+                        <a:ea typeface="Latin Modern Roman" panose="00000500000000000000" charset="0"/>
+                        <a:cs typeface="Cantarell" panose="02000603000000000000" charset="0"/>
+                      </a:endParaRPr>
+                    </a:p>
+                  </a:txBody>
+                  <a:tcPr marL="68580" marR="68580" marT="0" marB="0" vert="horz" anchor="t" anchorCtr="0">
+                    <a:lnL w="12700" cap="flat" cmpd="sng">
+                      <a:solidFill>
+                        <a:srgbClr val="080000"/>
+                      </a:solidFill>
+                      <a:prstDash val="solid"/>
+                      <a:headEnd type="none" w="med" len="med"/>
+                      <a:tailEnd type="none" w="med" len="med"/>
+                    </a:lnL>
+                    <a:lnR w="12700" cap="flat" cmpd="sng">
+                      <a:solidFill>
+                        <a:srgbClr val="080000"/>
+                      </a:solidFill>
+                      <a:prstDash val="solid"/>
+                      <a:headEnd type="none" w="med" len="med"/>
+                      <a:tailEnd type="none" w="med" len="med"/>
+                    </a:lnR>
+                    <a:lnT w="12700" cap="flat" cmpd="sng">
+                      <a:solidFill>
+                        <a:srgbClr val="080000"/>
+                      </a:solidFill>
+                      <a:prstDash val="solid"/>
+                      <a:headEnd type="none" w="med" len="med"/>
+                      <a:tailEnd type="none" w="med" len="med"/>
+                    </a:lnT>
+                    <a:lnB w="12700" cap="flat" cmpd="sng">
+                      <a:solidFill>
+                        <a:srgbClr val="080000"/>
+                      </a:solidFill>
+                      <a:prstDash val="solid"/>
+                      <a:headEnd type="none" w="med" len="med"/>
+                      <a:tailEnd type="none" w="med" len="med"/>
+                    </a:lnB>
+                    <a:lnTlToBr>
+                      <a:noFill/>
+                    </a:lnTlToBr>
+                    <a:lnBlToTr>
+                      <a:noFill/>
+                    </a:lnBlToTr>
+                    <a:noFill/>
+                  </a:tcPr>
+                </a:tc>
+                <a:tc>
+                  <a:txBody>
+                    <a:bodyPr/>
+                    <a:p>
+                      <a:pPr indent="0">
+                        <a:buNone/>
+                      </a:pPr>
+                      <a:r>
+                        <a:rPr lang="en-US" sz="2800" b="0">
+                          <a:latin typeface="Cantarell" panose="02000603000000000000" charset="0"/>
+                          <a:cs typeface="Cantarell" panose="02000603000000000000" charset="0"/>
+                        </a:rPr>
+                        <a:t>56.816</a:t>
+                      </a:r>
+                      <a:endParaRPr lang="en-US" sz="2800" b="0">
+                        <a:latin typeface="Cantarell" panose="02000603000000000000" charset="0"/>
+                        <a:ea typeface="Latin Modern Roman" panose="00000500000000000000" charset="0"/>
+                        <a:cs typeface="Cantarell" panose="02000603000000000000" charset="0"/>
+                      </a:endParaRPr>
+                    </a:p>
+                  </a:txBody>
+                  <a:tcPr marL="68580" marR="68580" marT="0" marB="0" vert="horz" anchor="t" anchorCtr="0">
+                    <a:lnL w="12700" cap="flat" cmpd="sng">
+                      <a:solidFill>
+                        <a:srgbClr val="080000"/>
+                      </a:solidFill>
+                      <a:prstDash val="solid"/>
+                      <a:headEnd type="none" w="med" len="med"/>
+                      <a:tailEnd type="none" w="med" len="med"/>
+                    </a:lnL>
+                    <a:lnR w="12700" cap="flat" cmpd="sng">
+                      <a:solidFill>
+                        <a:srgbClr val="080000"/>
+                      </a:solidFill>
+                      <a:prstDash val="solid"/>
+                      <a:headEnd type="none" w="med" len="med"/>
+                      <a:tailEnd type="none" w="med" len="med"/>
+                    </a:lnR>
+                    <a:lnT w="12700" cap="flat" cmpd="sng">
+                      <a:solidFill>
+                        <a:srgbClr val="080000"/>
+                      </a:solidFill>
+                      <a:prstDash val="solid"/>
+                      <a:headEnd type="none" w="med" len="med"/>
+                      <a:tailEnd type="none" w="med" len="med"/>
+                    </a:lnT>
+                    <a:lnB w="12700" cap="flat" cmpd="sng">
+                      <a:solidFill>
+                        <a:srgbClr val="080000"/>
+                      </a:solidFill>
+                      <a:prstDash val="solid"/>
+                      <a:headEnd type="none" w="med" len="med"/>
+                      <a:tailEnd type="none" w="med" len="med"/>
+                    </a:lnB>
+                    <a:lnTlToBr>
+                      <a:noFill/>
+                    </a:lnTlToBr>
+                    <a:lnBlToTr>
+                      <a:noFill/>
+                    </a:lnBlToTr>
+                    <a:noFill/>
+                  </a:tcPr>
+                </a:tc>
+                <a:tc>
+                  <a:txBody>
+                    <a:bodyPr/>
+                    <a:p>
+                      <a:pPr indent="0">
+                        <a:buNone/>
+                      </a:pPr>
+                      <a:r>
+                        <a:rPr lang="en-US" sz="2800" b="0">
+                          <a:latin typeface="Cantarell" panose="02000603000000000000" charset="0"/>
+                          <a:cs typeface="Cantarell" panose="02000603000000000000" charset="0"/>
+                        </a:rPr>
+                        <a:t>56.816</a:t>
+                      </a:r>
+                      <a:endParaRPr lang="en-US" sz="2800" b="0">
+                        <a:latin typeface="Cantarell" panose="02000603000000000000" charset="0"/>
+                        <a:ea typeface="Latin Modern Roman" panose="00000500000000000000" charset="0"/>
+                        <a:cs typeface="Cantarell" panose="02000603000000000000" charset="0"/>
+                      </a:endParaRPr>
+                    </a:p>
+                  </a:txBody>
+                  <a:tcPr marL="68580" marR="68580" marT="0" marB="0" vert="horz" anchor="t" anchorCtr="0">
+                    <a:lnL w="12700" cap="flat" cmpd="sng">
+                      <a:solidFill>
+                        <a:srgbClr val="080000"/>
+                      </a:solidFill>
+                      <a:prstDash val="solid"/>
+                      <a:headEnd type="none" w="med" len="med"/>
+                      <a:tailEnd type="none" w="med" len="med"/>
+                    </a:lnL>
+                    <a:lnR w="12700" cap="flat" cmpd="sng">
+                      <a:solidFill>
+                        <a:srgbClr val="080000"/>
+                      </a:solidFill>
+                      <a:prstDash val="solid"/>
+                      <a:headEnd type="none" w="med" len="med"/>
+                      <a:tailEnd type="none" w="med" len="med"/>
+                    </a:lnR>
+                    <a:lnT w="12700" cap="flat" cmpd="sng">
+                      <a:solidFill>
+                        <a:srgbClr val="080000"/>
+                      </a:solidFill>
+                      <a:prstDash val="solid"/>
+                      <a:headEnd type="none" w="med" len="med"/>
+                      <a:tailEnd type="none" w="med" len="med"/>
+                    </a:lnT>
+                    <a:lnB w="12700" cap="flat" cmpd="sng">
+                      <a:solidFill>
+                        <a:srgbClr val="080000"/>
+                      </a:solidFill>
+                      <a:prstDash val="solid"/>
+                      <a:headEnd type="none" w="med" len="med"/>
+                      <a:tailEnd type="none" w="med" len="med"/>
+                    </a:lnB>
+                    <a:lnTlToBr>
+                      <a:noFill/>
+                    </a:lnTlToBr>
+                    <a:lnBlToTr>
+                      <a:noFill/>
+                    </a:lnBlToTr>
+                    <a:noFill/>
+                  </a:tcPr>
+                </a:tc>
+              </a:tr>
+              <a:tr h="1022350">
+                <a:tc>
+                  <a:txBody>
+                    <a:bodyPr/>
+                    <a:p>
+                      <a:pPr indent="0">
+                        <a:buNone/>
+                      </a:pPr>
+                      <a:r>
+                        <a:rPr lang="en-US" sz="2800" b="0">
+                          <a:latin typeface="Cantarell" panose="02000603000000000000" charset="0"/>
+                          <a:cs typeface="Cantarell" panose="02000603000000000000" charset="0"/>
+                        </a:rPr>
+                        <a:t>Artificial data model prediction</a:t>
+                      </a:r>
+                      <a:endParaRPr lang="en-US" sz="2800" b="0">
+                        <a:latin typeface="Cantarell" panose="02000603000000000000" charset="0"/>
+                        <a:ea typeface="Latin Modern Roman" panose="00000500000000000000" charset="0"/>
+                        <a:cs typeface="Cantarell" panose="02000603000000000000" charset="0"/>
+                      </a:endParaRPr>
+                    </a:p>
+                  </a:txBody>
+                  <a:tcPr marL="68580" marR="68580" marT="0" marB="0" vert="horz" anchor="t" anchorCtr="0">
+                    <a:lnL w="12700" cap="flat" cmpd="sng">
+                      <a:solidFill>
+                        <a:srgbClr val="080000"/>
+                      </a:solidFill>
+                      <a:prstDash val="solid"/>
+                      <a:headEnd type="none" w="med" len="med"/>
+                      <a:tailEnd type="none" w="med" len="med"/>
+                    </a:lnL>
+                    <a:lnR w="12700" cap="flat" cmpd="sng">
+                      <a:solidFill>
+                        <a:srgbClr val="080000"/>
+                      </a:solidFill>
+                      <a:prstDash val="solid"/>
+                      <a:headEnd type="none" w="med" len="med"/>
+                      <a:tailEnd type="none" w="med" len="med"/>
+                    </a:lnR>
+                    <a:lnT w="12700" cap="flat" cmpd="sng">
+                      <a:solidFill>
+                        <a:srgbClr val="080000"/>
+                      </a:solidFill>
+                      <a:prstDash val="solid"/>
+                      <a:headEnd type="none" w="med" len="med"/>
+                      <a:tailEnd type="none" w="med" len="med"/>
+                    </a:lnT>
+                    <a:lnB w="12700" cap="flat" cmpd="sng">
+                      <a:solidFill>
+                        <a:srgbClr val="080000"/>
+                      </a:solidFill>
+                      <a:prstDash val="solid"/>
+                      <a:headEnd type="none" w="med" len="med"/>
+                      <a:tailEnd type="none" w="med" len="med"/>
+                    </a:lnB>
+                    <a:lnTlToBr>
+                      <a:noFill/>
+                    </a:lnTlToBr>
+                    <a:lnBlToTr>
+                      <a:noFill/>
+                    </a:lnBlToTr>
+                    <a:noFill/>
+                  </a:tcPr>
+                </a:tc>
+                <a:tc>
+                  <a:txBody>
+                    <a:bodyPr/>
+                    <a:p>
+                      <a:pPr indent="0">
+                        <a:buNone/>
+                      </a:pPr>
+                      <a:r>
+                        <a:rPr lang="en-US" sz="2800" b="0">
+                          <a:latin typeface="Cantarell" panose="02000603000000000000" charset="0"/>
+                          <a:cs typeface="Cantarell" panose="02000603000000000000" charset="0"/>
+                        </a:rPr>
+                        <a:t>46.979</a:t>
+                      </a:r>
+                      <a:endParaRPr lang="en-US" sz="2800" b="0">
+                        <a:latin typeface="Cantarell" panose="02000603000000000000" charset="0"/>
+                        <a:ea typeface="Latin Modern Roman" panose="00000500000000000000" charset="0"/>
+                        <a:cs typeface="Cantarell" panose="02000603000000000000" charset="0"/>
+                      </a:endParaRPr>
+                    </a:p>
+                  </a:txBody>
+                  <a:tcPr marL="68580" marR="68580" marT="0" marB="0" vert="horz" anchor="t" anchorCtr="0">
+                    <a:lnL w="12700" cap="flat" cmpd="sng">
+                      <a:solidFill>
+                        <a:srgbClr val="080000"/>
+                      </a:solidFill>
+                      <a:prstDash val="solid"/>
+                      <a:headEnd type="none" w="med" len="med"/>
+                      <a:tailEnd type="none" w="med" len="med"/>
+                    </a:lnL>
+                    <a:lnR w="12700" cap="flat" cmpd="sng">
+                      <a:solidFill>
+                        <a:srgbClr val="080000"/>
+                      </a:solidFill>
+                      <a:prstDash val="solid"/>
+                      <a:headEnd type="none" w="med" len="med"/>
+                      <a:tailEnd type="none" w="med" len="med"/>
+                    </a:lnR>
+                    <a:lnT w="12700" cap="flat" cmpd="sng">
+                      <a:solidFill>
+                        <a:srgbClr val="080000"/>
+                      </a:solidFill>
+                      <a:prstDash val="solid"/>
+                      <a:headEnd type="none" w="med" len="med"/>
+                      <a:tailEnd type="none" w="med" len="med"/>
+                    </a:lnT>
+                    <a:lnB w="12700" cap="flat" cmpd="sng">
+                      <a:solidFill>
+                        <a:srgbClr val="080000"/>
+                      </a:solidFill>
+                      <a:prstDash val="solid"/>
+                      <a:headEnd type="none" w="med" len="med"/>
+                      <a:tailEnd type="none" w="med" len="med"/>
+                    </a:lnB>
+                    <a:lnTlToBr>
+                      <a:noFill/>
+                    </a:lnTlToBr>
+                    <a:lnBlToTr>
+                      <a:noFill/>
+                    </a:lnBlToTr>
+                    <a:noFill/>
+                  </a:tcPr>
+                </a:tc>
+                <a:tc>
+                  <a:txBody>
+                    <a:bodyPr/>
+                    <a:p>
+                      <a:pPr indent="0">
+                        <a:buNone/>
+                      </a:pPr>
+                      <a:r>
+                        <a:rPr lang="en-US" sz="2800" b="0">
+                          <a:latin typeface="Cantarell" panose="02000603000000000000" charset="0"/>
+                          <a:cs typeface="Cantarell" panose="02000603000000000000" charset="0"/>
+                        </a:rPr>
+                        <a:t>46.979</a:t>
+                      </a:r>
+                      <a:endParaRPr lang="en-US" sz="2800" b="0">
+                        <a:latin typeface="Cantarell" panose="02000603000000000000" charset="0"/>
+                        <a:ea typeface="Latin Modern Roman" panose="00000500000000000000" charset="0"/>
+                        <a:cs typeface="Cantarell" panose="02000603000000000000" charset="0"/>
+                      </a:endParaRPr>
+                    </a:p>
+                  </a:txBody>
+                  <a:tcPr marL="68580" marR="68580" marT="0" marB="0" vert="horz" anchor="t" anchorCtr="0">
+                    <a:lnL w="12700" cap="flat" cmpd="sng">
+                      <a:solidFill>
+                        <a:srgbClr val="080000"/>
+                      </a:solidFill>
+                      <a:prstDash val="solid"/>
+                      <a:headEnd type="none" w="med" len="med"/>
+                      <a:tailEnd type="none" w="med" len="med"/>
+                    </a:lnL>
+                    <a:lnR w="12700" cap="flat" cmpd="sng">
+                      <a:solidFill>
+                        <a:srgbClr val="080000"/>
+                      </a:solidFill>
+                      <a:prstDash val="solid"/>
+                      <a:headEnd type="none" w="med" len="med"/>
+                      <a:tailEnd type="none" w="med" len="med"/>
+                    </a:lnR>
+                    <a:lnT w="12700" cap="flat" cmpd="sng">
+                      <a:solidFill>
+                        <a:srgbClr val="080000"/>
+                      </a:solidFill>
+                      <a:prstDash val="solid"/>
+                      <a:headEnd type="none" w="med" len="med"/>
+                      <a:tailEnd type="none" w="med" len="med"/>
+                    </a:lnT>
+                    <a:lnB w="12700" cap="flat" cmpd="sng">
+                      <a:solidFill>
+                        <a:srgbClr val="080000"/>
+                      </a:solidFill>
+                      <a:prstDash val="solid"/>
+                      <a:headEnd type="none" w="med" len="med"/>
+                      <a:tailEnd type="none" w="med" len="med"/>
+                    </a:lnB>
+                    <a:lnTlToBr>
+                      <a:noFill/>
+                    </a:lnTlToBr>
+                    <a:lnBlToTr>
+                      <a:noFill/>
+                    </a:lnBlToTr>
+                    <a:noFill/>
+                  </a:tcPr>
+                </a:tc>
+                <a:tc>
+                  <a:txBody>
+                    <a:bodyPr/>
+                    <a:p>
+                      <a:pPr indent="0">
+                        <a:buNone/>
+                      </a:pPr>
+                      <a:r>
+                        <a:rPr lang="en-US" sz="2800" b="0">
+                          <a:latin typeface="Cantarell" panose="02000603000000000000" charset="0"/>
+                          <a:cs typeface="Cantarell" panose="02000603000000000000" charset="0"/>
+                        </a:rPr>
+                        <a:t>46.979</a:t>
+                      </a:r>
+                      <a:endParaRPr lang="en-US" sz="2800" b="0">
+                        <a:latin typeface="Cantarell" panose="02000603000000000000" charset="0"/>
+                        <a:ea typeface="Latin Modern Roman" panose="00000500000000000000" charset="0"/>
+                        <a:cs typeface="Cantarell" panose="02000603000000000000" charset="0"/>
+                      </a:endParaRPr>
+                    </a:p>
+                  </a:txBody>
+                  <a:tcPr marL="68580" marR="68580" marT="0" marB="0" vert="horz" anchor="t" anchorCtr="0">
+                    <a:lnL w="12700" cap="flat" cmpd="sng">
+                      <a:solidFill>
+                        <a:srgbClr val="080000"/>
+                      </a:solidFill>
+                      <a:prstDash val="solid"/>
+                      <a:headEnd type="none" w="med" len="med"/>
+                      <a:tailEnd type="none" w="med" len="med"/>
+                    </a:lnL>
+                    <a:lnR w="12700" cap="flat" cmpd="sng">
+                      <a:solidFill>
+                        <a:srgbClr val="080000"/>
+                      </a:solidFill>
+                      <a:prstDash val="solid"/>
+                      <a:headEnd type="none" w="med" len="med"/>
+                      <a:tailEnd type="none" w="med" len="med"/>
+                    </a:lnR>
+                    <a:lnT w="12700" cap="flat" cmpd="sng">
+                      <a:solidFill>
+                        <a:srgbClr val="080000"/>
+                      </a:solidFill>
+                      <a:prstDash val="solid"/>
+                      <a:headEnd type="none" w="med" len="med"/>
+                      <a:tailEnd type="none" w="med" len="med"/>
+                    </a:lnT>
+                    <a:lnB w="12700" cap="flat" cmpd="sng">
+                      <a:solidFill>
+                        <a:srgbClr val="080000"/>
+                      </a:solidFill>
+                      <a:prstDash val="solid"/>
+                      <a:headEnd type="none" w="med" len="med"/>
+                      <a:tailEnd type="none" w="med" len="med"/>
+                    </a:lnB>
+                    <a:lnTlToBr>
+                      <a:noFill/>
+                    </a:lnTlToBr>
+                    <a:lnBlToTr>
+                      <a:noFill/>
+                    </a:lnBlToTr>
+                    <a:noFill/>
+                  </a:tcPr>
+                </a:tc>
+                <a:tc>
+                  <a:txBody>
+                    <a:bodyPr/>
+                    <a:p>
+                      <a:pPr indent="0">
+                        <a:buNone/>
+                      </a:pPr>
+                      <a:r>
+                        <a:rPr lang="en-US" sz="2800" b="0">
+                          <a:latin typeface="Cantarell" panose="02000603000000000000" charset="0"/>
+                          <a:cs typeface="Cantarell" panose="02000603000000000000" charset="0"/>
+                        </a:rPr>
+                        <a:t>46.979</a:t>
+                      </a:r>
+                      <a:endParaRPr lang="en-US" sz="2800" b="0">
+                        <a:latin typeface="Cantarell" panose="02000603000000000000" charset="0"/>
+                        <a:ea typeface="Latin Modern Roman" panose="00000500000000000000" charset="0"/>
+                        <a:cs typeface="Cantarell" panose="02000603000000000000" charset="0"/>
+                      </a:endParaRPr>
+                    </a:p>
+                  </a:txBody>
+                  <a:tcPr marL="68580" marR="68580" marT="0" marB="0" vert="horz" anchor="t" anchorCtr="0">
+                    <a:lnL w="12700" cap="flat" cmpd="sng">
+                      <a:solidFill>
+                        <a:srgbClr val="080000"/>
+                      </a:solidFill>
+                      <a:prstDash val="solid"/>
+                      <a:headEnd type="none" w="med" len="med"/>
+                      <a:tailEnd type="none" w="med" len="med"/>
+                    </a:lnL>
+                    <a:lnR w="12700" cap="flat" cmpd="sng">
+                      <a:solidFill>
+                        <a:srgbClr val="080000"/>
+                      </a:solidFill>
+                      <a:prstDash val="solid"/>
+                      <a:headEnd type="none" w="med" len="med"/>
+                      <a:tailEnd type="none" w="med" len="med"/>
+                    </a:lnR>
+                    <a:lnT w="12700" cap="flat" cmpd="sng">
+                      <a:solidFill>
+                        <a:srgbClr val="080000"/>
+                      </a:solidFill>
+                      <a:prstDash val="solid"/>
+                      <a:headEnd type="none" w="med" len="med"/>
+                      <a:tailEnd type="none" w="med" len="med"/>
+                    </a:lnT>
+                    <a:lnB w="12700" cap="flat" cmpd="sng">
+                      <a:solidFill>
+                        <a:srgbClr val="080000"/>
+                      </a:solidFill>
+                      <a:prstDash val="solid"/>
+                      <a:headEnd type="none" w="med" len="med"/>
+                      <a:tailEnd type="none" w="med" len="med"/>
+                    </a:lnB>
+                    <a:lnTlToBr>
+                      <a:noFill/>
+                    </a:lnTlToBr>
+                    <a:lnBlToTr>
+                      <a:noFill/>
+                    </a:lnBlToTr>
+                    <a:noFill/>
+                  </a:tcPr>
+                </a:tc>
+              </a:tr>
+            </a:tbl>
+          </a:graphicData>
+        </a:graphic>
+      </p:graphicFrame>
+    </p:spTree>
+  </p:cSld>
+  <p:clrMapOvr>
+    <a:masterClrMapping/>
+  </p:clrMapOvr>
+</p:sld>
+</file>
+
+<file path=ppt/slides/slide69.xml><?xml version="1.0" encoding="utf-8"?>
+<p:sld xmlns:a="http://schemas.openxmlformats.org/drawingml/2006/main" xmlns:r="http://schemas.openxmlformats.org/officeDocument/2006/relationships" xmlns:p="http://schemas.openxmlformats.org/presentationml/2006/main">
+  <p:cSld>
+    <p:spTree>
+      <p:nvGrpSpPr>
+        <p:cNvPr id="1" name=""/>
+        <p:cNvGrpSpPr/>
+        <p:nvPr/>
+      </p:nvGrpSpPr>
+      <p:grpSpPr/>
+      <p:sp>
+        <p:nvSpPr>
+          <p:cNvPr id="2" name="Title 1"/>
+          <p:cNvSpPr>
+            <a:spLocks noGrp="1"/>
+          </p:cNvSpPr>
+          <p:nvPr>
+            <p:ph type="title"/>
+          </p:nvPr>
+        </p:nvSpPr>
+        <p:spPr>
+          <a:xfrm>
+            <a:off x="482600" y="907415"/>
+            <a:ext cx="11220450" cy="624205"/>
+          </a:xfrm>
+        </p:spPr>
+        <p:txBody>
+          <a:bodyPr>
+            <a:normAutofit/>
+          </a:bodyPr>
+          <a:p>
+            <a:pPr algn="ctr"/>
+            <a:r>
+              <a:rPr lang="" altLang="en-US">
+                <a:latin typeface="Cantarell" panose="02000603000000000000" charset="0"/>
+                <a:cs typeface="Cantarell" panose="02000603000000000000" charset="0"/>
+              </a:rPr>
+              <a:t>CONCLUSION</a:t>
+            </a:r>
+            <a:endParaRPr lang="" altLang="en-US">
+              <a:latin typeface="Cantarell" panose="02000603000000000000" charset="0"/>
+              <a:cs typeface="Cantarell" panose="02000603000000000000" charset="0"/>
+            </a:endParaRPr>
+          </a:p>
+        </p:txBody>
+      </p:sp>
+      <p:sp>
+        <p:nvSpPr>
+          <p:cNvPr id="3" name="Content Placeholder 2"/>
+          <p:cNvSpPr>
+            <a:spLocks noGrp="1"/>
+          </p:cNvSpPr>
+          <p:nvPr>
+            <p:ph idx="1"/>
+          </p:nvPr>
+        </p:nvSpPr>
+        <p:spPr>
+          <a:xfrm>
+            <a:off x="482600" y="1776730"/>
+            <a:ext cx="11221720" cy="4819650"/>
+          </a:xfrm>
+        </p:spPr>
+        <p:txBody>
+          <a:bodyPr/>
+          <a:p>
+            <a:pPr lvl="0">
+              <a:lnSpc>
+                <a:spcPct val="150000"/>
+              </a:lnSpc>
+            </a:pPr>
+            <a:r>
+              <a:rPr lang="" altLang="en-US" sz="2800" b="1">
+                <a:latin typeface="Laksaman" panose="020B0500040200020003" charset="0"/>
+                <a:cs typeface="Laksaman" panose="020B0500040200020003" charset="0"/>
+                <a:sym typeface="+mn-ea"/>
+              </a:rPr>
+              <a:t>Behaviour - mean response</a:t>
+            </a:r>
+            <a:endParaRPr altLang="en-US" sz="2800" b="1">
+              <a:latin typeface="Laksaman" panose="020B0500040200020003" charset="0"/>
+              <a:cs typeface="Laksaman" panose="020B0500040200020003" charset="0"/>
+              <a:sym typeface="+mn-ea"/>
+            </a:endParaRPr>
+          </a:p>
+          <a:p>
+            <a:pPr lvl="0">
+              <a:lnSpc>
+                <a:spcPct val="150000"/>
+              </a:lnSpc>
+            </a:pPr>
+            <a:r>
+              <a:rPr lang="" altLang="en-US" sz="2800" b="1">
+                <a:latin typeface="Laksaman" panose="020B0500040200020003" charset="0"/>
+                <a:cs typeface="Laksaman" panose="020B0500040200020003" charset="0"/>
+                <a:sym typeface="+mn-ea"/>
+              </a:rPr>
+              <a:t>Independent variable X - student characteristics (predictor)</a:t>
+            </a:r>
+            <a:endParaRPr lang="" altLang="en-US" sz="2800" b="1">
+              <a:latin typeface="Laksaman" panose="020B0500040200020003" charset="0"/>
+              <a:cs typeface="Laksaman" panose="020B0500040200020003" charset="0"/>
+              <a:sym typeface="+mn-ea"/>
+            </a:endParaRPr>
+          </a:p>
+          <a:p>
+            <a:pPr lvl="0">
+              <a:lnSpc>
+                <a:spcPct val="150000"/>
+              </a:lnSpc>
+            </a:pPr>
+            <a:r>
+              <a:rPr lang="" altLang="en-US" sz="2800" b="1">
+                <a:latin typeface="Laksaman" panose="020B0500040200020003" charset="0"/>
+                <a:cs typeface="Laksaman" panose="020B0500040200020003" charset="0"/>
+                <a:sym typeface="+mn-ea"/>
+              </a:rPr>
+              <a:t>Dependent variable Y - exam mean marks (criterion)</a:t>
+            </a:r>
+            <a:endParaRPr lang="" altLang="en-US" sz="2800" b="1">
+              <a:latin typeface="Laksaman" panose="020B0500040200020003" charset="0"/>
+              <a:cs typeface="Laksaman" panose="020B0500040200020003" charset="0"/>
+              <a:sym typeface="+mn-ea"/>
+            </a:endParaRPr>
+          </a:p>
+          <a:p>
+            <a:pPr lvl="0">
+              <a:lnSpc>
+                <a:spcPct val="150000"/>
+              </a:lnSpc>
+            </a:pPr>
+            <a:r>
+              <a:rPr altLang="en-US" sz="2800" b="1">
+                <a:latin typeface="Laksaman" panose="020B0500040200020003" charset="0"/>
+                <a:cs typeface="Laksaman" panose="020B0500040200020003" charset="0"/>
+                <a:sym typeface="+mn-ea"/>
+              </a:rPr>
+              <a:t>The mean of the predicted values (Y’) is equal to the mean of the actual values (Y).</a:t>
+            </a:r>
+            <a:endParaRPr altLang="en-US" sz="2800" b="1">
               <a:latin typeface="Laksaman" panose="020B0500040200020003" charset="0"/>
               <a:cs typeface="Laksaman" panose="020B0500040200020003" charset="0"/>
               <a:sym typeface="+mn-ea"/>
@@ -17776,16 +23859,9 @@
                 <a:latin typeface="Cantarell" panose="02000603000000000000" charset="0"/>
                 <a:cs typeface="Cantarell" panose="02000603000000000000" charset="0"/>
               </a:rPr>
-              <a:t>PRO</a:t>
-            </a:r>
-            <a:r>
-              <a:rPr lang="" altLang="en-US">
-                <a:latin typeface="Cantarell" panose="02000603000000000000" charset="0"/>
-                <a:cs typeface="Cantarell" panose="02000603000000000000" charset="0"/>
-              </a:rPr>
-              <a:t>POSED SOLUTION</a:t>
-            </a:r>
-            <a:endParaRPr lang="" altLang="en-US">
+              <a:t>PROPOSED SOLUTION</a:t>
+            </a:r>
+            <a:endParaRPr lang="en-US" altLang="en-US">
               <a:latin typeface="Cantarell" panose="02000603000000000000" charset="0"/>
               <a:cs typeface="Cantarell" panose="02000603000000000000" charset="0"/>
             </a:endParaRPr>
@@ -17822,7 +23898,23 @@
                 <a:cs typeface="Laksaman" panose="020B0500040200020003" charset="0"/>
                 <a:sym typeface="+mn-ea"/>
               </a:rPr>
-              <a:t>Generation of artificial data based prediction models </a:t>
+              <a:t>This research project has brought about the development of an application that </a:t>
+            </a:r>
+            <a:r>
+              <a:rPr lang="" altLang="en-US" sz="2800" b="1">
+                <a:latin typeface="Laksaman" panose="020B0500040200020003" charset="0"/>
+                <a:cs typeface="Laksaman" panose="020B0500040200020003" charset="0"/>
+                <a:sym typeface="+mn-ea"/>
+              </a:rPr>
+              <a:t>aids in</a:t>
+            </a:r>
+            <a:r>
+              <a:rPr sz="2800" b="1">
+                <a:latin typeface="Laksaman" panose="020B0500040200020003" charset="0"/>
+                <a:cs typeface="Laksaman" panose="020B0500040200020003" charset="0"/>
+                <a:sym typeface="+mn-ea"/>
+              </a:rPr>
+              <a:t> the generation artificial datasets  </a:t>
             </a:r>
             <a:endParaRPr sz="2800" b="1">
               <a:latin typeface="Laksaman" panose="020B0500040200020003" charset="0"/>
@@ -17845,6 +23937,1106 @@
               <a:t>Artificially generated data will bridge information gaps</a:t>
             </a:r>
             <a:endParaRPr sz="2800" b="1">
+              <a:latin typeface="Laksaman" panose="020B0500040200020003" charset="0"/>
+              <a:cs typeface="Laksaman" panose="020B0500040200020003" charset="0"/>
+              <a:sym typeface="+mn-ea"/>
+            </a:endParaRPr>
+          </a:p>
+        </p:txBody>
+      </p:sp>
+    </p:spTree>
+  </p:cSld>
+  <p:clrMapOvr>
+    <a:masterClrMapping/>
+  </p:clrMapOvr>
+</p:sld>
+</file>
+
+<file path=ppt/slides/slide70.xml><?xml version="1.0" encoding="utf-8"?>
+<p:sld xmlns:a="http://schemas.openxmlformats.org/drawingml/2006/main" xmlns:r="http://schemas.openxmlformats.org/officeDocument/2006/relationships" xmlns:p="http://schemas.openxmlformats.org/presentationml/2006/main">
+  <p:cSld>
+    <p:spTree>
+      <p:nvGrpSpPr>
+        <p:cNvPr id="1" name=""/>
+        <p:cNvGrpSpPr/>
+        <p:nvPr/>
+      </p:nvGrpSpPr>
+      <p:grpSpPr/>
+      <p:sp>
+        <p:nvSpPr>
+          <p:cNvPr id="2" name="Title 1"/>
+          <p:cNvSpPr>
+            <a:spLocks noGrp="1"/>
+          </p:cNvSpPr>
+          <p:nvPr>
+            <p:ph type="title"/>
+          </p:nvPr>
+        </p:nvSpPr>
+        <p:spPr>
+          <a:xfrm>
+            <a:off x="485775" y="575945"/>
+            <a:ext cx="11220450" cy="624205"/>
+          </a:xfrm>
+        </p:spPr>
+        <p:txBody>
+          <a:bodyPr>
+            <a:normAutofit/>
+          </a:bodyPr>
+          <a:p>
+            <a:pPr algn="ctr"/>
+            <a:r>
+              <a:rPr lang="en-US" altLang="en-US">
+                <a:latin typeface="Cantarell" panose="02000603000000000000" charset="0"/>
+                <a:cs typeface="Cantarell" panose="02000603000000000000" charset="0"/>
+              </a:rPr>
+              <a:t>CONCLUSION</a:t>
+            </a:r>
+            <a:endParaRPr lang="en-US" altLang="en-US">
+              <a:latin typeface="Cantarell" panose="02000603000000000000" charset="0"/>
+              <a:cs typeface="Cantarell" panose="02000603000000000000" charset="0"/>
+            </a:endParaRPr>
+          </a:p>
+        </p:txBody>
+      </p:sp>
+      <p:sp>
+        <p:nvSpPr>
+          <p:cNvPr id="3" name="Content Placeholder 2"/>
+          <p:cNvSpPr>
+            <a:spLocks noGrp="1"/>
+          </p:cNvSpPr>
+          <p:nvPr>
+            <p:ph idx="1"/>
+          </p:nvPr>
+        </p:nvSpPr>
+        <p:spPr>
+          <a:xfrm>
+            <a:off x="482600" y="1304925"/>
+            <a:ext cx="11221720" cy="5291455"/>
+          </a:xfrm>
+        </p:spPr>
+        <p:txBody>
+          <a:bodyPr/>
+          <a:p>
+            <a:pPr lvl="0">
+              <a:lnSpc>
+                <a:spcPct val="150000"/>
+              </a:lnSpc>
+            </a:pPr>
+            <a:r>
+              <a:rPr lang="" altLang="en-US" sz="2800" b="1">
+                <a:latin typeface="Laksaman" panose="020B0500040200020003" charset="0"/>
+                <a:cs typeface="Laksaman" panose="020B0500040200020003" charset="0"/>
+                <a:sym typeface="+mn-ea"/>
+              </a:rPr>
+              <a:t>Artificial dataset performs better and is more dependable</a:t>
+            </a:r>
+            <a:endParaRPr altLang="en-US" sz="2800" b="1">
+              <a:latin typeface="Laksaman" panose="020B0500040200020003" charset="0"/>
+              <a:cs typeface="Laksaman" panose="020B0500040200020003" charset="0"/>
+              <a:sym typeface="+mn-ea"/>
+            </a:endParaRPr>
+          </a:p>
+          <a:p>
+            <a:pPr lvl="0">
+              <a:lnSpc>
+                <a:spcPct val="150000"/>
+              </a:lnSpc>
+            </a:pPr>
+            <a:r>
+              <a:rPr lang="" altLang="en-US" sz="2800" b="1">
+                <a:latin typeface="Laksaman" panose="020B0500040200020003" charset="0"/>
+                <a:cs typeface="Laksaman" panose="020B0500040200020003" charset="0"/>
+                <a:sym typeface="+mn-ea"/>
+              </a:rPr>
+              <a:t>Artificial dataset has many outliers due to randomization</a:t>
+            </a:r>
+            <a:endParaRPr lang="en-US" altLang="en-US" sz="2800" b="1">
+              <a:latin typeface="Laksaman" panose="020B0500040200020003" charset="0"/>
+              <a:cs typeface="Laksaman" panose="020B0500040200020003" charset="0"/>
+              <a:sym typeface="+mn-ea"/>
+            </a:endParaRPr>
+          </a:p>
+          <a:p>
+            <a:pPr lvl="0">
+              <a:lnSpc>
+                <a:spcPct val="150000"/>
+              </a:lnSpc>
+            </a:pPr>
+            <a:r>
+              <a:rPr lang="" altLang="en-US" sz="2800" b="1">
+                <a:latin typeface="Laksaman" panose="020B0500040200020003" charset="0"/>
+                <a:cs typeface="Laksaman" panose="020B0500040200020003" charset="0"/>
+                <a:sym typeface="+mn-ea"/>
+              </a:rPr>
+              <a:t>Simulates impossible or highly unlikely scenarios</a:t>
+            </a:r>
+            <a:endParaRPr lang="en-US" altLang="en-US" sz="2800" b="1">
+              <a:latin typeface="Laksaman" panose="020B0500040200020003" charset="0"/>
+              <a:cs typeface="Laksaman" panose="020B0500040200020003" charset="0"/>
+              <a:sym typeface="+mn-ea"/>
+            </a:endParaRPr>
+          </a:p>
+          <a:p>
+            <a:pPr lvl="0">
+              <a:lnSpc>
+                <a:spcPct val="150000"/>
+              </a:lnSpc>
+            </a:pPr>
+            <a:r>
+              <a:rPr lang="" altLang="en-US" sz="2800" b="1">
+                <a:latin typeface="Laksaman" panose="020B0500040200020003" charset="0"/>
+                <a:cs typeface="Laksaman" panose="020B0500040200020003" charset="0"/>
+                <a:sym typeface="+mn-ea"/>
+              </a:rPr>
+              <a:t>Artificial datasets are very inefficient when the focus is classification</a:t>
+            </a:r>
+            <a:endParaRPr lang="" altLang="en-US" sz="2800" b="1">
+              <a:latin typeface="Laksaman" panose="020B0500040200020003" charset="0"/>
+              <a:cs typeface="Laksaman" panose="020B0500040200020003" charset="0"/>
+              <a:sym typeface="+mn-ea"/>
+            </a:endParaRPr>
+          </a:p>
+          <a:p>
+            <a:pPr lvl="0">
+              <a:lnSpc>
+                <a:spcPct val="150000"/>
+              </a:lnSpc>
+            </a:pPr>
+            <a:r>
+              <a:rPr lang="" altLang="en-US" sz="2800" b="1">
+                <a:latin typeface="Laksaman" panose="020B0500040200020003" charset="0"/>
+                <a:cs typeface="Laksaman" panose="020B0500040200020003" charset="0"/>
+                <a:sym typeface="+mn-ea"/>
+              </a:rPr>
+              <a:t>Tree-based models are not the best when dealing with artificial data - overfitting</a:t>
+            </a:r>
+            <a:endParaRPr lang="" altLang="en-US" sz="2800" b="1">
+              <a:latin typeface="Laksaman" panose="020B0500040200020003" charset="0"/>
+              <a:cs typeface="Laksaman" panose="020B0500040200020003" charset="0"/>
+              <a:sym typeface="+mn-ea"/>
+            </a:endParaRPr>
+          </a:p>
+        </p:txBody>
+      </p:sp>
+    </p:spTree>
+  </p:cSld>
+  <p:clrMapOvr>
+    <a:masterClrMapping/>
+  </p:clrMapOvr>
+</p:sld>
+</file>
+
+<file path=ppt/slides/slide71.xml><?xml version="1.0" encoding="utf-8"?>
+<p:sld xmlns:a="http://schemas.openxmlformats.org/drawingml/2006/main" xmlns:r="http://schemas.openxmlformats.org/officeDocument/2006/relationships" xmlns:p="http://schemas.openxmlformats.org/presentationml/2006/main">
+  <p:cSld>
+    <p:spTree>
+      <p:nvGrpSpPr>
+        <p:cNvPr id="1" name=""/>
+        <p:cNvGrpSpPr/>
+        <p:nvPr/>
+      </p:nvGrpSpPr>
+      <p:grpSpPr/>
+      <p:sp>
+        <p:nvSpPr>
+          <p:cNvPr id="2" name="Title 1"/>
+          <p:cNvSpPr>
+            <a:spLocks noGrp="1"/>
+          </p:cNvSpPr>
+          <p:nvPr>
+            <p:ph type="title"/>
+          </p:nvPr>
+        </p:nvSpPr>
+        <p:spPr>
+          <a:xfrm>
+            <a:off x="485775" y="575945"/>
+            <a:ext cx="11220450" cy="624205"/>
+          </a:xfrm>
+        </p:spPr>
+        <p:txBody>
+          <a:bodyPr>
+            <a:normAutofit/>
+          </a:bodyPr>
+          <a:p>
+            <a:pPr algn="ctr"/>
+            <a:r>
+              <a:rPr lang="en-US" altLang="en-US">
+                <a:latin typeface="Cantarell" panose="02000603000000000000" charset="0"/>
+                <a:cs typeface="Cantarell" panose="02000603000000000000" charset="0"/>
+              </a:rPr>
+              <a:t>CONCLUSION</a:t>
+            </a:r>
+            <a:endParaRPr lang="en-US" altLang="en-US">
+              <a:latin typeface="Cantarell" panose="02000603000000000000" charset="0"/>
+              <a:cs typeface="Cantarell" panose="02000603000000000000" charset="0"/>
+            </a:endParaRPr>
+          </a:p>
+        </p:txBody>
+      </p:sp>
+      <p:sp>
+        <p:nvSpPr>
+          <p:cNvPr id="3" name="Content Placeholder 2"/>
+          <p:cNvSpPr>
+            <a:spLocks noGrp="1"/>
+          </p:cNvSpPr>
+          <p:nvPr>
+            <p:ph idx="1"/>
+          </p:nvPr>
+        </p:nvSpPr>
+        <p:spPr>
+          <a:xfrm>
+            <a:off x="482600" y="1304925"/>
+            <a:ext cx="11221720" cy="5291455"/>
+          </a:xfrm>
+        </p:spPr>
+        <p:txBody>
+          <a:bodyPr/>
+          <a:p>
+            <a:pPr lvl="0">
+              <a:lnSpc>
+                <a:spcPct val="150000"/>
+              </a:lnSpc>
+            </a:pPr>
+            <a:r>
+              <a:rPr lang="" altLang="en-US" sz="2800" b="1">
+                <a:latin typeface="Laksaman" panose="020B0500040200020003" charset="0"/>
+                <a:cs typeface="Laksaman" panose="020B0500040200020003" charset="0"/>
+                <a:sym typeface="+mn-ea"/>
+              </a:rPr>
+              <a:t>HOWEVER,</a:t>
+            </a:r>
+            <a:endParaRPr lang="" altLang="en-US" sz="2800" b="1">
+              <a:latin typeface="Laksaman" panose="020B0500040200020003" charset="0"/>
+              <a:cs typeface="Laksaman" panose="020B0500040200020003" charset="0"/>
+              <a:sym typeface="+mn-ea"/>
+            </a:endParaRPr>
+          </a:p>
+          <a:p>
+            <a:pPr lvl="0">
+              <a:lnSpc>
+                <a:spcPct val="150000"/>
+              </a:lnSpc>
+            </a:pPr>
+            <a:r>
+              <a:rPr lang="" altLang="en-US" sz="2800" b="1">
+                <a:latin typeface="Laksaman" panose="020B0500040200020003" charset="0"/>
+                <a:cs typeface="Laksaman" panose="020B0500040200020003" charset="0"/>
+                <a:sym typeface="+mn-ea"/>
+              </a:rPr>
+              <a:t>The small dataset problem is solved</a:t>
+            </a:r>
+            <a:endParaRPr lang="" altLang="en-US" sz="2800" b="1">
+              <a:latin typeface="Laksaman" panose="020B0500040200020003" charset="0"/>
+              <a:cs typeface="Laksaman" panose="020B0500040200020003" charset="0"/>
+              <a:sym typeface="+mn-ea"/>
+            </a:endParaRPr>
+          </a:p>
+          <a:p>
+            <a:pPr lvl="0">
+              <a:lnSpc>
+                <a:spcPct val="150000"/>
+              </a:lnSpc>
+            </a:pPr>
+            <a:r>
+              <a:rPr lang="" altLang="en-US" sz="2800" b="1">
+                <a:latin typeface="Laksaman" panose="020B0500040200020003" charset="0"/>
+                <a:cs typeface="Laksaman" panose="020B0500040200020003" charset="0"/>
+                <a:sym typeface="+mn-ea"/>
+              </a:rPr>
+              <a:t>Randomization ensure all information gaps are filled.</a:t>
+            </a:r>
+            <a:endParaRPr lang="" altLang="en-US" sz="2800" b="1">
+              <a:latin typeface="Laksaman" panose="020B0500040200020003" charset="0"/>
+              <a:cs typeface="Laksaman" panose="020B0500040200020003" charset="0"/>
+              <a:sym typeface="+mn-ea"/>
+            </a:endParaRPr>
+          </a:p>
+          <a:p>
+            <a:pPr lvl="0">
+              <a:lnSpc>
+                <a:spcPct val="150000"/>
+              </a:lnSpc>
+            </a:pPr>
+            <a:r>
+              <a:rPr lang="" altLang="en-US" sz="2800" b="1">
+                <a:latin typeface="Laksaman" panose="020B0500040200020003" charset="0"/>
+                <a:cs typeface="Laksaman" panose="020B0500040200020003" charset="0"/>
+                <a:sym typeface="+mn-ea"/>
+              </a:rPr>
+              <a:t>Artificial dataset are best used as a basis, and have potential for learning.</a:t>
+            </a:r>
+            <a:endParaRPr lang="" altLang="en-US" sz="2800" b="1">
+              <a:latin typeface="Laksaman" panose="020B0500040200020003" charset="0"/>
+              <a:cs typeface="Laksaman" panose="020B0500040200020003" charset="0"/>
+              <a:sym typeface="+mn-ea"/>
+            </a:endParaRPr>
+          </a:p>
+          <a:p>
+            <a:pPr lvl="0">
+              <a:lnSpc>
+                <a:spcPct val="150000"/>
+              </a:lnSpc>
+            </a:pPr>
+            <a:r>
+              <a:rPr lang="" altLang="en-US" sz="2800" b="1">
+                <a:latin typeface="Laksaman" panose="020B0500040200020003" charset="0"/>
+                <a:cs typeface="Laksaman" panose="020B0500040200020003" charset="0"/>
+                <a:sym typeface="+mn-ea"/>
+              </a:rPr>
+              <a:t>Over-dependence on artificial data should be highly discouraged - no real world scenario</a:t>
+            </a:r>
+            <a:endParaRPr lang="" altLang="en-US" sz="2800" b="1">
+              <a:latin typeface="Laksaman" panose="020B0500040200020003" charset="0"/>
+              <a:cs typeface="Laksaman" panose="020B0500040200020003" charset="0"/>
+              <a:sym typeface="+mn-ea"/>
+            </a:endParaRPr>
+          </a:p>
+        </p:txBody>
+      </p:sp>
+    </p:spTree>
+  </p:cSld>
+  <p:clrMapOvr>
+    <a:masterClrMapping/>
+  </p:clrMapOvr>
+</p:sld>
+</file>
+
+<file path=ppt/slides/slide72.xml><?xml version="1.0" encoding="utf-8"?>
+<p:sld xmlns:a="http://schemas.openxmlformats.org/drawingml/2006/main" xmlns:r="http://schemas.openxmlformats.org/officeDocument/2006/relationships" xmlns:p="http://schemas.openxmlformats.org/presentationml/2006/main">
+  <p:cSld>
+    <p:spTree>
+      <p:nvGrpSpPr>
+        <p:cNvPr id="1" name=""/>
+        <p:cNvGrpSpPr/>
+        <p:nvPr/>
+      </p:nvGrpSpPr>
+      <p:grpSpPr/>
+      <p:sp>
+        <p:nvSpPr>
+          <p:cNvPr id="2" name="Title 1"/>
+          <p:cNvSpPr>
+            <a:spLocks noGrp="1"/>
+          </p:cNvSpPr>
+          <p:nvPr>
+            <p:ph type="title"/>
+          </p:nvPr>
+        </p:nvSpPr>
+        <p:spPr>
+          <a:xfrm>
+            <a:off x="610235" y="2854960"/>
+            <a:ext cx="10972165" cy="1148080"/>
+          </a:xfrm>
+        </p:spPr>
+        <p:txBody>
+          <a:bodyPr>
+            <a:normAutofit fontScale="90000"/>
+          </a:bodyPr>
+          <a:p>
+            <a:pPr algn="ctr"/>
+            <a:r>
+              <a:rPr lang="en-US" altLang="en-US" sz="4000">
+                <a:latin typeface="Cantarell" panose="02000603000000000000" charset="0"/>
+                <a:cs typeface="Cantarell" panose="02000603000000000000" charset="0"/>
+                <a:sym typeface="+mn-ea"/>
+              </a:rPr>
+              <a:t>LIMITATIONS, CONCLUSION &amp; RECOMMENDATIONS</a:t>
+            </a:r>
+            <a:endParaRPr lang="en-US" altLang="en-US" sz="4000">
+              <a:latin typeface="Cantarell" panose="02000603000000000000" charset="0"/>
+              <a:cs typeface="Cantarell" panose="02000603000000000000" charset="0"/>
+            </a:endParaRPr>
+          </a:p>
+        </p:txBody>
+      </p:sp>
+    </p:spTree>
+  </p:cSld>
+  <p:clrMapOvr>
+    <a:masterClrMapping/>
+  </p:clrMapOvr>
+</p:sld>
+</file>
+
+<file path=ppt/slides/slide73.xml><?xml version="1.0" encoding="utf-8"?>
+<p:sld xmlns:a="http://schemas.openxmlformats.org/drawingml/2006/main" xmlns:r="http://schemas.openxmlformats.org/officeDocument/2006/relationships" xmlns:p="http://schemas.openxmlformats.org/presentationml/2006/main">
+  <p:cSld>
+    <p:spTree>
+      <p:nvGrpSpPr>
+        <p:cNvPr id="1" name=""/>
+        <p:cNvGrpSpPr/>
+        <p:nvPr/>
+      </p:nvGrpSpPr>
+      <p:grpSpPr/>
+      <p:sp>
+        <p:nvSpPr>
+          <p:cNvPr id="2" name="Title 1"/>
+          <p:cNvSpPr>
+            <a:spLocks noGrp="1"/>
+          </p:cNvSpPr>
+          <p:nvPr>
+            <p:ph type="title"/>
+          </p:nvPr>
+        </p:nvSpPr>
+        <p:spPr>
+          <a:xfrm>
+            <a:off x="485775" y="575945"/>
+            <a:ext cx="11220450" cy="624205"/>
+          </a:xfrm>
+        </p:spPr>
+        <p:txBody>
+          <a:bodyPr>
+            <a:normAutofit/>
+          </a:bodyPr>
+          <a:p>
+            <a:pPr algn="ctr"/>
+            <a:r>
+              <a:rPr lang="" altLang="en-US">
+                <a:latin typeface="Cantarell" panose="02000603000000000000" charset="0"/>
+                <a:cs typeface="Cantarell" panose="02000603000000000000" charset="0"/>
+              </a:rPr>
+              <a:t>LIMITATIONS</a:t>
+            </a:r>
+            <a:endParaRPr lang="" altLang="en-US">
+              <a:latin typeface="Cantarell" panose="02000603000000000000" charset="0"/>
+              <a:cs typeface="Cantarell" panose="02000603000000000000" charset="0"/>
+            </a:endParaRPr>
+          </a:p>
+        </p:txBody>
+      </p:sp>
+      <p:sp>
+        <p:nvSpPr>
+          <p:cNvPr id="3" name="Content Placeholder 2"/>
+          <p:cNvSpPr>
+            <a:spLocks noGrp="1"/>
+          </p:cNvSpPr>
+          <p:nvPr>
+            <p:ph idx="1"/>
+          </p:nvPr>
+        </p:nvSpPr>
+        <p:spPr>
+          <a:xfrm>
+            <a:off x="482600" y="1304925"/>
+            <a:ext cx="11221720" cy="5291455"/>
+          </a:xfrm>
+        </p:spPr>
+        <p:txBody>
+          <a:bodyPr/>
+          <a:p>
+            <a:pPr lvl="0">
+              <a:lnSpc>
+                <a:spcPct val="150000"/>
+              </a:lnSpc>
+            </a:pPr>
+            <a:r>
+              <a:rPr lang="" altLang="en-US" sz="2800" b="1">
+                <a:latin typeface="Laksaman" panose="020B0500040200020003" charset="0"/>
+                <a:cs typeface="Laksaman" panose="020B0500040200020003" charset="0"/>
+                <a:sym typeface="+mn-ea"/>
+              </a:rPr>
+              <a:t>Poor internet connectivity</a:t>
+            </a:r>
+            <a:endParaRPr lang="en-US" altLang="en-US" sz="2800" b="1">
+              <a:latin typeface="Laksaman" panose="020B0500040200020003" charset="0"/>
+              <a:cs typeface="Laksaman" panose="020B0500040200020003" charset="0"/>
+              <a:sym typeface="+mn-ea"/>
+            </a:endParaRPr>
+          </a:p>
+          <a:p>
+            <a:pPr lvl="0">
+              <a:lnSpc>
+                <a:spcPct val="150000"/>
+              </a:lnSpc>
+            </a:pPr>
+            <a:r>
+              <a:rPr lang="" altLang="en-US" sz="2800" b="1">
+                <a:latin typeface="Laksaman" panose="020B0500040200020003" charset="0"/>
+                <a:cs typeface="Laksaman" panose="020B0500040200020003" charset="0"/>
+                <a:sym typeface="+mn-ea"/>
+              </a:rPr>
+              <a:t>New field - python, data science</a:t>
+            </a:r>
+            <a:endParaRPr lang="en-US" altLang="en-US" sz="2800" b="1">
+              <a:latin typeface="Laksaman" panose="020B0500040200020003" charset="0"/>
+              <a:cs typeface="Laksaman" panose="020B0500040200020003" charset="0"/>
+              <a:sym typeface="+mn-ea"/>
+            </a:endParaRPr>
+          </a:p>
+          <a:p>
+            <a:pPr lvl="0">
+              <a:lnSpc>
+                <a:spcPct val="150000"/>
+              </a:lnSpc>
+            </a:pPr>
+            <a:r>
+              <a:rPr lang="" altLang="en-US" sz="2800" b="1">
+                <a:latin typeface="Laksaman" panose="020B0500040200020003" charset="0"/>
+                <a:cs typeface="Laksaman" panose="020B0500040200020003" charset="0"/>
+                <a:sym typeface="+mn-ea"/>
+              </a:rPr>
+              <a:t>Poorly documented APIs</a:t>
+            </a:r>
+            <a:endParaRPr lang="en-US" altLang="en-US" sz="2800" b="1">
+              <a:latin typeface="Laksaman" panose="020B0500040200020003" charset="0"/>
+              <a:cs typeface="Laksaman" panose="020B0500040200020003" charset="0"/>
+              <a:sym typeface="+mn-ea"/>
+            </a:endParaRPr>
+          </a:p>
+          <a:p>
+            <a:pPr lvl="0">
+              <a:lnSpc>
+                <a:spcPct val="150000"/>
+              </a:lnSpc>
+            </a:pPr>
+            <a:r>
+              <a:rPr lang="" altLang="en-US" sz="2800" b="1">
+                <a:latin typeface="Laksaman" panose="020B0500040200020003" charset="0"/>
+                <a:cs typeface="Laksaman" panose="020B0500040200020003" charset="0"/>
+                <a:sym typeface="+mn-ea"/>
+              </a:rPr>
+              <a:t>Expensive dependent application server</a:t>
+            </a:r>
+            <a:endParaRPr lang="en-US" altLang="en-US" sz="2800" b="1">
+              <a:latin typeface="Laksaman" panose="020B0500040200020003" charset="0"/>
+              <a:cs typeface="Laksaman" panose="020B0500040200020003" charset="0"/>
+              <a:sym typeface="+mn-ea"/>
+            </a:endParaRPr>
+          </a:p>
+          <a:p>
+            <a:pPr lvl="0">
+              <a:lnSpc>
+                <a:spcPct val="150000"/>
+              </a:lnSpc>
+            </a:pPr>
+            <a:r>
+              <a:rPr lang="" altLang="en-US" sz="2800" b="1">
+                <a:latin typeface="Laksaman" panose="020B0500040200020003" charset="0"/>
+                <a:cs typeface="Laksaman" panose="020B0500040200020003" charset="0"/>
+                <a:sym typeface="+mn-ea"/>
+              </a:rPr>
+              <a:t>Heavy processing requirements during generation of large datasets</a:t>
+            </a:r>
+            <a:endParaRPr lang="" altLang="en-US" sz="2800" b="1">
+              <a:latin typeface="Laksaman" panose="020B0500040200020003" charset="0"/>
+              <a:cs typeface="Laksaman" panose="020B0500040200020003" charset="0"/>
+              <a:sym typeface="+mn-ea"/>
+            </a:endParaRPr>
+          </a:p>
+        </p:txBody>
+      </p:sp>
+    </p:spTree>
+  </p:cSld>
+  <p:clrMapOvr>
+    <a:masterClrMapping/>
+  </p:clrMapOvr>
+</p:sld>
+</file>
+
+<file path=ppt/slides/slide74.xml><?xml version="1.0" encoding="utf-8"?>
+<p:sld xmlns:a="http://schemas.openxmlformats.org/drawingml/2006/main" xmlns:r="http://schemas.openxmlformats.org/officeDocument/2006/relationships" xmlns:p="http://schemas.openxmlformats.org/presentationml/2006/main">
+  <p:cSld>
+    <p:spTree>
+      <p:nvGrpSpPr>
+        <p:cNvPr id="1" name=""/>
+        <p:cNvGrpSpPr/>
+        <p:nvPr/>
+      </p:nvGrpSpPr>
+      <p:grpSpPr/>
+      <p:sp>
+        <p:nvSpPr>
+          <p:cNvPr id="2" name="Title 1"/>
+          <p:cNvSpPr>
+            <a:spLocks noGrp="1"/>
+          </p:cNvSpPr>
+          <p:nvPr>
+            <p:ph type="title"/>
+          </p:nvPr>
+        </p:nvSpPr>
+        <p:spPr>
+          <a:xfrm>
+            <a:off x="485775" y="873125"/>
+            <a:ext cx="11220450" cy="956310"/>
+          </a:xfrm>
+        </p:spPr>
+        <p:txBody>
+          <a:bodyPr>
+            <a:normAutofit/>
+          </a:bodyPr>
+          <a:p>
+            <a:pPr algn="ctr"/>
+            <a:r>
+              <a:rPr lang="" altLang="en-US">
+                <a:latin typeface="Cantarell" panose="02000603000000000000" charset="0"/>
+                <a:cs typeface="Cantarell" panose="02000603000000000000" charset="0"/>
+              </a:rPr>
+              <a:t>PROJECT APPRAISAL: STRENGTHS</a:t>
+            </a:r>
+            <a:endParaRPr lang="" altLang="en-US">
+              <a:latin typeface="Cantarell" panose="02000603000000000000" charset="0"/>
+              <a:cs typeface="Cantarell" panose="02000603000000000000" charset="0"/>
+            </a:endParaRPr>
+          </a:p>
+        </p:txBody>
+      </p:sp>
+      <p:sp>
+        <p:nvSpPr>
+          <p:cNvPr id="3" name="Content Placeholder 2"/>
+          <p:cNvSpPr>
+            <a:spLocks noGrp="1"/>
+          </p:cNvSpPr>
+          <p:nvPr>
+            <p:ph idx="1"/>
+          </p:nvPr>
+        </p:nvSpPr>
+        <p:spPr>
+          <a:xfrm>
+            <a:off x="482600" y="2107565"/>
+            <a:ext cx="11221720" cy="4488815"/>
+          </a:xfrm>
+        </p:spPr>
+        <p:txBody>
+          <a:bodyPr/>
+          <a:p>
+            <a:pPr lvl="0">
+              <a:lnSpc>
+                <a:spcPct val="150000"/>
+              </a:lnSpc>
+            </a:pPr>
+            <a:r>
+              <a:rPr lang="" altLang="en-US" sz="2800" b="1">
+                <a:latin typeface="Laksaman" panose="020B0500040200020003" charset="0"/>
+                <a:cs typeface="Laksaman" panose="020B0500040200020003" charset="0"/>
+                <a:sym typeface="+mn-ea"/>
+              </a:rPr>
+              <a:t>Relatively easy to use</a:t>
+            </a:r>
+            <a:endParaRPr lang="en-US" altLang="en-US" sz="2800" b="1">
+              <a:latin typeface="Laksaman" panose="020B0500040200020003" charset="0"/>
+              <a:cs typeface="Laksaman" panose="020B0500040200020003" charset="0"/>
+              <a:sym typeface="+mn-ea"/>
+            </a:endParaRPr>
+          </a:p>
+          <a:p>
+            <a:pPr lvl="0">
+              <a:lnSpc>
+                <a:spcPct val="150000"/>
+              </a:lnSpc>
+            </a:pPr>
+            <a:r>
+              <a:rPr lang="" altLang="en-US" sz="2800" b="1">
+                <a:latin typeface="Laksaman" panose="020B0500040200020003" charset="0"/>
+                <a:cs typeface="Laksaman" panose="020B0500040200020003" charset="0"/>
+                <a:sym typeface="+mn-ea"/>
+              </a:rPr>
+              <a:t>Consistent interface</a:t>
+            </a:r>
+            <a:endParaRPr lang="en-US" altLang="en-US" sz="2800" b="1">
+              <a:latin typeface="Laksaman" panose="020B0500040200020003" charset="0"/>
+              <a:cs typeface="Laksaman" panose="020B0500040200020003" charset="0"/>
+              <a:sym typeface="+mn-ea"/>
+            </a:endParaRPr>
+          </a:p>
+          <a:p>
+            <a:pPr lvl="0">
+              <a:lnSpc>
+                <a:spcPct val="150000"/>
+              </a:lnSpc>
+            </a:pPr>
+            <a:r>
+              <a:rPr lang="en-US" altLang="en-US" sz="2800" b="1">
+                <a:latin typeface="Laksaman" panose="020B0500040200020003" charset="0"/>
+                <a:cs typeface="Laksaman" panose="020B0500040200020003" charset="0"/>
+                <a:sym typeface="+mn-ea"/>
+              </a:rPr>
+              <a:t>It allows for access of prior generated datasets without having to initiate a new projects</a:t>
+            </a:r>
+            <a:endParaRPr lang="en-US" altLang="en-US" sz="2800" b="1">
+              <a:latin typeface="Laksaman" panose="020B0500040200020003" charset="0"/>
+              <a:cs typeface="Laksaman" panose="020B0500040200020003" charset="0"/>
+              <a:sym typeface="+mn-ea"/>
+            </a:endParaRPr>
+          </a:p>
+        </p:txBody>
+      </p:sp>
+    </p:spTree>
+  </p:cSld>
+  <p:clrMapOvr>
+    <a:masterClrMapping/>
+  </p:clrMapOvr>
+</p:sld>
+</file>
+
+<file path=ppt/slides/slide75.xml><?xml version="1.0" encoding="utf-8"?>
+<p:sld xmlns:a="http://schemas.openxmlformats.org/drawingml/2006/main" xmlns:r="http://schemas.openxmlformats.org/officeDocument/2006/relationships" xmlns:p="http://schemas.openxmlformats.org/presentationml/2006/main">
+  <p:cSld>
+    <p:spTree>
+      <p:nvGrpSpPr>
+        <p:cNvPr id="1" name=""/>
+        <p:cNvGrpSpPr/>
+        <p:nvPr/>
+      </p:nvGrpSpPr>
+      <p:grpSpPr/>
+      <p:sp>
+        <p:nvSpPr>
+          <p:cNvPr id="2" name="Title 1"/>
+          <p:cNvSpPr>
+            <a:spLocks noGrp="1"/>
+          </p:cNvSpPr>
+          <p:nvPr>
+            <p:ph type="title"/>
+          </p:nvPr>
+        </p:nvSpPr>
+        <p:spPr>
+          <a:xfrm>
+            <a:off x="485775" y="873125"/>
+            <a:ext cx="11220450" cy="956310"/>
+          </a:xfrm>
+        </p:spPr>
+        <p:txBody>
+          <a:bodyPr>
+            <a:normAutofit/>
+          </a:bodyPr>
+          <a:p>
+            <a:pPr algn="ctr"/>
+            <a:r>
+              <a:rPr lang="en-US" altLang="en-US">
+                <a:latin typeface="Cantarell" panose="02000603000000000000" charset="0"/>
+                <a:cs typeface="Cantarell" panose="02000603000000000000" charset="0"/>
+              </a:rPr>
+              <a:t>PROJECT APPRAISAL: </a:t>
+            </a:r>
+            <a:r>
+              <a:rPr lang="" altLang="en-US">
+                <a:latin typeface="Cantarell" panose="02000603000000000000" charset="0"/>
+                <a:cs typeface="Cantarell" panose="02000603000000000000" charset="0"/>
+              </a:rPr>
+              <a:t>WEAKNESSES</a:t>
+            </a:r>
+            <a:endParaRPr lang="" altLang="en-US">
+              <a:latin typeface="Cantarell" panose="02000603000000000000" charset="0"/>
+              <a:cs typeface="Cantarell" panose="02000603000000000000" charset="0"/>
+            </a:endParaRPr>
+          </a:p>
+        </p:txBody>
+      </p:sp>
+      <p:sp>
+        <p:nvSpPr>
+          <p:cNvPr id="3" name="Content Placeholder 2"/>
+          <p:cNvSpPr>
+            <a:spLocks noGrp="1"/>
+          </p:cNvSpPr>
+          <p:nvPr>
+            <p:ph idx="1"/>
+          </p:nvPr>
+        </p:nvSpPr>
+        <p:spPr>
+          <a:xfrm>
+            <a:off x="482600" y="2107565"/>
+            <a:ext cx="11221720" cy="4488815"/>
+          </a:xfrm>
+        </p:spPr>
+        <p:txBody>
+          <a:bodyPr/>
+          <a:p>
+            <a:pPr lvl="0">
+              <a:lnSpc>
+                <a:spcPct val="150000"/>
+              </a:lnSpc>
+            </a:pPr>
+            <a:r>
+              <a:rPr lang="en-US" altLang="en-US" sz="2800" b="1">
+                <a:latin typeface="Laksaman" panose="020B0500040200020003" charset="0"/>
+                <a:cs typeface="Laksaman" panose="020B0500040200020003" charset="0"/>
+                <a:sym typeface="+mn-ea"/>
+              </a:rPr>
+              <a:t>It does not include an interface for using the artificial dataset to make predictions</a:t>
+            </a:r>
+            <a:endParaRPr lang="en-US" altLang="en-US" sz="2800" b="1">
+              <a:latin typeface="Laksaman" panose="020B0500040200020003" charset="0"/>
+              <a:cs typeface="Laksaman" panose="020B0500040200020003" charset="0"/>
+              <a:sym typeface="+mn-ea"/>
+            </a:endParaRPr>
+          </a:p>
+          <a:p>
+            <a:pPr lvl="0">
+              <a:lnSpc>
+                <a:spcPct val="150000"/>
+              </a:lnSpc>
+            </a:pPr>
+            <a:r>
+              <a:rPr lang="en-US" altLang="en-US" sz="2800" b="1">
+                <a:latin typeface="Laksaman" panose="020B0500040200020003" charset="0"/>
+                <a:cs typeface="Laksaman" panose="020B0500040200020003" charset="0"/>
+                <a:sym typeface="+mn-ea"/>
+              </a:rPr>
+              <a:t>The system involves a lot of repetitive data entry that may become tedious</a:t>
+            </a:r>
+            <a:endParaRPr lang="en-US" altLang="en-US" sz="2800" b="1">
+              <a:latin typeface="Laksaman" panose="020B0500040200020003" charset="0"/>
+              <a:cs typeface="Laksaman" panose="020B0500040200020003" charset="0"/>
+              <a:sym typeface="+mn-ea"/>
+            </a:endParaRPr>
+          </a:p>
+          <a:p>
+            <a:pPr lvl="0">
+              <a:lnSpc>
+                <a:spcPct val="150000"/>
+              </a:lnSpc>
+            </a:pPr>
+            <a:r>
+              <a:rPr lang="en-US" altLang="en-US" sz="2800" b="1">
+                <a:latin typeface="Laksaman" panose="020B0500040200020003" charset="0"/>
+                <a:cs typeface="Laksaman" panose="020B0500040200020003" charset="0"/>
+                <a:sym typeface="+mn-ea"/>
+              </a:rPr>
+              <a:t>The system is dependent on an internet connection</a:t>
+            </a:r>
+            <a:endParaRPr lang="en-US" altLang="en-US" sz="2800" b="1">
+              <a:latin typeface="Laksaman" panose="020B0500040200020003" charset="0"/>
+              <a:cs typeface="Laksaman" panose="020B0500040200020003" charset="0"/>
+              <a:sym typeface="+mn-ea"/>
+            </a:endParaRPr>
+          </a:p>
+        </p:txBody>
+      </p:sp>
+    </p:spTree>
+  </p:cSld>
+  <p:clrMapOvr>
+    <a:masterClrMapping/>
+  </p:clrMapOvr>
+</p:sld>
+</file>
+
+<file path=ppt/slides/slide76.xml><?xml version="1.0" encoding="utf-8"?>
+<p:sld xmlns:a="http://schemas.openxmlformats.org/drawingml/2006/main" xmlns:r="http://schemas.openxmlformats.org/officeDocument/2006/relationships" xmlns:p="http://schemas.openxmlformats.org/presentationml/2006/main">
+  <p:cSld>
+    <p:spTree>
+      <p:nvGrpSpPr>
+        <p:cNvPr id="1" name=""/>
+        <p:cNvGrpSpPr/>
+        <p:nvPr/>
+      </p:nvGrpSpPr>
+      <p:grpSpPr/>
+      <p:sp>
+        <p:nvSpPr>
+          <p:cNvPr id="2" name="Title 1"/>
+          <p:cNvSpPr>
+            <a:spLocks noGrp="1"/>
+          </p:cNvSpPr>
+          <p:nvPr>
+            <p:ph type="title"/>
+          </p:nvPr>
+        </p:nvSpPr>
+        <p:spPr>
+          <a:xfrm>
+            <a:off x="485775" y="873125"/>
+            <a:ext cx="11220450" cy="956310"/>
+          </a:xfrm>
+        </p:spPr>
+        <p:txBody>
+          <a:bodyPr>
+            <a:normAutofit/>
+          </a:bodyPr>
+          <a:p>
+            <a:pPr algn="ctr"/>
+            <a:r>
+              <a:rPr lang="" altLang="en-US">
+                <a:latin typeface="Cantarell" panose="02000603000000000000" charset="0"/>
+                <a:cs typeface="Cantarell" panose="02000603000000000000" charset="0"/>
+              </a:rPr>
+              <a:t>CONCLUSIONS</a:t>
+            </a:r>
+            <a:endParaRPr lang="" altLang="en-US">
+              <a:latin typeface="Cantarell" panose="02000603000000000000" charset="0"/>
+              <a:cs typeface="Cantarell" panose="02000603000000000000" charset="0"/>
+            </a:endParaRPr>
+          </a:p>
+        </p:txBody>
+      </p:sp>
+      <p:sp>
+        <p:nvSpPr>
+          <p:cNvPr id="3" name="Content Placeholder 2"/>
+          <p:cNvSpPr>
+            <a:spLocks noGrp="1"/>
+          </p:cNvSpPr>
+          <p:nvPr>
+            <p:ph idx="1"/>
+          </p:nvPr>
+        </p:nvSpPr>
+        <p:spPr>
+          <a:xfrm>
+            <a:off x="482600" y="2107565"/>
+            <a:ext cx="11221720" cy="4488815"/>
+          </a:xfrm>
+        </p:spPr>
+        <p:txBody>
+          <a:bodyPr/>
+          <a:p>
+            <a:pPr lvl="0">
+              <a:lnSpc>
+                <a:spcPct val="150000"/>
+              </a:lnSpc>
+            </a:pPr>
+            <a:r>
+              <a:rPr lang="" altLang="en-US" sz="2800" b="1">
+                <a:latin typeface="Laksaman" panose="020B0500040200020003" charset="0"/>
+                <a:cs typeface="Laksaman" panose="020B0500040200020003" charset="0"/>
+                <a:sym typeface="+mn-ea"/>
+              </a:rPr>
+              <a:t>Objectives have been met</a:t>
+            </a:r>
+            <a:endParaRPr lang="" altLang="en-US" sz="2800" b="1">
+              <a:latin typeface="Laksaman" panose="020B0500040200020003" charset="0"/>
+              <a:cs typeface="Laksaman" panose="020B0500040200020003" charset="0"/>
+              <a:sym typeface="+mn-ea"/>
+            </a:endParaRPr>
+          </a:p>
+          <a:p>
+            <a:pPr lvl="0">
+              <a:lnSpc>
+                <a:spcPct val="150000"/>
+              </a:lnSpc>
+            </a:pPr>
+            <a:r>
+              <a:rPr lang="" altLang="en-US" sz="2800" b="1">
+                <a:latin typeface="Laksaman" panose="020B0500040200020003" charset="0"/>
+                <a:cs typeface="Laksaman" panose="020B0500040200020003" charset="0"/>
+                <a:sym typeface="+mn-ea"/>
+              </a:rPr>
+              <a:t>It is possible to use artificial datasets for predicitive modelling</a:t>
+            </a:r>
+            <a:endParaRPr lang="" altLang="en-US" sz="2800" b="1">
+              <a:latin typeface="Laksaman" panose="020B0500040200020003" charset="0"/>
+              <a:cs typeface="Laksaman" panose="020B0500040200020003" charset="0"/>
+              <a:sym typeface="+mn-ea"/>
+            </a:endParaRPr>
+          </a:p>
+          <a:p>
+            <a:pPr lvl="0">
+              <a:lnSpc>
+                <a:spcPct val="150000"/>
+              </a:lnSpc>
+            </a:pPr>
+            <a:r>
+              <a:rPr lang="" altLang="en-US" sz="2800" b="1">
+                <a:latin typeface="Laksaman" panose="020B0500040200020003" charset="0"/>
+                <a:cs typeface="Laksaman" panose="020B0500040200020003" charset="0"/>
+                <a:sym typeface="+mn-ea"/>
+              </a:rPr>
+              <a:t>It is an inexpensive and legal means of acquiring data</a:t>
+            </a:r>
+            <a:endParaRPr lang="" altLang="en-US" sz="2800" b="1">
+              <a:latin typeface="Laksaman" panose="020B0500040200020003" charset="0"/>
+              <a:cs typeface="Laksaman" panose="020B0500040200020003" charset="0"/>
+              <a:sym typeface="+mn-ea"/>
+            </a:endParaRPr>
+          </a:p>
+        </p:txBody>
+      </p:sp>
+    </p:spTree>
+  </p:cSld>
+  <p:clrMapOvr>
+    <a:masterClrMapping/>
+  </p:clrMapOvr>
+</p:sld>
+</file>
+
+<file path=ppt/slides/slide77.xml><?xml version="1.0" encoding="utf-8"?>
+<p:sld xmlns:a="http://schemas.openxmlformats.org/drawingml/2006/main" xmlns:r="http://schemas.openxmlformats.org/officeDocument/2006/relationships" xmlns:p="http://schemas.openxmlformats.org/presentationml/2006/main">
+  <p:cSld>
+    <p:spTree>
+      <p:nvGrpSpPr>
+        <p:cNvPr id="1" name=""/>
+        <p:cNvGrpSpPr/>
+        <p:nvPr/>
+      </p:nvGrpSpPr>
+      <p:grpSpPr/>
+      <p:sp>
+        <p:nvSpPr>
+          <p:cNvPr id="2" name="Title 1"/>
+          <p:cNvSpPr>
+            <a:spLocks noGrp="1"/>
+          </p:cNvSpPr>
+          <p:nvPr>
+            <p:ph type="title"/>
+          </p:nvPr>
+        </p:nvSpPr>
+        <p:spPr>
+          <a:xfrm>
+            <a:off x="485775" y="873125"/>
+            <a:ext cx="11220450" cy="956310"/>
+          </a:xfrm>
+        </p:spPr>
+        <p:txBody>
+          <a:bodyPr>
+            <a:normAutofit/>
+          </a:bodyPr>
+          <a:p>
+            <a:pPr algn="ctr"/>
+            <a:r>
+              <a:rPr lang="" altLang="en-US">
+                <a:latin typeface="Cantarell" panose="02000603000000000000" charset="0"/>
+                <a:cs typeface="Cantarell" panose="02000603000000000000" charset="0"/>
+              </a:rPr>
+              <a:t>RECOMMENDATIONS</a:t>
+            </a:r>
+            <a:endParaRPr lang="" altLang="en-US">
+              <a:latin typeface="Cantarell" panose="02000603000000000000" charset="0"/>
+              <a:cs typeface="Cantarell" panose="02000603000000000000" charset="0"/>
+            </a:endParaRPr>
+          </a:p>
+        </p:txBody>
+      </p:sp>
+      <p:sp>
+        <p:nvSpPr>
+          <p:cNvPr id="3" name="Content Placeholder 2"/>
+          <p:cNvSpPr>
+            <a:spLocks noGrp="1"/>
+          </p:cNvSpPr>
+          <p:nvPr>
+            <p:ph idx="1"/>
+          </p:nvPr>
+        </p:nvSpPr>
+        <p:spPr>
+          <a:xfrm>
+            <a:off x="482600" y="2107565"/>
+            <a:ext cx="11221720" cy="4488815"/>
+          </a:xfrm>
+        </p:spPr>
+        <p:txBody>
+          <a:bodyPr/>
+          <a:p>
+            <a:pPr lvl="0">
+              <a:lnSpc>
+                <a:spcPct val="150000"/>
+              </a:lnSpc>
+            </a:pPr>
+            <a:r>
+              <a:rPr lang="" altLang="en-US" sz="2800" b="1">
+                <a:latin typeface="Laksaman" panose="020B0500040200020003" charset="0"/>
+                <a:cs typeface="Laksaman" panose="020B0500040200020003" charset="0"/>
+                <a:sym typeface="+mn-ea"/>
+              </a:rPr>
+              <a:t>Artificial data generation should be integrated in CMS, data science tools</a:t>
+            </a:r>
+            <a:endParaRPr lang="" altLang="en-US" sz="2800" b="1">
+              <a:latin typeface="Laksaman" panose="020B0500040200020003" charset="0"/>
+              <a:cs typeface="Laksaman" panose="020B0500040200020003" charset="0"/>
+              <a:sym typeface="+mn-ea"/>
+            </a:endParaRPr>
+          </a:p>
+          <a:p>
+            <a:pPr lvl="0">
+              <a:lnSpc>
+                <a:spcPct val="150000"/>
+              </a:lnSpc>
+            </a:pPr>
+            <a:r>
+              <a:rPr lang="" altLang="en-US" sz="2800" b="1">
+                <a:latin typeface="Laksaman" panose="020B0500040200020003" charset="0"/>
+                <a:cs typeface="Laksaman" panose="020B0500040200020003" charset="0"/>
+                <a:sym typeface="+mn-ea"/>
+              </a:rPr>
+              <a:t>It is necessary that research how long or what it takes for predictions of an artificial model to be improved by complimenting it with real data.</a:t>
+            </a:r>
+            <a:endParaRPr lang="" altLang="en-US" sz="2800" b="1">
               <a:latin typeface="Laksaman" panose="020B0500040200020003" charset="0"/>
               <a:cs typeface="Laksaman" panose="020B0500040200020003" charset="0"/>
               <a:sym typeface="+mn-ea"/>
@@ -17893,13 +25085,13 @@
           <a:p>
             <a:pPr algn="ctr"/>
             <a:r>
-              <a:rPr lang="" altLang="en-US">
+              <a:rPr lang="en-US" altLang="en-US">
                 <a:latin typeface="Cantarell" panose="02000603000000000000" charset="0"/>
                 <a:cs typeface="Cantarell" panose="02000603000000000000" charset="0"/>
               </a:rPr>
               <a:t>OBJECTIVES</a:t>
             </a:r>
-            <a:endParaRPr lang="" altLang="en-US">
+            <a:endParaRPr lang="en-US" altLang="en-US">
               <a:latin typeface="Cantarell" panose="02000603000000000000" charset="0"/>
               <a:cs typeface="Cantarell" panose="02000603000000000000" charset="0"/>
             </a:endParaRPr>
@@ -17956,7 +25148,7 @@
                 <a:cs typeface="Laksaman" panose="020B0500040200020003" charset="0"/>
                 <a:sym typeface="+mn-ea"/>
               </a:rPr>
-              <a:t>To develop a predictive model based on artificial data</a:t>
+              <a:t>To develop an application that implements the generation of artificial datasets</a:t>
             </a:r>
             <a:endParaRPr sz="2800" b="1">
               <a:latin typeface="Laksaman" panose="020B0500040200020003" charset="0"/>
@@ -17976,7 +25168,7 @@
                 <a:cs typeface="Laksaman" panose="020B0500040200020003" charset="0"/>
                 <a:sym typeface="+mn-ea"/>
               </a:rPr>
-              <a:t>To compare and contrast between the quality of prediction models generated from artificial data and those from read data</a:t>
+              <a:t>To compare predictive models generated from real and artificial datasets</a:t>
             </a:r>
             <a:endParaRPr sz="2800" b="1">
               <a:latin typeface="Laksaman" panose="020B0500040200020003" charset="0"/>
@@ -18027,13 +25219,13 @@
           <a:p>
             <a:pPr algn="ctr"/>
             <a:r>
-              <a:rPr lang="" altLang="en-US">
+              <a:rPr lang="en-US" altLang="en-US">
                 <a:latin typeface="Cantarell" panose="02000603000000000000" charset="0"/>
                 <a:cs typeface="Cantarell" panose="02000603000000000000" charset="0"/>
               </a:rPr>
               <a:t>RESEARCH QUESTIONS</a:t>
             </a:r>
-            <a:endParaRPr lang="" altLang="en-US">
+            <a:endParaRPr lang="en-US" altLang="en-US">
               <a:latin typeface="Cantarell" panose="02000603000000000000" charset="0"/>
               <a:cs typeface="Cantarell" panose="02000603000000000000" charset="0"/>
             </a:endParaRPr>
